--- a/report/자료제작용ppt/씬 용.pptx
+++ b/report/자료제작용ppt/씬 용.pptx
@@ -260,7 +260,7 @@
           <a:p>
             <a:fld id="{C3C5D1B1-8293-48A2-AB8B-C692B9E585D3}" type="datetimeFigureOut">
               <a:rPr lang="ko-KR" altLang="en-US" smtClean="0"/>
-              <a:t>2020-04-08</a:t>
+              <a:t>2020-04-13</a:t>
             </a:fld>
             <a:endParaRPr lang="ko-KR" altLang="en-US"/>
           </a:p>
@@ -458,7 +458,7 @@
           <a:p>
             <a:fld id="{C3C5D1B1-8293-48A2-AB8B-C692B9E585D3}" type="datetimeFigureOut">
               <a:rPr lang="ko-KR" altLang="en-US" smtClean="0"/>
-              <a:t>2020-04-08</a:t>
+              <a:t>2020-04-13</a:t>
             </a:fld>
             <a:endParaRPr lang="ko-KR" altLang="en-US"/>
           </a:p>
@@ -666,7 +666,7 @@
           <a:p>
             <a:fld id="{C3C5D1B1-8293-48A2-AB8B-C692B9E585D3}" type="datetimeFigureOut">
               <a:rPr lang="ko-KR" altLang="en-US" smtClean="0"/>
-              <a:t>2020-04-08</a:t>
+              <a:t>2020-04-13</a:t>
             </a:fld>
             <a:endParaRPr lang="ko-KR" altLang="en-US"/>
           </a:p>
@@ -864,7 +864,7 @@
           <a:p>
             <a:fld id="{C3C5D1B1-8293-48A2-AB8B-C692B9E585D3}" type="datetimeFigureOut">
               <a:rPr lang="ko-KR" altLang="en-US" smtClean="0"/>
-              <a:t>2020-04-08</a:t>
+              <a:t>2020-04-13</a:t>
             </a:fld>
             <a:endParaRPr lang="ko-KR" altLang="en-US"/>
           </a:p>
@@ -1139,7 +1139,7 @@
           <a:p>
             <a:fld id="{C3C5D1B1-8293-48A2-AB8B-C692B9E585D3}" type="datetimeFigureOut">
               <a:rPr lang="ko-KR" altLang="en-US" smtClean="0"/>
-              <a:t>2020-04-08</a:t>
+              <a:t>2020-04-13</a:t>
             </a:fld>
             <a:endParaRPr lang="ko-KR" altLang="en-US"/>
           </a:p>
@@ -1404,7 +1404,7 @@
           <a:p>
             <a:fld id="{C3C5D1B1-8293-48A2-AB8B-C692B9E585D3}" type="datetimeFigureOut">
               <a:rPr lang="ko-KR" altLang="en-US" smtClean="0"/>
-              <a:t>2020-04-08</a:t>
+              <a:t>2020-04-13</a:t>
             </a:fld>
             <a:endParaRPr lang="ko-KR" altLang="en-US"/>
           </a:p>
@@ -1816,7 +1816,7 @@
           <a:p>
             <a:fld id="{C3C5D1B1-8293-48A2-AB8B-C692B9E585D3}" type="datetimeFigureOut">
               <a:rPr lang="ko-KR" altLang="en-US" smtClean="0"/>
-              <a:t>2020-04-08</a:t>
+              <a:t>2020-04-13</a:t>
             </a:fld>
             <a:endParaRPr lang="ko-KR" altLang="en-US"/>
           </a:p>
@@ -1957,7 +1957,7 @@
           <a:p>
             <a:fld id="{C3C5D1B1-8293-48A2-AB8B-C692B9E585D3}" type="datetimeFigureOut">
               <a:rPr lang="ko-KR" altLang="en-US" smtClean="0"/>
-              <a:t>2020-04-08</a:t>
+              <a:t>2020-04-13</a:t>
             </a:fld>
             <a:endParaRPr lang="ko-KR" altLang="en-US"/>
           </a:p>
@@ -2070,7 +2070,7 @@
           <a:p>
             <a:fld id="{C3C5D1B1-8293-48A2-AB8B-C692B9E585D3}" type="datetimeFigureOut">
               <a:rPr lang="ko-KR" altLang="en-US" smtClean="0"/>
-              <a:t>2020-04-08</a:t>
+              <a:t>2020-04-13</a:t>
             </a:fld>
             <a:endParaRPr lang="ko-KR" altLang="en-US"/>
           </a:p>
@@ -2381,7 +2381,7 @@
           <a:p>
             <a:fld id="{C3C5D1B1-8293-48A2-AB8B-C692B9E585D3}" type="datetimeFigureOut">
               <a:rPr lang="ko-KR" altLang="en-US" smtClean="0"/>
-              <a:t>2020-04-08</a:t>
+              <a:t>2020-04-13</a:t>
             </a:fld>
             <a:endParaRPr lang="ko-KR" altLang="en-US"/>
           </a:p>
@@ -2669,7 +2669,7 @@
           <a:p>
             <a:fld id="{C3C5D1B1-8293-48A2-AB8B-C692B9E585D3}" type="datetimeFigureOut">
               <a:rPr lang="ko-KR" altLang="en-US" smtClean="0"/>
-              <a:t>2020-04-08</a:t>
+              <a:t>2020-04-13</a:t>
             </a:fld>
             <a:endParaRPr lang="ko-KR" altLang="en-US"/>
           </a:p>
@@ -2910,7 +2910,7 @@
           <a:p>
             <a:fld id="{C3C5D1B1-8293-48A2-AB8B-C692B9E585D3}" type="datetimeFigureOut">
               <a:rPr lang="ko-KR" altLang="en-US" smtClean="0"/>
-              <a:t>2020-04-08</a:t>
+              <a:t>2020-04-13</a:t>
             </a:fld>
             <a:endParaRPr lang="ko-KR" altLang="en-US"/>
           </a:p>
@@ -3393,7 +3393,7 @@
         </p:nvGrpSpPr>
         <p:grpSpPr>
           <a:xfrm>
-            <a:off x="1491405" y="1603284"/>
+            <a:off x="6986096" y="2739480"/>
             <a:ext cx="1978169" cy="3684801"/>
             <a:chOff x="2960543" y="1283781"/>
             <a:chExt cx="1978169" cy="3684801"/>
@@ -3638,132 +3638,6 @@
           </p:txBody>
         </p:sp>
       </p:grpSp>
-      <p:sp>
-        <p:nvSpPr>
-          <p:cNvPr id="6" name="직사각형 5">
-            <a:extLst>
-              <a:ext uri="{FF2B5EF4-FFF2-40B4-BE49-F238E27FC236}">
-                <a16:creationId xmlns:a16="http://schemas.microsoft.com/office/drawing/2014/main" id="{1F6AC47F-5DD7-41FC-AEDD-C7D9A1E02C79}"/>
-              </a:ext>
-            </a:extLst>
-          </p:cNvPr>
-          <p:cNvSpPr/>
-          <p:nvPr/>
-        </p:nvSpPr>
-        <p:spPr>
-          <a:xfrm>
-            <a:off x="9506776" y="4581881"/>
-            <a:ext cx="2494312" cy="2175163"/>
-          </a:xfrm>
-          <a:prstGeom prst="rect">
-            <a:avLst/>
-          </a:prstGeom>
-          <a:ln/>
-        </p:spPr>
-        <p:style>
-          <a:lnRef idx="1">
-            <a:schemeClr val="accent3"/>
-          </a:lnRef>
-          <a:fillRef idx="2">
-            <a:schemeClr val="accent3"/>
-          </a:fillRef>
-          <a:effectRef idx="1">
-            <a:schemeClr val="accent3"/>
-          </a:effectRef>
-          <a:fontRef idx="minor">
-            <a:schemeClr val="dk1"/>
-          </a:fontRef>
-        </p:style>
-        <p:txBody>
-          <a:bodyPr rtlCol="0" anchor="t" anchorCtr="0"/>
-          <a:lstStyle/>
-          <a:p>
-            <a:pPr algn="ctr">
-              <a:lnSpc>
-                <a:spcPct val="150000"/>
-              </a:lnSpc>
-            </a:pPr>
-            <a:r>
-              <a:rPr lang="ko-KR" altLang="en-US" dirty="0"/>
-              <a:t>대회 설정</a:t>
-            </a:r>
-            <a:endParaRPr lang="en-US" altLang="ko-KR" dirty="0"/>
-          </a:p>
-          <a:p>
-            <a:pPr>
-              <a:lnSpc>
-                <a:spcPct val="150000"/>
-              </a:lnSpc>
-            </a:pPr>
-            <a:r>
-              <a:rPr lang="ko-KR" altLang="en-US" dirty="0"/>
-              <a:t>이름</a:t>
-            </a:r>
-            <a:r>
-              <a:rPr lang="en-US" altLang="ko-KR" dirty="0"/>
-              <a:t>: </a:t>
-            </a:r>
-          </a:p>
-          <a:p>
-            <a:pPr algn="ctr">
-              <a:lnSpc>
-                <a:spcPct val="150000"/>
-              </a:lnSpc>
-            </a:pPr>
-            <a:r>
-              <a:rPr lang="ko-KR" altLang="en-US" dirty="0"/>
-              <a:t>개인전 </a:t>
-            </a:r>
-            <a:r>
-              <a:rPr lang="en-US" altLang="ko-KR" dirty="0"/>
-              <a:t>/ </a:t>
-            </a:r>
-            <a:r>
-              <a:rPr lang="ko-KR" altLang="en-US" dirty="0" err="1"/>
-              <a:t>팀전</a:t>
-            </a:r>
-            <a:endParaRPr lang="en-US" altLang="ko-KR" dirty="0"/>
-          </a:p>
-          <a:p>
-            <a:pPr>
-              <a:lnSpc>
-                <a:spcPct val="150000"/>
-              </a:lnSpc>
-            </a:pPr>
-            <a:r>
-              <a:rPr lang="ko-KR" altLang="en-US" dirty="0" err="1"/>
-              <a:t>팀전</a:t>
-            </a:r>
-            <a:r>
-              <a:rPr lang="ko-KR" altLang="en-US" dirty="0"/>
-              <a:t> 인원 수</a:t>
-            </a:r>
-            <a:r>
-              <a:rPr lang="en-US" altLang="ko-KR" dirty="0"/>
-              <a:t>: </a:t>
-            </a:r>
-          </a:p>
-          <a:p>
-            <a:pPr>
-              <a:lnSpc>
-                <a:spcPct val="150000"/>
-              </a:lnSpc>
-            </a:pPr>
-            <a:r>
-              <a:rPr lang="ko-KR" altLang="en-US" dirty="0"/>
-              <a:t>비밀 번호</a:t>
-            </a:r>
-            <a:r>
-              <a:rPr lang="en-US" altLang="ko-KR" dirty="0"/>
-              <a:t>: </a:t>
-            </a:r>
-          </a:p>
-          <a:p>
-            <a:pPr algn="ctr"/>
-            <a:endParaRPr lang="en-US" altLang="ko-KR" dirty="0"/>
-          </a:p>
-        </p:txBody>
-      </p:sp>
       <p:grpSp>
         <p:nvGrpSpPr>
           <p:cNvPr id="13" name="그룹 12">
@@ -5212,6 +5086,272 @@
           </p:sp>
         </p:grpSp>
       </p:grpSp>
+      <p:grpSp>
+        <p:nvGrpSpPr>
+          <p:cNvPr id="59" name="그룹 58">
+            <a:extLst>
+              <a:ext uri="{FF2B5EF4-FFF2-40B4-BE49-F238E27FC236}">
+                <a16:creationId xmlns:a16="http://schemas.microsoft.com/office/drawing/2014/main" id="{174EDB29-8507-4A9A-84CA-6013C09F0CEC}"/>
+              </a:ext>
+            </a:extLst>
+          </p:cNvPr>
+          <p:cNvGrpSpPr/>
+          <p:nvPr/>
+        </p:nvGrpSpPr>
+        <p:grpSpPr>
+          <a:xfrm>
+            <a:off x="1233334" y="1944718"/>
+            <a:ext cx="2494312" cy="2907075"/>
+            <a:chOff x="2334014" y="1779225"/>
+            <a:chExt cx="2494312" cy="2907075"/>
+          </a:xfrm>
+        </p:grpSpPr>
+        <p:sp>
+          <p:nvSpPr>
+            <p:cNvPr id="60" name="직사각형 59">
+              <a:extLst>
+                <a:ext uri="{FF2B5EF4-FFF2-40B4-BE49-F238E27FC236}">
+                  <a16:creationId xmlns:a16="http://schemas.microsoft.com/office/drawing/2014/main" id="{66006400-1AE1-4DBE-84F9-8E1B1F7B6FF3}"/>
+                </a:ext>
+              </a:extLst>
+            </p:cNvPr>
+            <p:cNvSpPr/>
+            <p:nvPr/>
+          </p:nvSpPr>
+          <p:spPr>
+            <a:xfrm>
+              <a:off x="2334014" y="1779225"/>
+              <a:ext cx="2494312" cy="2907075"/>
+            </a:xfrm>
+            <a:prstGeom prst="rect">
+              <a:avLst/>
+            </a:prstGeom>
+            <a:ln/>
+          </p:spPr>
+          <p:style>
+            <a:lnRef idx="1">
+              <a:schemeClr val="accent3"/>
+            </a:lnRef>
+            <a:fillRef idx="2">
+              <a:schemeClr val="accent3"/>
+            </a:fillRef>
+            <a:effectRef idx="1">
+              <a:schemeClr val="accent3"/>
+            </a:effectRef>
+            <a:fontRef idx="minor">
+              <a:schemeClr val="dk1"/>
+            </a:fontRef>
+          </p:style>
+          <p:txBody>
+            <a:bodyPr rtlCol="0" anchor="t" anchorCtr="0"/>
+            <a:lstStyle/>
+            <a:p>
+              <a:pPr algn="ctr">
+                <a:lnSpc>
+                  <a:spcPct val="150000"/>
+                </a:lnSpc>
+              </a:pPr>
+              <a:r>
+                <a:rPr lang="ko-KR" altLang="en-US" dirty="0"/>
+                <a:t>대회 설정</a:t>
+              </a:r>
+              <a:endParaRPr lang="en-US" altLang="ko-KR" dirty="0"/>
+            </a:p>
+            <a:p>
+              <a:pPr>
+                <a:lnSpc>
+                  <a:spcPct val="150000"/>
+                </a:lnSpc>
+              </a:pPr>
+              <a:r>
+                <a:rPr lang="ko-KR" altLang="en-US" dirty="0"/>
+                <a:t>이름</a:t>
+              </a:r>
+              <a:r>
+                <a:rPr lang="en-US" altLang="ko-KR" dirty="0"/>
+                <a:t>: </a:t>
+              </a:r>
+            </a:p>
+            <a:p>
+              <a:pPr algn="ctr">
+                <a:lnSpc>
+                  <a:spcPct val="150000"/>
+                </a:lnSpc>
+              </a:pPr>
+              <a:r>
+                <a:rPr lang="ko-KR" altLang="en-US" dirty="0"/>
+                <a:t>개인전 </a:t>
+              </a:r>
+              <a:r>
+                <a:rPr lang="en-US" altLang="ko-KR" dirty="0"/>
+                <a:t>/ </a:t>
+              </a:r>
+              <a:r>
+                <a:rPr lang="ko-KR" altLang="en-US" dirty="0" err="1"/>
+                <a:t>팀전</a:t>
+              </a:r>
+              <a:endParaRPr lang="en-US" altLang="ko-KR" dirty="0"/>
+            </a:p>
+            <a:p>
+              <a:pPr>
+                <a:lnSpc>
+                  <a:spcPct val="150000"/>
+                </a:lnSpc>
+              </a:pPr>
+              <a:r>
+                <a:rPr lang="ko-KR" altLang="en-US" dirty="0" err="1"/>
+                <a:t>팀전</a:t>
+              </a:r>
+              <a:r>
+                <a:rPr lang="ko-KR" altLang="en-US" dirty="0"/>
+                <a:t> 인원 수</a:t>
+              </a:r>
+              <a:r>
+                <a:rPr lang="en-US" altLang="ko-KR" dirty="0"/>
+                <a:t>: </a:t>
+              </a:r>
+            </a:p>
+            <a:p>
+              <a:pPr>
+                <a:lnSpc>
+                  <a:spcPct val="150000"/>
+                </a:lnSpc>
+              </a:pPr>
+              <a:r>
+                <a:rPr lang="ko-KR" altLang="en-US" dirty="0"/>
+                <a:t>비밀 번호</a:t>
+              </a:r>
+              <a:r>
+                <a:rPr lang="en-US" altLang="ko-KR" dirty="0"/>
+                <a:t>: </a:t>
+              </a:r>
+            </a:p>
+            <a:p>
+              <a:pPr algn="ctr"/>
+              <a:endParaRPr lang="en-US" altLang="ko-KR" dirty="0"/>
+            </a:p>
+          </p:txBody>
+        </p:sp>
+        <p:grpSp>
+          <p:nvGrpSpPr>
+            <p:cNvPr id="61" name="그룹 60">
+              <a:extLst>
+                <a:ext uri="{FF2B5EF4-FFF2-40B4-BE49-F238E27FC236}">
+                  <a16:creationId xmlns:a16="http://schemas.microsoft.com/office/drawing/2014/main" id="{AA87FCB4-CD63-4554-B1E6-37D168734352}"/>
+                </a:ext>
+              </a:extLst>
+            </p:cNvPr>
+            <p:cNvGrpSpPr/>
+            <p:nvPr/>
+          </p:nvGrpSpPr>
+          <p:grpSpPr>
+            <a:xfrm>
+              <a:off x="2567940" y="4091940"/>
+              <a:ext cx="2027018" cy="358140"/>
+              <a:chOff x="2567940" y="4091940"/>
+              <a:chExt cx="2027018" cy="358140"/>
+            </a:xfrm>
+          </p:grpSpPr>
+          <p:sp>
+            <p:nvSpPr>
+              <p:cNvPr id="62" name="사각형: 둥근 모서리 61">
+                <a:extLst>
+                  <a:ext uri="{FF2B5EF4-FFF2-40B4-BE49-F238E27FC236}">
+                    <a16:creationId xmlns:a16="http://schemas.microsoft.com/office/drawing/2014/main" id="{666B3E9C-46EF-4C9B-9CA6-3A700AF568A6}"/>
+                  </a:ext>
+                </a:extLst>
+              </p:cNvPr>
+              <p:cNvSpPr/>
+              <p:nvPr/>
+            </p:nvSpPr>
+            <p:spPr>
+              <a:xfrm>
+                <a:off x="2567940" y="4091940"/>
+                <a:ext cx="723900" cy="358140"/>
+              </a:xfrm>
+              <a:prstGeom prst="roundRect">
+                <a:avLst/>
+              </a:prstGeom>
+            </p:spPr>
+            <p:style>
+              <a:lnRef idx="2">
+                <a:schemeClr val="accent1">
+                  <a:shade val="50000"/>
+                </a:schemeClr>
+              </a:lnRef>
+              <a:fillRef idx="1">
+                <a:schemeClr val="accent1"/>
+              </a:fillRef>
+              <a:effectRef idx="0">
+                <a:schemeClr val="accent1"/>
+              </a:effectRef>
+              <a:fontRef idx="minor">
+                <a:schemeClr val="lt1"/>
+              </a:fontRef>
+            </p:style>
+            <p:txBody>
+              <a:bodyPr rtlCol="0" anchor="ctr"/>
+              <a:lstStyle/>
+              <a:p>
+                <a:pPr algn="ctr"/>
+                <a:r>
+                  <a:rPr lang="ko-KR" altLang="en-US" sz="1600" dirty="0"/>
+                  <a:t>생성</a:t>
+                </a:r>
+              </a:p>
+            </p:txBody>
+          </p:sp>
+          <p:sp>
+            <p:nvSpPr>
+              <p:cNvPr id="63" name="사각형: 둥근 모서리 62">
+                <a:extLst>
+                  <a:ext uri="{FF2B5EF4-FFF2-40B4-BE49-F238E27FC236}">
+                    <a16:creationId xmlns:a16="http://schemas.microsoft.com/office/drawing/2014/main" id="{4D5EE107-4FE4-400B-8623-83F3755A3ED7}"/>
+                  </a:ext>
+                </a:extLst>
+              </p:cNvPr>
+              <p:cNvSpPr/>
+              <p:nvPr/>
+            </p:nvSpPr>
+            <p:spPr>
+              <a:xfrm>
+                <a:off x="3871058" y="4091940"/>
+                <a:ext cx="723900" cy="358140"/>
+              </a:xfrm>
+              <a:prstGeom prst="roundRect">
+                <a:avLst/>
+              </a:prstGeom>
+            </p:spPr>
+            <p:style>
+              <a:lnRef idx="2">
+                <a:schemeClr val="accent1">
+                  <a:shade val="50000"/>
+                </a:schemeClr>
+              </a:lnRef>
+              <a:fillRef idx="1">
+                <a:schemeClr val="accent1"/>
+              </a:fillRef>
+              <a:effectRef idx="0">
+                <a:schemeClr val="accent1"/>
+              </a:effectRef>
+              <a:fontRef idx="minor">
+                <a:schemeClr val="lt1"/>
+              </a:fontRef>
+            </p:style>
+            <p:txBody>
+              <a:bodyPr rtlCol="0" anchor="ctr"/>
+              <a:lstStyle/>
+              <a:p>
+                <a:pPr algn="ctr"/>
+                <a:r>
+                  <a:rPr lang="ko-KR" altLang="en-US" sz="1600" dirty="0"/>
+                  <a:t>취소</a:t>
+                </a:r>
+              </a:p>
+            </p:txBody>
+          </p:sp>
+        </p:grpSp>
+      </p:grpSp>
     </p:spTree>
     <p:extLst>
       <p:ext uri="{BB962C8B-B14F-4D97-AF65-F5344CB8AC3E}">
@@ -5256,9 +5396,9 @@
         </p:nvGrpSpPr>
         <p:grpSpPr>
           <a:xfrm>
-            <a:off x="436253" y="1292548"/>
+            <a:off x="5047351" y="1770861"/>
             <a:ext cx="2951016" cy="4653478"/>
-            <a:chOff x="710018" y="1452764"/>
+            <a:chOff x="660119" y="1473207"/>
             <a:chExt cx="2906280" cy="4653478"/>
           </a:xfrm>
         </p:grpSpPr>
@@ -5276,7 +5416,7 @@
           </p:nvSpPr>
           <p:spPr>
             <a:xfrm>
-              <a:off x="710018" y="1452764"/>
+              <a:off x="660119" y="1473207"/>
               <a:ext cx="2906280" cy="4653478"/>
             </a:xfrm>
             <a:prstGeom prst="rect">
@@ -5504,7 +5644,7 @@
         </p:nvGrpSpPr>
         <p:grpSpPr>
           <a:xfrm>
-            <a:off x="7574571" y="2068604"/>
+            <a:off x="8455313" y="2046143"/>
             <a:ext cx="2954271" cy="4654561"/>
             <a:chOff x="684212" y="1092824"/>
             <a:chExt cx="2954271" cy="4654561"/>
@@ -5890,125 +6030,6 @@
               <a:r>
                 <a:rPr lang="ko-KR" altLang="en-US" dirty="0"/>
                 <a:t>역대 기록 버튼</a:t>
-              </a:r>
-              <a:endParaRPr lang="en-US" altLang="ko-KR" dirty="0"/>
-            </a:p>
-          </p:txBody>
-        </p:sp>
-      </p:grpSp>
-      <p:grpSp>
-        <p:nvGrpSpPr>
-          <p:cNvPr id="128" name="그룹 127">
-            <a:extLst>
-              <a:ext uri="{FF2B5EF4-FFF2-40B4-BE49-F238E27FC236}">
-                <a16:creationId xmlns:a16="http://schemas.microsoft.com/office/drawing/2014/main" id="{44DB481A-101A-4349-A1F0-B0D57AB4E857}"/>
-              </a:ext>
-            </a:extLst>
-          </p:cNvPr>
-          <p:cNvGrpSpPr/>
-          <p:nvPr/>
-        </p:nvGrpSpPr>
-        <p:grpSpPr>
-          <a:xfrm>
-            <a:off x="6334448" y="4185632"/>
-            <a:ext cx="2930400" cy="2376477"/>
-            <a:chOff x="4487829" y="2378316"/>
-            <a:chExt cx="2494312" cy="2663072"/>
-          </a:xfrm>
-        </p:grpSpPr>
-        <p:sp>
-          <p:nvSpPr>
-            <p:cNvPr id="126" name="직사각형 125">
-              <a:extLst>
-                <a:ext uri="{FF2B5EF4-FFF2-40B4-BE49-F238E27FC236}">
-                  <a16:creationId xmlns:a16="http://schemas.microsoft.com/office/drawing/2014/main" id="{34AC872F-BC83-4CE2-BA11-9B7705F493FD}"/>
-                </a:ext>
-              </a:extLst>
-            </p:cNvPr>
-            <p:cNvSpPr/>
-            <p:nvPr/>
-          </p:nvSpPr>
-          <p:spPr>
-            <a:xfrm>
-              <a:off x="4487829" y="2378316"/>
-              <a:ext cx="2494312" cy="1331537"/>
-            </a:xfrm>
-            <a:prstGeom prst="rect">
-              <a:avLst/>
-            </a:prstGeom>
-            <a:ln/>
-          </p:spPr>
-          <p:style>
-            <a:lnRef idx="1">
-              <a:schemeClr val="accent3"/>
-            </a:lnRef>
-            <a:fillRef idx="2">
-              <a:schemeClr val="accent3"/>
-            </a:fillRef>
-            <a:effectRef idx="1">
-              <a:schemeClr val="accent3"/>
-            </a:effectRef>
-            <a:fontRef idx="minor">
-              <a:schemeClr val="dk1"/>
-            </a:fontRef>
-          </p:style>
-          <p:txBody>
-            <a:bodyPr rtlCol="0" anchor="ctr" anchorCtr="0"/>
-            <a:lstStyle/>
-            <a:p>
-              <a:pPr algn="ctr"/>
-              <a:r>
-                <a:rPr lang="ko-KR" altLang="en-US" dirty="0"/>
-                <a:t>새내기 대회</a:t>
-              </a:r>
-              <a:endParaRPr lang="en-US" altLang="ko-KR" dirty="0"/>
-            </a:p>
-          </p:txBody>
-        </p:sp>
-        <p:sp>
-          <p:nvSpPr>
-            <p:cNvPr id="127" name="직사각형 126">
-              <a:extLst>
-                <a:ext uri="{FF2B5EF4-FFF2-40B4-BE49-F238E27FC236}">
-                  <a16:creationId xmlns:a16="http://schemas.microsoft.com/office/drawing/2014/main" id="{6AFEF97F-925B-4AEC-ADEC-ECD8A1BD27EC}"/>
-                </a:ext>
-              </a:extLst>
-            </p:cNvPr>
-            <p:cNvSpPr/>
-            <p:nvPr/>
-          </p:nvSpPr>
-          <p:spPr>
-            <a:xfrm>
-              <a:off x="4487829" y="3709852"/>
-              <a:ext cx="2494312" cy="1331536"/>
-            </a:xfrm>
-            <a:prstGeom prst="rect">
-              <a:avLst/>
-            </a:prstGeom>
-            <a:ln/>
-          </p:spPr>
-          <p:style>
-            <a:lnRef idx="1">
-              <a:schemeClr val="accent3"/>
-            </a:lnRef>
-            <a:fillRef idx="2">
-              <a:schemeClr val="accent3"/>
-            </a:fillRef>
-            <a:effectRef idx="1">
-              <a:schemeClr val="accent3"/>
-            </a:effectRef>
-            <a:fontRef idx="minor">
-              <a:schemeClr val="dk1"/>
-            </a:fontRef>
-          </p:style>
-          <p:txBody>
-            <a:bodyPr rtlCol="0" anchor="ctr" anchorCtr="0"/>
-            <a:lstStyle/>
-            <a:p>
-              <a:pPr algn="ctr"/>
-              <a:r>
-                <a:rPr lang="ko-KR" altLang="en-US" dirty="0"/>
-                <a:t>상시 대회</a:t>
               </a:r>
               <a:endParaRPr lang="en-US" altLang="ko-KR" dirty="0"/>
             </a:p>
@@ -7258,181 +7279,6 @@
       </p:sp>
       <p:grpSp>
         <p:nvGrpSpPr>
-          <p:cNvPr id="135" name="그룹 134">
-            <a:extLst>
-              <a:ext uri="{FF2B5EF4-FFF2-40B4-BE49-F238E27FC236}">
-                <a16:creationId xmlns:a16="http://schemas.microsoft.com/office/drawing/2014/main" id="{92534366-0173-41BC-9018-B0F829EA9E94}"/>
-              </a:ext>
-            </a:extLst>
-          </p:cNvPr>
-          <p:cNvGrpSpPr/>
-          <p:nvPr/>
-        </p:nvGrpSpPr>
-        <p:grpSpPr>
-          <a:xfrm>
-            <a:off x="7487718" y="3689126"/>
-            <a:ext cx="2952571" cy="3132238"/>
-            <a:chOff x="6910641" y="2641011"/>
-            <a:chExt cx="2494312" cy="3132238"/>
-          </a:xfrm>
-        </p:grpSpPr>
-        <p:grpSp>
-          <p:nvGrpSpPr>
-            <p:cNvPr id="129" name="그룹 128">
-              <a:extLst>
-                <a:ext uri="{FF2B5EF4-FFF2-40B4-BE49-F238E27FC236}">
-                  <a16:creationId xmlns:a16="http://schemas.microsoft.com/office/drawing/2014/main" id="{13FEAE29-D45C-4299-80CD-A405482E0963}"/>
-                </a:ext>
-              </a:extLst>
-            </p:cNvPr>
-            <p:cNvGrpSpPr/>
-            <p:nvPr/>
-          </p:nvGrpSpPr>
-          <p:grpSpPr>
-            <a:xfrm>
-              <a:off x="6910641" y="3110177"/>
-              <a:ext cx="2494312" cy="2663072"/>
-              <a:chOff x="4487829" y="2378316"/>
-              <a:chExt cx="2494312" cy="2663072"/>
-            </a:xfrm>
-          </p:grpSpPr>
-          <p:sp>
-            <p:nvSpPr>
-              <p:cNvPr id="130" name="직사각형 129">
-                <a:extLst>
-                  <a:ext uri="{FF2B5EF4-FFF2-40B4-BE49-F238E27FC236}">
-                    <a16:creationId xmlns:a16="http://schemas.microsoft.com/office/drawing/2014/main" id="{DDBBE78B-6BB2-4155-9F0D-8A18D71B152A}"/>
-                  </a:ext>
-                </a:extLst>
-              </p:cNvPr>
-              <p:cNvSpPr/>
-              <p:nvPr/>
-            </p:nvSpPr>
-            <p:spPr>
-              <a:xfrm>
-                <a:off x="4487830" y="2378316"/>
-                <a:ext cx="2491686" cy="1331536"/>
-              </a:xfrm>
-              <a:prstGeom prst="rect">
-                <a:avLst/>
-              </a:prstGeom>
-              <a:ln/>
-            </p:spPr>
-            <p:style>
-              <a:lnRef idx="1">
-                <a:schemeClr val="accent3"/>
-              </a:lnRef>
-              <a:fillRef idx="2">
-                <a:schemeClr val="accent3"/>
-              </a:fillRef>
-              <a:effectRef idx="1">
-                <a:schemeClr val="accent3"/>
-              </a:effectRef>
-              <a:fontRef idx="minor">
-                <a:schemeClr val="dk1"/>
-              </a:fontRef>
-            </p:style>
-            <p:txBody>
-              <a:bodyPr rtlCol="0" anchor="ctr" anchorCtr="0"/>
-              <a:lstStyle/>
-              <a:p>
-                <a:pPr algn="ctr"/>
-                <a:r>
-                  <a:rPr lang="ko-KR" altLang="en-US" dirty="0"/>
-                  <a:t>동아리 대회</a:t>
-                </a:r>
-                <a:endParaRPr lang="en-US" altLang="ko-KR" dirty="0"/>
-              </a:p>
-            </p:txBody>
-          </p:sp>
-          <p:sp>
-            <p:nvSpPr>
-              <p:cNvPr id="131" name="직사각형 130">
-                <a:extLst>
-                  <a:ext uri="{FF2B5EF4-FFF2-40B4-BE49-F238E27FC236}">
-                    <a16:creationId xmlns:a16="http://schemas.microsoft.com/office/drawing/2014/main" id="{B7A93931-3705-45AA-821F-0449E0ED731A}"/>
-                  </a:ext>
-                </a:extLst>
-              </p:cNvPr>
-              <p:cNvSpPr/>
-              <p:nvPr/>
-            </p:nvSpPr>
-            <p:spPr>
-              <a:xfrm>
-                <a:off x="4487829" y="3709852"/>
-                <a:ext cx="2494312" cy="1331536"/>
-              </a:xfrm>
-              <a:prstGeom prst="rect">
-                <a:avLst/>
-              </a:prstGeom>
-              <a:ln/>
-            </p:spPr>
-            <p:style>
-              <a:lnRef idx="1">
-                <a:schemeClr val="accent3"/>
-              </a:lnRef>
-              <a:fillRef idx="2">
-                <a:schemeClr val="accent3"/>
-              </a:fillRef>
-              <a:effectRef idx="1">
-                <a:schemeClr val="accent3"/>
-              </a:effectRef>
-              <a:fontRef idx="minor">
-                <a:schemeClr val="dk1"/>
-              </a:fontRef>
-            </p:style>
-            <p:txBody>
-              <a:bodyPr rtlCol="0" anchor="ctr" anchorCtr="0"/>
-              <a:lstStyle/>
-              <a:p>
-                <a:pPr algn="ctr"/>
-                <a:r>
-                  <a:rPr lang="ko-KR" altLang="en-US" dirty="0"/>
-                  <a:t>축제 대회</a:t>
-                </a:r>
-                <a:endParaRPr lang="en-US" altLang="ko-KR" dirty="0"/>
-              </a:p>
-            </p:txBody>
-          </p:sp>
-        </p:grpSp>
-        <p:sp>
-          <p:nvSpPr>
-            <p:cNvPr id="134" name="TextBox 133">
-              <a:extLst>
-                <a:ext uri="{FF2B5EF4-FFF2-40B4-BE49-F238E27FC236}">
-                  <a16:creationId xmlns:a16="http://schemas.microsoft.com/office/drawing/2014/main" id="{DD455389-8DDF-4E1C-A0F8-6980CCEB9FFB}"/>
-                </a:ext>
-              </a:extLst>
-            </p:cNvPr>
-            <p:cNvSpPr txBox="1"/>
-            <p:nvPr/>
-          </p:nvSpPr>
-          <p:spPr>
-            <a:xfrm>
-              <a:off x="7562922" y="2641011"/>
-              <a:ext cx="1189749" cy="369332"/>
-            </a:xfrm>
-            <a:prstGeom prst="rect">
-              <a:avLst/>
-            </a:prstGeom>
-            <a:noFill/>
-          </p:spPr>
-          <p:txBody>
-            <a:bodyPr wrap="none" rtlCol="0">
-              <a:spAutoFit/>
-            </a:bodyPr>
-            <a:lstStyle/>
-            <a:p>
-              <a:r>
-                <a:rPr lang="ko-KR" altLang="en-US" dirty="0"/>
-                <a:t>상시 대회</a:t>
-              </a:r>
-            </a:p>
-          </p:txBody>
-        </p:sp>
-      </p:grpSp>
-      <p:grpSp>
-        <p:nvGrpSpPr>
           <p:cNvPr id="116" name="그룹 115">
             <a:extLst>
               <a:ext uri="{FF2B5EF4-FFF2-40B4-BE49-F238E27FC236}">
@@ -7914,189 +7760,6 @@
           </p:txBody>
         </p:sp>
       </p:grpSp>
-      <p:grpSp>
-        <p:nvGrpSpPr>
-          <p:cNvPr id="179" name="그룹 178">
-            <a:extLst>
-              <a:ext uri="{FF2B5EF4-FFF2-40B4-BE49-F238E27FC236}">
-                <a16:creationId xmlns:a16="http://schemas.microsoft.com/office/drawing/2014/main" id="{E038A83C-2C86-42AA-8784-8AFF1422BE4E}"/>
-              </a:ext>
-            </a:extLst>
-          </p:cNvPr>
-          <p:cNvGrpSpPr/>
-          <p:nvPr/>
-        </p:nvGrpSpPr>
-        <p:grpSpPr>
-          <a:xfrm>
-            <a:off x="7040541" y="841433"/>
-            <a:ext cx="1279517" cy="1921660"/>
-            <a:chOff x="1840729" y="2534718"/>
-            <a:chExt cx="1279517" cy="1921660"/>
-          </a:xfrm>
-        </p:grpSpPr>
-        <p:sp>
-          <p:nvSpPr>
-            <p:cNvPr id="177" name="TextBox 176">
-              <a:extLst>
-                <a:ext uri="{FF2B5EF4-FFF2-40B4-BE49-F238E27FC236}">
-                  <a16:creationId xmlns:a16="http://schemas.microsoft.com/office/drawing/2014/main" id="{9BF63532-05CD-4AD1-B568-4A555FFD8C10}"/>
-                </a:ext>
-              </a:extLst>
-            </p:cNvPr>
-            <p:cNvSpPr txBox="1"/>
-            <p:nvPr/>
-          </p:nvSpPr>
-          <p:spPr>
-            <a:xfrm>
-              <a:off x="1840729" y="2534718"/>
-              <a:ext cx="1279517" cy="646331"/>
-            </a:xfrm>
-            <a:prstGeom prst="rect">
-              <a:avLst/>
-            </a:prstGeom>
-            <a:noFill/>
-          </p:spPr>
-          <p:txBody>
-            <a:bodyPr wrap="none" rtlCol="0">
-              <a:spAutoFit/>
-            </a:bodyPr>
-            <a:lstStyle/>
-            <a:p>
-              <a:pPr algn="ctr"/>
-              <a:r>
-                <a:rPr lang="en-US" altLang="ko-KR" dirty="0"/>
-                <a:t>2</a:t>
-              </a:r>
-              <a:r>
-                <a:rPr lang="ko-KR" altLang="en-US" dirty="0"/>
-                <a:t>분 </a:t>
-              </a:r>
-              <a:r>
-                <a:rPr lang="en-US" altLang="ko-KR" dirty="0"/>
-                <a:t>40</a:t>
-              </a:r>
-              <a:r>
-                <a:rPr lang="ko-KR" altLang="en-US" dirty="0"/>
-                <a:t>초</a:t>
-              </a:r>
-              <a:endParaRPr lang="en-US" altLang="ko-KR" dirty="0"/>
-            </a:p>
-            <a:p>
-              <a:pPr algn="ctr"/>
-              <a:r>
-                <a:rPr lang="en-US" altLang="ko-KR" dirty="0"/>
-                <a:t>95</a:t>
-              </a:r>
-              <a:r>
-                <a:rPr lang="ko-KR" altLang="en-US" dirty="0"/>
-                <a:t>개 성공</a:t>
-              </a:r>
-              <a:r>
-                <a:rPr lang="en-US" altLang="ko-KR" dirty="0"/>
-                <a:t>!</a:t>
-              </a:r>
-            </a:p>
-          </p:txBody>
-        </p:sp>
-        <p:sp>
-          <p:nvSpPr>
-            <p:cNvPr id="178" name="사각형: 둥근 모서리 177">
-              <a:extLst>
-                <a:ext uri="{FF2B5EF4-FFF2-40B4-BE49-F238E27FC236}">
-                  <a16:creationId xmlns:a16="http://schemas.microsoft.com/office/drawing/2014/main" id="{8DED83F3-E809-46F7-8C89-18A7E9D2A8B4}"/>
-                </a:ext>
-              </a:extLst>
-            </p:cNvPr>
-            <p:cNvSpPr/>
-            <p:nvPr/>
-          </p:nvSpPr>
-          <p:spPr>
-            <a:xfrm>
-              <a:off x="1941460" y="3827728"/>
-              <a:ext cx="1078057" cy="628650"/>
-            </a:xfrm>
-            <a:prstGeom prst="roundRect">
-              <a:avLst/>
-            </a:prstGeom>
-          </p:spPr>
-          <p:style>
-            <a:lnRef idx="2">
-              <a:schemeClr val="accent1">
-                <a:shade val="50000"/>
-              </a:schemeClr>
-            </a:lnRef>
-            <a:fillRef idx="1">
-              <a:schemeClr val="accent1"/>
-            </a:fillRef>
-            <a:effectRef idx="0">
-              <a:schemeClr val="accent1"/>
-            </a:effectRef>
-            <a:fontRef idx="minor">
-              <a:schemeClr val="lt1"/>
-            </a:fontRef>
-          </p:style>
-          <p:txBody>
-            <a:bodyPr rtlCol="0" anchor="ctr"/>
-            <a:lstStyle/>
-            <a:p>
-              <a:pPr algn="ctr"/>
-              <a:r>
-                <a:rPr lang="ko-KR" altLang="en-US" dirty="0"/>
-                <a:t>확인</a:t>
-              </a:r>
-            </a:p>
-          </p:txBody>
-        </p:sp>
-      </p:grpSp>
-      <p:sp>
-        <p:nvSpPr>
-          <p:cNvPr id="2" name="직사각형 1">
-            <a:extLst>
-              <a:ext uri="{FF2B5EF4-FFF2-40B4-BE49-F238E27FC236}">
-                <a16:creationId xmlns:a16="http://schemas.microsoft.com/office/drawing/2014/main" id="{E25CEA98-4A32-49C3-AF09-E26EAC6B1C6C}"/>
-              </a:ext>
-            </a:extLst>
-          </p:cNvPr>
-          <p:cNvSpPr/>
-          <p:nvPr/>
-        </p:nvSpPr>
-        <p:spPr>
-          <a:xfrm>
-            <a:off x="414668" y="299725"/>
-            <a:ext cx="2951017" cy="530121"/>
-          </a:xfrm>
-          <a:prstGeom prst="rect">
-            <a:avLst/>
-          </a:prstGeom>
-        </p:spPr>
-        <p:style>
-          <a:lnRef idx="2">
-            <a:schemeClr val="accent3">
-              <a:shade val="50000"/>
-            </a:schemeClr>
-          </a:lnRef>
-          <a:fillRef idx="1">
-            <a:schemeClr val="accent3"/>
-          </a:fillRef>
-          <a:effectRef idx="0">
-            <a:schemeClr val="accent3"/>
-          </a:effectRef>
-          <a:fontRef idx="minor">
-            <a:schemeClr val="lt1"/>
-          </a:fontRef>
-        </p:style>
-        <p:txBody>
-          <a:bodyPr rtlCol="0" anchor="ctr"/>
-          <a:lstStyle/>
-          <a:p>
-            <a:pPr algn="ctr"/>
-            <a:r>
-              <a:rPr lang="ko-KR" altLang="en-US" dirty="0"/>
-              <a:t>상시 대회 목록</a:t>
-            </a:r>
-          </a:p>
-        </p:txBody>
-      </p:sp>
       <p:grpSp>
         <p:nvGrpSpPr>
           <p:cNvPr id="21" name="그룹 20">
@@ -11094,6 +10757,292 @@
           </p:style>
         </p:cxnSp>
       </p:grpSp>
+      <p:grpSp>
+        <p:nvGrpSpPr>
+          <p:cNvPr id="23" name="그룹 22">
+            <a:extLst>
+              <a:ext uri="{FF2B5EF4-FFF2-40B4-BE49-F238E27FC236}">
+                <a16:creationId xmlns:a16="http://schemas.microsoft.com/office/drawing/2014/main" id="{F24877C1-5629-4D45-9254-0DBDFF6253FB}"/>
+              </a:ext>
+            </a:extLst>
+          </p:cNvPr>
+          <p:cNvGrpSpPr/>
+          <p:nvPr/>
+        </p:nvGrpSpPr>
+        <p:grpSpPr>
+          <a:xfrm>
+            <a:off x="7792738" y="3253640"/>
+            <a:ext cx="2949784" cy="3469792"/>
+            <a:chOff x="442345" y="1292548"/>
+            <a:chExt cx="2949784" cy="3469792"/>
+          </a:xfrm>
+        </p:grpSpPr>
+        <p:sp>
+          <p:nvSpPr>
+            <p:cNvPr id="2" name="직사각형 1">
+              <a:extLst>
+                <a:ext uri="{FF2B5EF4-FFF2-40B4-BE49-F238E27FC236}">
+                  <a16:creationId xmlns:a16="http://schemas.microsoft.com/office/drawing/2014/main" id="{E25CEA98-4A32-49C3-AF09-E26EAC6B1C6C}"/>
+                </a:ext>
+              </a:extLst>
+            </p:cNvPr>
+            <p:cNvSpPr/>
+            <p:nvPr/>
+          </p:nvSpPr>
+          <p:spPr>
+            <a:xfrm>
+              <a:off x="442345" y="1292548"/>
+              <a:ext cx="2949784" cy="530121"/>
+            </a:xfrm>
+            <a:prstGeom prst="rect">
+              <a:avLst/>
+            </a:prstGeom>
+          </p:spPr>
+          <p:style>
+            <a:lnRef idx="2">
+              <a:schemeClr val="accent3">
+                <a:shade val="50000"/>
+              </a:schemeClr>
+            </a:lnRef>
+            <a:fillRef idx="1">
+              <a:schemeClr val="accent3"/>
+            </a:fillRef>
+            <a:effectRef idx="0">
+              <a:schemeClr val="accent3"/>
+            </a:effectRef>
+            <a:fontRef idx="minor">
+              <a:schemeClr val="lt1"/>
+            </a:fontRef>
+          </p:style>
+          <p:txBody>
+            <a:bodyPr rtlCol="0" anchor="ctr"/>
+            <a:lstStyle/>
+            <a:p>
+              <a:pPr algn="ctr"/>
+              <a:r>
+                <a:rPr lang="ko-KR" altLang="en-US" dirty="0"/>
+                <a:t>학과</a:t>
+              </a:r>
+              <a:r>
+                <a:rPr lang="en-US" altLang="ko-KR" dirty="0"/>
+                <a:t>/</a:t>
+              </a:r>
+              <a:r>
+                <a:rPr lang="ko-KR" altLang="en-US" dirty="0"/>
+                <a:t>학부 대회 목록</a:t>
+              </a:r>
+            </a:p>
+          </p:txBody>
+        </p:sp>
+        <p:grpSp>
+          <p:nvGrpSpPr>
+            <p:cNvPr id="5" name="그룹 4">
+              <a:extLst>
+                <a:ext uri="{FF2B5EF4-FFF2-40B4-BE49-F238E27FC236}">
+                  <a16:creationId xmlns:a16="http://schemas.microsoft.com/office/drawing/2014/main" id="{09E7AD92-2929-4106-B22F-9CFAADED0889}"/>
+                </a:ext>
+              </a:extLst>
+            </p:cNvPr>
+            <p:cNvGrpSpPr/>
+            <p:nvPr/>
+          </p:nvGrpSpPr>
+          <p:grpSpPr>
+            <a:xfrm>
+              <a:off x="447108" y="2431871"/>
+              <a:ext cx="2945021" cy="2330469"/>
+              <a:chOff x="447108" y="2431871"/>
+              <a:chExt cx="2945021" cy="2330469"/>
+            </a:xfrm>
+          </p:grpSpPr>
+          <p:grpSp>
+            <p:nvGrpSpPr>
+              <p:cNvPr id="128" name="그룹 127">
+                <a:extLst>
+                  <a:ext uri="{FF2B5EF4-FFF2-40B4-BE49-F238E27FC236}">
+                    <a16:creationId xmlns:a16="http://schemas.microsoft.com/office/drawing/2014/main" id="{44DB481A-101A-4349-A1F0-B0D57AB4E857}"/>
+                  </a:ext>
+                </a:extLst>
+              </p:cNvPr>
+              <p:cNvGrpSpPr/>
+              <p:nvPr/>
+            </p:nvGrpSpPr>
+            <p:grpSpPr>
+              <a:xfrm>
+                <a:off x="447441" y="2431871"/>
+                <a:ext cx="2944688" cy="1553645"/>
+                <a:chOff x="4487829" y="2378316"/>
+                <a:chExt cx="2494312" cy="1741010"/>
+              </a:xfrm>
+            </p:grpSpPr>
+            <p:sp>
+              <p:nvSpPr>
+                <p:cNvPr id="126" name="직사각형 125">
+                  <a:extLst>
+                    <a:ext uri="{FF2B5EF4-FFF2-40B4-BE49-F238E27FC236}">
+                      <a16:creationId xmlns:a16="http://schemas.microsoft.com/office/drawing/2014/main" id="{34AC872F-BC83-4CE2-BA11-9B7705F493FD}"/>
+                    </a:ext>
+                  </a:extLst>
+                </p:cNvPr>
+                <p:cNvSpPr/>
+                <p:nvPr/>
+              </p:nvSpPr>
+              <p:spPr>
+                <a:xfrm>
+                  <a:off x="4487829" y="2378316"/>
+                  <a:ext cx="2494312" cy="870505"/>
+                </a:xfrm>
+                <a:prstGeom prst="rect">
+                  <a:avLst/>
+                </a:prstGeom>
+                <a:ln/>
+              </p:spPr>
+              <p:style>
+                <a:lnRef idx="1">
+                  <a:schemeClr val="accent3"/>
+                </a:lnRef>
+                <a:fillRef idx="2">
+                  <a:schemeClr val="accent3"/>
+                </a:fillRef>
+                <a:effectRef idx="1">
+                  <a:schemeClr val="accent3"/>
+                </a:effectRef>
+                <a:fontRef idx="minor">
+                  <a:schemeClr val="dk1"/>
+                </a:fontRef>
+              </p:style>
+              <p:txBody>
+                <a:bodyPr rtlCol="0" anchor="ctr" anchorCtr="0"/>
+                <a:lstStyle/>
+                <a:p>
+                  <a:pPr algn="ctr"/>
+                  <a:r>
+                    <a:rPr lang="en-US" altLang="ko-KR" sz="1600" dirty="0"/>
+                    <a:t>IT</a:t>
+                  </a:r>
+                  <a:r>
+                    <a:rPr lang="ko-KR" altLang="en-US" sz="1600" dirty="0"/>
+                    <a:t>학부 새내기 캠퍼스 투어</a:t>
+                  </a:r>
+                  <a:endParaRPr lang="en-US" altLang="ko-KR" sz="1600" dirty="0"/>
+                </a:p>
+              </p:txBody>
+            </p:sp>
+            <p:sp>
+              <p:nvSpPr>
+                <p:cNvPr id="127" name="직사각형 126">
+                  <a:extLst>
+                    <a:ext uri="{FF2B5EF4-FFF2-40B4-BE49-F238E27FC236}">
+                      <a16:creationId xmlns:a16="http://schemas.microsoft.com/office/drawing/2014/main" id="{6AFEF97F-925B-4AEC-ADEC-ECD8A1BD27EC}"/>
+                    </a:ext>
+                  </a:extLst>
+                </p:cNvPr>
+                <p:cNvSpPr/>
+                <p:nvPr/>
+              </p:nvSpPr>
+              <p:spPr>
+                <a:xfrm>
+                  <a:off x="4487829" y="3248821"/>
+                  <a:ext cx="2494312" cy="870505"/>
+                </a:xfrm>
+                <a:prstGeom prst="rect">
+                  <a:avLst/>
+                </a:prstGeom>
+                <a:ln/>
+              </p:spPr>
+              <p:style>
+                <a:lnRef idx="1">
+                  <a:schemeClr val="accent3"/>
+                </a:lnRef>
+                <a:fillRef idx="2">
+                  <a:schemeClr val="accent3"/>
+                </a:fillRef>
+                <a:effectRef idx="1">
+                  <a:schemeClr val="accent3"/>
+                </a:effectRef>
+                <a:fontRef idx="minor">
+                  <a:schemeClr val="dk1"/>
+                </a:fontRef>
+              </p:style>
+              <p:txBody>
+                <a:bodyPr rtlCol="0" anchor="ctr" anchorCtr="0"/>
+                <a:lstStyle/>
+                <a:p>
+                  <a:pPr algn="ctr"/>
+                  <a:r>
+                    <a:rPr lang="ko-KR" altLang="en-US" sz="1600" dirty="0"/>
+                    <a:t>인문학부 새내기 캠퍼스 투어</a:t>
+                  </a:r>
+                  <a:endParaRPr lang="en-US" altLang="ko-KR" sz="1600" dirty="0"/>
+                </a:p>
+              </p:txBody>
+            </p:sp>
+          </p:grpSp>
+          <p:sp>
+            <p:nvSpPr>
+              <p:cNvPr id="165" name="직사각형 164">
+                <a:extLst>
+                  <a:ext uri="{FF2B5EF4-FFF2-40B4-BE49-F238E27FC236}">
+                    <a16:creationId xmlns:a16="http://schemas.microsoft.com/office/drawing/2014/main" id="{67C127B1-A93F-44AC-9902-8D77AF5D5025}"/>
+                  </a:ext>
+                </a:extLst>
+              </p:cNvPr>
+              <p:cNvSpPr/>
+              <p:nvPr/>
+            </p:nvSpPr>
+            <p:spPr>
+              <a:xfrm>
+                <a:off x="447108" y="3985517"/>
+                <a:ext cx="2944688" cy="776823"/>
+              </a:xfrm>
+              <a:prstGeom prst="rect">
+                <a:avLst/>
+              </a:prstGeom>
+              <a:ln/>
+            </p:spPr>
+            <p:style>
+              <a:lnRef idx="1">
+                <a:schemeClr val="accent3"/>
+              </a:lnRef>
+              <a:fillRef idx="2">
+                <a:schemeClr val="accent3"/>
+              </a:fillRef>
+              <a:effectRef idx="1">
+                <a:schemeClr val="accent3"/>
+              </a:effectRef>
+              <a:fontRef idx="minor">
+                <a:schemeClr val="dk1"/>
+              </a:fontRef>
+            </p:style>
+            <p:txBody>
+              <a:bodyPr rtlCol="0" anchor="ctr" anchorCtr="0"/>
+              <a:lstStyle/>
+              <a:p>
+                <a:pPr algn="ctr"/>
+                <a:r>
+                  <a:rPr lang="ko-KR" altLang="en-US" sz="1600" dirty="0" err="1"/>
+                  <a:t>대동제</a:t>
+                </a:r>
+                <a:r>
+                  <a:rPr lang="ko-KR" altLang="en-US" sz="1600" dirty="0"/>
+                  <a:t> </a:t>
+                </a:r>
+                <a:r>
+                  <a:rPr lang="en-US" altLang="ko-KR" sz="1600" dirty="0"/>
+                  <a:t>‘</a:t>
+                </a:r>
+                <a:r>
+                  <a:rPr lang="ko-KR" altLang="en-US" sz="1600" dirty="0"/>
+                  <a:t>보물찾기</a:t>
+                </a:r>
+                <a:r>
+                  <a:rPr lang="en-US" altLang="ko-KR" sz="1600" dirty="0"/>
+                  <a:t>’</a:t>
+                </a:r>
+              </a:p>
+            </p:txBody>
+          </p:sp>
+        </p:grpSp>
+      </p:grpSp>
       <p:sp>
         <p:nvSpPr>
           <p:cNvPr id="4" name="직사각형 3">
@@ -11146,6 +11095,284 @@
           </a:p>
         </p:txBody>
       </p:sp>
+      <p:grpSp>
+        <p:nvGrpSpPr>
+          <p:cNvPr id="32" name="그룹 31">
+            <a:extLst>
+              <a:ext uri="{FF2B5EF4-FFF2-40B4-BE49-F238E27FC236}">
+                <a16:creationId xmlns:a16="http://schemas.microsoft.com/office/drawing/2014/main" id="{C2186BF3-45F8-4F24-A841-30404E88FE8A}"/>
+              </a:ext>
+            </a:extLst>
+          </p:cNvPr>
+          <p:cNvGrpSpPr/>
+          <p:nvPr/>
+        </p:nvGrpSpPr>
+        <p:grpSpPr>
+          <a:xfrm>
+            <a:off x="722342" y="1846668"/>
+            <a:ext cx="2487818" cy="3459669"/>
+            <a:chOff x="722342" y="1846668"/>
+            <a:chExt cx="2487818" cy="3459669"/>
+          </a:xfrm>
+        </p:grpSpPr>
+        <p:sp>
+          <p:nvSpPr>
+            <p:cNvPr id="28" name="사각형: 둥근 모서리 27">
+              <a:extLst>
+                <a:ext uri="{FF2B5EF4-FFF2-40B4-BE49-F238E27FC236}">
+                  <a16:creationId xmlns:a16="http://schemas.microsoft.com/office/drawing/2014/main" id="{44941CBA-DC07-4127-9323-D176DFA08DA6}"/>
+                </a:ext>
+              </a:extLst>
+            </p:cNvPr>
+            <p:cNvSpPr/>
+            <p:nvPr/>
+          </p:nvSpPr>
+          <p:spPr>
+            <a:xfrm>
+              <a:off x="789565" y="1846668"/>
+              <a:ext cx="2356270" cy="3459669"/>
+            </a:xfrm>
+            <a:prstGeom prst="roundRect">
+              <a:avLst/>
+            </a:prstGeom>
+            <a:solidFill>
+              <a:schemeClr val="bg2"/>
+            </a:solidFill>
+            <a:ln>
+              <a:noFill/>
+            </a:ln>
+          </p:spPr>
+          <p:style>
+            <a:lnRef idx="1">
+              <a:schemeClr val="accent3"/>
+            </a:lnRef>
+            <a:fillRef idx="3">
+              <a:schemeClr val="accent3"/>
+            </a:fillRef>
+            <a:effectRef idx="2">
+              <a:schemeClr val="accent3"/>
+            </a:effectRef>
+            <a:fontRef idx="minor">
+              <a:schemeClr val="lt1"/>
+            </a:fontRef>
+          </p:style>
+          <p:txBody>
+            <a:bodyPr rtlCol="0" anchor="ctr"/>
+            <a:lstStyle/>
+            <a:p>
+              <a:pPr algn="ctr"/>
+              <a:endParaRPr lang="ko-KR" altLang="en-US" dirty="0"/>
+            </a:p>
+          </p:txBody>
+        </p:sp>
+        <p:sp>
+          <p:nvSpPr>
+            <p:cNvPr id="178" name="사각형: 둥근 모서리 177">
+              <a:extLst>
+                <a:ext uri="{FF2B5EF4-FFF2-40B4-BE49-F238E27FC236}">
+                  <a16:creationId xmlns:a16="http://schemas.microsoft.com/office/drawing/2014/main" id="{8DED83F3-E809-46F7-8C89-18A7E9D2A8B4}"/>
+                </a:ext>
+              </a:extLst>
+            </p:cNvPr>
+            <p:cNvSpPr/>
+            <p:nvPr/>
+          </p:nvSpPr>
+          <p:spPr>
+            <a:xfrm>
+              <a:off x="1377591" y="4388248"/>
+              <a:ext cx="1078057" cy="628650"/>
+            </a:xfrm>
+            <a:prstGeom prst="roundRect">
+              <a:avLst/>
+            </a:prstGeom>
+          </p:spPr>
+          <p:style>
+            <a:lnRef idx="2">
+              <a:schemeClr val="accent1">
+                <a:shade val="50000"/>
+              </a:schemeClr>
+            </a:lnRef>
+            <a:fillRef idx="1">
+              <a:schemeClr val="accent1"/>
+            </a:fillRef>
+            <a:effectRef idx="0">
+              <a:schemeClr val="accent1"/>
+            </a:effectRef>
+            <a:fontRef idx="minor">
+              <a:schemeClr val="lt1"/>
+            </a:fontRef>
+          </p:style>
+          <p:txBody>
+            <a:bodyPr rtlCol="0" anchor="ctr"/>
+            <a:lstStyle/>
+            <a:p>
+              <a:pPr algn="ctr"/>
+              <a:r>
+                <a:rPr lang="ko-KR" altLang="en-US" dirty="0"/>
+                <a:t>확인</a:t>
+              </a:r>
+            </a:p>
+          </p:txBody>
+        </p:sp>
+        <p:sp>
+          <p:nvSpPr>
+            <p:cNvPr id="30" name="직사각형 29">
+              <a:extLst>
+                <a:ext uri="{FF2B5EF4-FFF2-40B4-BE49-F238E27FC236}">
+                  <a16:creationId xmlns:a16="http://schemas.microsoft.com/office/drawing/2014/main" id="{A5BA6F57-73F9-4D46-B4CA-757F607413B6}"/>
+                </a:ext>
+              </a:extLst>
+            </p:cNvPr>
+            <p:cNvSpPr/>
+            <p:nvPr/>
+          </p:nvSpPr>
+          <p:spPr>
+            <a:xfrm>
+              <a:off x="1089508" y="2057224"/>
+              <a:ext cx="1748325" cy="524513"/>
+            </a:xfrm>
+            <a:prstGeom prst="rect">
+              <a:avLst/>
+            </a:prstGeom>
+            <a:ln>
+              <a:noFill/>
+            </a:ln>
+          </p:spPr>
+          <p:style>
+            <a:lnRef idx="3">
+              <a:schemeClr val="lt1"/>
+            </a:lnRef>
+            <a:fillRef idx="1">
+              <a:schemeClr val="accent5"/>
+            </a:fillRef>
+            <a:effectRef idx="1">
+              <a:schemeClr val="accent5"/>
+            </a:effectRef>
+            <a:fontRef idx="minor">
+              <a:schemeClr val="lt1"/>
+            </a:fontRef>
+          </p:style>
+          <p:txBody>
+            <a:bodyPr rtlCol="0" anchor="ctr"/>
+            <a:lstStyle/>
+            <a:p>
+              <a:pPr algn="ctr"/>
+              <a:r>
+                <a:rPr lang="en-US" altLang="ko-KR" sz="1400" dirty="0"/>
+                <a:t>IT</a:t>
+              </a:r>
+              <a:r>
+                <a:rPr lang="ko-KR" altLang="en-US" sz="1400" dirty="0"/>
+                <a:t>학부 새내기 </a:t>
+              </a:r>
+              <a:endParaRPr lang="en-US" altLang="ko-KR" sz="1400" dirty="0"/>
+            </a:p>
+            <a:p>
+              <a:pPr algn="ctr"/>
+              <a:r>
+                <a:rPr lang="ko-KR" altLang="en-US" sz="1400" dirty="0"/>
+                <a:t>캠퍼스 투어</a:t>
+              </a:r>
+            </a:p>
+          </p:txBody>
+        </p:sp>
+        <p:sp>
+          <p:nvSpPr>
+            <p:cNvPr id="31" name="TextBox 30">
+              <a:extLst>
+                <a:ext uri="{FF2B5EF4-FFF2-40B4-BE49-F238E27FC236}">
+                  <a16:creationId xmlns:a16="http://schemas.microsoft.com/office/drawing/2014/main" id="{83FAF833-278D-43BA-A82E-98DF4609A1AC}"/>
+                </a:ext>
+              </a:extLst>
+            </p:cNvPr>
+            <p:cNvSpPr txBox="1"/>
+            <p:nvPr/>
+          </p:nvSpPr>
+          <p:spPr>
+            <a:xfrm>
+              <a:off x="722342" y="2803612"/>
+              <a:ext cx="2487818" cy="1343381"/>
+            </a:xfrm>
+            <a:prstGeom prst="rect">
+              <a:avLst/>
+            </a:prstGeom>
+            <a:noFill/>
+          </p:spPr>
+          <p:txBody>
+            <a:bodyPr wrap="square" rtlCol="0">
+              <a:spAutoFit/>
+            </a:bodyPr>
+            <a:lstStyle/>
+            <a:p>
+              <a:pPr algn="ctr">
+                <a:lnSpc>
+                  <a:spcPct val="150000"/>
+                </a:lnSpc>
+              </a:pPr>
+              <a:r>
+                <a:rPr lang="ko-KR" altLang="en-US" sz="1400" dirty="0" err="1"/>
+                <a:t>애정듬뿍</a:t>
+              </a:r>
+              <a:r>
+                <a:rPr lang="en-US" altLang="ko-KR" sz="1400" dirty="0"/>
+                <a:t>(</a:t>
+              </a:r>
+              <a:r>
+                <a:rPr lang="ko-KR" altLang="en-US" sz="1400" dirty="0"/>
+                <a:t>별명</a:t>
+              </a:r>
+              <a:r>
+                <a:rPr lang="en-US" altLang="ko-KR" sz="1400" dirty="0"/>
+                <a:t>)</a:t>
+              </a:r>
+              <a:r>
+                <a:rPr lang="ko-KR" altLang="en-US" sz="1400" dirty="0"/>
+                <a:t> 팀</a:t>
+              </a:r>
+              <a:endParaRPr lang="en-US" altLang="ko-KR" sz="1400" dirty="0"/>
+            </a:p>
+            <a:p>
+              <a:pPr algn="ctr">
+                <a:lnSpc>
+                  <a:spcPct val="150000"/>
+                </a:lnSpc>
+              </a:pPr>
+              <a:r>
+                <a:rPr lang="ko-KR" altLang="en-US" sz="1400" dirty="0"/>
+                <a:t>점수</a:t>
+              </a:r>
+              <a:r>
+                <a:rPr lang="en-US" altLang="ko-KR" sz="1400" dirty="0"/>
+                <a:t>: 85</a:t>
+              </a:r>
+            </a:p>
+            <a:p>
+              <a:pPr algn="ctr">
+                <a:lnSpc>
+                  <a:spcPct val="150000"/>
+                </a:lnSpc>
+              </a:pPr>
+              <a:r>
+                <a:rPr lang="ko-KR" altLang="en-US" sz="1400" dirty="0"/>
+                <a:t>클리어 시간</a:t>
+              </a:r>
+              <a:endParaRPr lang="en-US" altLang="ko-KR" sz="1400" dirty="0"/>
+            </a:p>
+            <a:p>
+              <a:pPr algn="ctr">
+                <a:lnSpc>
+                  <a:spcPct val="150000"/>
+                </a:lnSpc>
+              </a:pPr>
+              <a:r>
+                <a:rPr lang="en-US" altLang="ko-KR" sz="1400" dirty="0"/>
+                <a:t>20.02.14 17:30:45</a:t>
+              </a:r>
+              <a:endParaRPr lang="ko-KR" altLang="en-US" sz="1400" dirty="0"/>
+            </a:p>
+          </p:txBody>
+        </p:sp>
+      </p:grpSp>
     </p:spTree>
     <p:extLst>
       <p:ext uri="{BB962C8B-B14F-4D97-AF65-F5344CB8AC3E}">

--- a/report/자료제작용ppt/씬 용.pptx
+++ b/report/자료제작용ppt/씬 용.pptx
@@ -7,6 +7,7 @@
   <p:sldIdLst>
     <p:sldId id="256" r:id="rId2"/>
     <p:sldId id="257" r:id="rId3"/>
+    <p:sldId id="258" r:id="rId4"/>
   </p:sldIdLst>
   <p:sldSz cx="12192000" cy="6858000"/>
   <p:notesSz cx="6858000" cy="9144000"/>
@@ -260,7 +261,7 @@
           <a:p>
             <a:fld id="{C3C5D1B1-8293-48A2-AB8B-C692B9E585D3}" type="datetimeFigureOut">
               <a:rPr lang="ko-KR" altLang="en-US" smtClean="0"/>
-              <a:t>2020-04-13</a:t>
+              <a:t>2020-04-15</a:t>
             </a:fld>
             <a:endParaRPr lang="ko-KR" altLang="en-US"/>
           </a:p>
@@ -458,7 +459,7 @@
           <a:p>
             <a:fld id="{C3C5D1B1-8293-48A2-AB8B-C692B9E585D3}" type="datetimeFigureOut">
               <a:rPr lang="ko-KR" altLang="en-US" smtClean="0"/>
-              <a:t>2020-04-13</a:t>
+              <a:t>2020-04-15</a:t>
             </a:fld>
             <a:endParaRPr lang="ko-KR" altLang="en-US"/>
           </a:p>
@@ -666,7 +667,7 @@
           <a:p>
             <a:fld id="{C3C5D1B1-8293-48A2-AB8B-C692B9E585D3}" type="datetimeFigureOut">
               <a:rPr lang="ko-KR" altLang="en-US" smtClean="0"/>
-              <a:t>2020-04-13</a:t>
+              <a:t>2020-04-15</a:t>
             </a:fld>
             <a:endParaRPr lang="ko-KR" altLang="en-US"/>
           </a:p>
@@ -864,7 +865,7 @@
           <a:p>
             <a:fld id="{C3C5D1B1-8293-48A2-AB8B-C692B9E585D3}" type="datetimeFigureOut">
               <a:rPr lang="ko-KR" altLang="en-US" smtClean="0"/>
-              <a:t>2020-04-13</a:t>
+              <a:t>2020-04-15</a:t>
             </a:fld>
             <a:endParaRPr lang="ko-KR" altLang="en-US"/>
           </a:p>
@@ -1139,7 +1140,7 @@
           <a:p>
             <a:fld id="{C3C5D1B1-8293-48A2-AB8B-C692B9E585D3}" type="datetimeFigureOut">
               <a:rPr lang="ko-KR" altLang="en-US" smtClean="0"/>
-              <a:t>2020-04-13</a:t>
+              <a:t>2020-04-15</a:t>
             </a:fld>
             <a:endParaRPr lang="ko-KR" altLang="en-US"/>
           </a:p>
@@ -1404,7 +1405,7 @@
           <a:p>
             <a:fld id="{C3C5D1B1-8293-48A2-AB8B-C692B9E585D3}" type="datetimeFigureOut">
               <a:rPr lang="ko-KR" altLang="en-US" smtClean="0"/>
-              <a:t>2020-04-13</a:t>
+              <a:t>2020-04-15</a:t>
             </a:fld>
             <a:endParaRPr lang="ko-KR" altLang="en-US"/>
           </a:p>
@@ -1816,7 +1817,7 @@
           <a:p>
             <a:fld id="{C3C5D1B1-8293-48A2-AB8B-C692B9E585D3}" type="datetimeFigureOut">
               <a:rPr lang="ko-KR" altLang="en-US" smtClean="0"/>
-              <a:t>2020-04-13</a:t>
+              <a:t>2020-04-15</a:t>
             </a:fld>
             <a:endParaRPr lang="ko-KR" altLang="en-US"/>
           </a:p>
@@ -1957,7 +1958,7 @@
           <a:p>
             <a:fld id="{C3C5D1B1-8293-48A2-AB8B-C692B9E585D3}" type="datetimeFigureOut">
               <a:rPr lang="ko-KR" altLang="en-US" smtClean="0"/>
-              <a:t>2020-04-13</a:t>
+              <a:t>2020-04-15</a:t>
             </a:fld>
             <a:endParaRPr lang="ko-KR" altLang="en-US"/>
           </a:p>
@@ -2070,7 +2071,7 @@
           <a:p>
             <a:fld id="{C3C5D1B1-8293-48A2-AB8B-C692B9E585D3}" type="datetimeFigureOut">
               <a:rPr lang="ko-KR" altLang="en-US" smtClean="0"/>
-              <a:t>2020-04-13</a:t>
+              <a:t>2020-04-15</a:t>
             </a:fld>
             <a:endParaRPr lang="ko-KR" altLang="en-US"/>
           </a:p>
@@ -2381,7 +2382,7 @@
           <a:p>
             <a:fld id="{C3C5D1B1-8293-48A2-AB8B-C692B9E585D3}" type="datetimeFigureOut">
               <a:rPr lang="ko-KR" altLang="en-US" smtClean="0"/>
-              <a:t>2020-04-13</a:t>
+              <a:t>2020-04-15</a:t>
             </a:fld>
             <a:endParaRPr lang="ko-KR" altLang="en-US"/>
           </a:p>
@@ -2669,7 +2670,7 @@
           <a:p>
             <a:fld id="{C3C5D1B1-8293-48A2-AB8B-C692B9E585D3}" type="datetimeFigureOut">
               <a:rPr lang="ko-KR" altLang="en-US" smtClean="0"/>
-              <a:t>2020-04-13</a:t>
+              <a:t>2020-04-15</a:t>
             </a:fld>
             <a:endParaRPr lang="ko-KR" altLang="en-US"/>
           </a:p>
@@ -2910,7 +2911,7 @@
           <a:p>
             <a:fld id="{C3C5D1B1-8293-48A2-AB8B-C692B9E585D3}" type="datetimeFigureOut">
               <a:rPr lang="ko-KR" altLang="en-US" smtClean="0"/>
-              <a:t>2020-04-13</a:t>
+              <a:t>2020-04-15</a:t>
             </a:fld>
             <a:endParaRPr lang="ko-KR" altLang="en-US"/>
           </a:p>
@@ -3327,58 +3328,128 @@
           <a:chExt cx="0" cy="0"/>
         </a:xfrm>
       </p:grpSpPr>
-      <p:sp>
-        <p:nvSpPr>
-          <p:cNvPr id="4" name="직사각형 3">
+      <p:grpSp>
+        <p:nvGrpSpPr>
+          <p:cNvPr id="13" name="그룹 12">
             <a:extLst>
               <a:ext uri="{FF2B5EF4-FFF2-40B4-BE49-F238E27FC236}">
-                <a16:creationId xmlns:a16="http://schemas.microsoft.com/office/drawing/2014/main" id="{5F75E058-027F-4504-A1E7-97E996FA7821}"/>
+                <a16:creationId xmlns:a16="http://schemas.microsoft.com/office/drawing/2014/main" id="{6D1A1350-3274-4D9B-AD01-C63301844C8D}"/>
               </a:ext>
             </a:extLst>
           </p:cNvPr>
-          <p:cNvSpPr/>
+          <p:cNvGrpSpPr/>
           <p:nvPr/>
-        </p:nvSpPr>
-        <p:spPr>
+        </p:nvGrpSpPr>
+        <p:grpSpPr>
           <a:xfrm>
-            <a:off x="1004982" y="1118122"/>
-            <a:ext cx="2951017" cy="4655127"/>
+            <a:off x="1006512" y="1112551"/>
+            <a:ext cx="2951017" cy="554181"/>
+            <a:chOff x="2466110" y="955964"/>
+            <a:chExt cx="2951017" cy="554181"/>
           </a:xfrm>
-          <a:prstGeom prst="rect">
-            <a:avLst/>
-          </a:prstGeom>
-          <a:noFill/>
-          <a:ln>
-            <a:solidFill>
-              <a:schemeClr val="tx1"/>
-            </a:solidFill>
-          </a:ln>
-        </p:spPr>
-        <p:style>
-          <a:lnRef idx="2">
-            <a:schemeClr val="accent1">
-              <a:shade val="50000"/>
-            </a:schemeClr>
-          </a:lnRef>
-          <a:fillRef idx="1">
-            <a:schemeClr val="accent1"/>
-          </a:fillRef>
-          <a:effectRef idx="0">
-            <a:schemeClr val="accent1"/>
-          </a:effectRef>
-          <a:fontRef idx="minor">
-            <a:schemeClr val="lt1"/>
-          </a:fontRef>
-        </p:style>
-        <p:txBody>
-          <a:bodyPr rtlCol="0" anchor="ctr"/>
-          <a:lstStyle/>
-          <a:p>
-            <a:pPr algn="ctr"/>
-            <a:endParaRPr lang="ko-KR" altLang="en-US"/>
-          </a:p>
-        </p:txBody>
-      </p:sp>
+        </p:grpSpPr>
+        <p:sp>
+          <p:nvSpPr>
+            <p:cNvPr id="7" name="직사각형 6">
+              <a:extLst>
+                <a:ext uri="{FF2B5EF4-FFF2-40B4-BE49-F238E27FC236}">
+                  <a16:creationId xmlns:a16="http://schemas.microsoft.com/office/drawing/2014/main" id="{323FC66F-E8DE-4087-9ACF-1085E60FFBD1}"/>
+                </a:ext>
+              </a:extLst>
+            </p:cNvPr>
+            <p:cNvSpPr/>
+            <p:nvPr/>
+          </p:nvSpPr>
+          <p:spPr>
+            <a:xfrm>
+              <a:off x="2466110" y="955964"/>
+              <a:ext cx="2951017" cy="554181"/>
+            </a:xfrm>
+            <a:prstGeom prst="rect">
+              <a:avLst/>
+            </a:prstGeom>
+          </p:spPr>
+          <p:style>
+            <a:lnRef idx="2">
+              <a:schemeClr val="accent3">
+                <a:shade val="50000"/>
+              </a:schemeClr>
+            </a:lnRef>
+            <a:fillRef idx="1">
+              <a:schemeClr val="accent3"/>
+            </a:fillRef>
+            <a:effectRef idx="0">
+              <a:schemeClr val="accent3"/>
+            </a:effectRef>
+            <a:fontRef idx="minor">
+              <a:schemeClr val="lt1"/>
+            </a:fontRef>
+          </p:style>
+          <p:txBody>
+            <a:bodyPr rtlCol="0" anchor="ctr"/>
+            <a:lstStyle/>
+            <a:p>
+              <a:r>
+                <a:rPr lang="ko-KR" altLang="en-US" dirty="0"/>
+                <a:t>퀴즈 목록</a:t>
+              </a:r>
+            </a:p>
+          </p:txBody>
+        </p:sp>
+        <p:sp>
+          <p:nvSpPr>
+            <p:cNvPr id="8" name="직사각형 7">
+              <a:extLst>
+                <a:ext uri="{FF2B5EF4-FFF2-40B4-BE49-F238E27FC236}">
+                  <a16:creationId xmlns:a16="http://schemas.microsoft.com/office/drawing/2014/main" id="{E6AF64B6-69BF-487D-8BAF-0CFBA2C7CBD9}"/>
+                </a:ext>
+              </a:extLst>
+            </p:cNvPr>
+            <p:cNvSpPr/>
+            <p:nvPr/>
+          </p:nvSpPr>
+          <p:spPr>
+            <a:xfrm>
+              <a:off x="4957003" y="1018309"/>
+              <a:ext cx="443346" cy="429490"/>
+            </a:xfrm>
+            <a:prstGeom prst="rect">
+              <a:avLst/>
+            </a:prstGeom>
+            <a:ln>
+              <a:noFill/>
+            </a:ln>
+          </p:spPr>
+          <p:style>
+            <a:lnRef idx="2">
+              <a:schemeClr val="accent3">
+                <a:shade val="50000"/>
+              </a:schemeClr>
+            </a:lnRef>
+            <a:fillRef idx="1">
+              <a:schemeClr val="accent3"/>
+            </a:fillRef>
+            <a:effectRef idx="0">
+              <a:schemeClr val="accent3"/>
+            </a:effectRef>
+            <a:fontRef idx="minor">
+              <a:schemeClr val="lt1"/>
+            </a:fontRef>
+          </p:style>
+          <p:txBody>
+            <a:bodyPr rtlCol="0" anchor="ctr"/>
+            <a:lstStyle/>
+            <a:p>
+              <a:pPr algn="ctr"/>
+              <a:r>
+                <a:rPr lang="en-US" altLang="ko-KR" dirty="0"/>
+                <a:t>+</a:t>
+              </a:r>
+              <a:endParaRPr lang="ko-KR" altLang="en-US" dirty="0"/>
+            </a:p>
+          </p:txBody>
+        </p:sp>
+      </p:grpSp>
       <p:grpSp>
         <p:nvGrpSpPr>
           <p:cNvPr id="19" name="그룹 18">
@@ -3640,10 +3711,10 @@
       </p:grpSp>
       <p:grpSp>
         <p:nvGrpSpPr>
-          <p:cNvPr id="13" name="그룹 12">
+          <p:cNvPr id="2" name="그룹 1">
             <a:extLst>
               <a:ext uri="{FF2B5EF4-FFF2-40B4-BE49-F238E27FC236}">
-                <a16:creationId xmlns:a16="http://schemas.microsoft.com/office/drawing/2014/main" id="{6D1A1350-3274-4D9B-AD01-C63301844C8D}"/>
+                <a16:creationId xmlns:a16="http://schemas.microsoft.com/office/drawing/2014/main" id="{9DA5F62E-F53E-4B79-BA29-77970E07A811}"/>
               </a:ext>
             </a:extLst>
           </p:cNvPr>
@@ -3652,626 +3723,525 @@
         </p:nvGrpSpPr>
         <p:grpSpPr>
           <a:xfrm>
-            <a:off x="9074979" y="1349868"/>
-            <a:ext cx="2951017" cy="554181"/>
-            <a:chOff x="2466110" y="955964"/>
-            <a:chExt cx="2951017" cy="554181"/>
+            <a:off x="1004980" y="1829985"/>
+            <a:ext cx="2951019" cy="2286000"/>
+            <a:chOff x="9074977" y="2181138"/>
+            <a:chExt cx="2951019" cy="2286000"/>
           </a:xfrm>
         </p:grpSpPr>
-        <p:sp>
-          <p:nvSpPr>
-            <p:cNvPr id="7" name="직사각형 6">
+        <p:grpSp>
+          <p:nvGrpSpPr>
+            <p:cNvPr id="12" name="그룹 11">
               <a:extLst>
                 <a:ext uri="{FF2B5EF4-FFF2-40B4-BE49-F238E27FC236}">
-                  <a16:creationId xmlns:a16="http://schemas.microsoft.com/office/drawing/2014/main" id="{323FC66F-E8DE-4087-9ACF-1085E60FFBD1}"/>
+                  <a16:creationId xmlns:a16="http://schemas.microsoft.com/office/drawing/2014/main" id="{26EA8CB4-0F67-4101-9BDA-4758F651FC4B}"/>
                 </a:ext>
               </a:extLst>
             </p:cNvPr>
-            <p:cNvSpPr/>
+            <p:cNvGrpSpPr/>
             <p:nvPr/>
-          </p:nvSpPr>
-          <p:spPr>
+          </p:nvGrpSpPr>
+          <p:grpSpPr>
             <a:xfrm>
-              <a:off x="2466110" y="955964"/>
-              <a:ext cx="2951017" cy="554181"/>
+              <a:off x="9074977" y="2181138"/>
+              <a:ext cx="2951019" cy="2286000"/>
+              <a:chOff x="8250380" y="3886200"/>
+              <a:chExt cx="2951019" cy="2286000"/>
             </a:xfrm>
-            <a:prstGeom prst="rect">
-              <a:avLst/>
-            </a:prstGeom>
-          </p:spPr>
-          <p:style>
-            <a:lnRef idx="2">
-              <a:schemeClr val="accent3">
-                <a:shade val="50000"/>
-              </a:schemeClr>
-            </a:lnRef>
-            <a:fillRef idx="1">
-              <a:schemeClr val="accent3"/>
-            </a:fillRef>
-            <a:effectRef idx="0">
-              <a:schemeClr val="accent3"/>
-            </a:effectRef>
-            <a:fontRef idx="minor">
-              <a:schemeClr val="lt1"/>
-            </a:fontRef>
-          </p:style>
-          <p:txBody>
-            <a:bodyPr rtlCol="0" anchor="ctr"/>
-            <a:lstStyle/>
-            <a:p>
-              <a:r>
-                <a:rPr lang="ko-KR" altLang="en-US" dirty="0"/>
-                <a:t>퀴즈 목록</a:t>
-              </a:r>
-            </a:p>
-          </p:txBody>
-        </p:sp>
-        <p:sp>
-          <p:nvSpPr>
-            <p:cNvPr id="8" name="직사각형 7">
+          </p:grpSpPr>
+          <p:sp>
+            <p:nvSpPr>
+              <p:cNvPr id="9" name="직사각형 8">
+                <a:extLst>
+                  <a:ext uri="{FF2B5EF4-FFF2-40B4-BE49-F238E27FC236}">
+                    <a16:creationId xmlns:a16="http://schemas.microsoft.com/office/drawing/2014/main" id="{E4BA640C-1D49-4565-A97E-C56D628B7E9E}"/>
+                  </a:ext>
+                </a:extLst>
+              </p:cNvPr>
+              <p:cNvSpPr/>
+              <p:nvPr/>
+            </p:nvSpPr>
+            <p:spPr>
+              <a:xfrm>
+                <a:off x="8250382" y="3886200"/>
+                <a:ext cx="2951017" cy="762000"/>
+              </a:xfrm>
+              <a:prstGeom prst="rect">
+                <a:avLst/>
+              </a:prstGeom>
+            </p:spPr>
+            <p:style>
+              <a:lnRef idx="2">
+                <a:schemeClr val="accent1">
+                  <a:shade val="50000"/>
+                </a:schemeClr>
+              </a:lnRef>
+              <a:fillRef idx="1">
+                <a:schemeClr val="accent1"/>
+              </a:fillRef>
+              <a:effectRef idx="0">
+                <a:schemeClr val="accent1"/>
+              </a:effectRef>
+              <a:fontRef idx="minor">
+                <a:schemeClr val="lt1"/>
+              </a:fontRef>
+            </p:style>
+            <p:txBody>
+              <a:bodyPr rtlCol="0" anchor="ctr"/>
+              <a:lstStyle/>
+              <a:p>
+                <a:r>
+                  <a:rPr lang="ko-KR" altLang="en-US" dirty="0"/>
+                  <a:t>퀴즈 </a:t>
+                </a:r>
+                <a:r>
+                  <a:rPr lang="en-US" altLang="ko-KR" dirty="0"/>
+                  <a:t>1</a:t>
+                </a:r>
+              </a:p>
+            </p:txBody>
+          </p:sp>
+          <p:sp>
+            <p:nvSpPr>
+              <p:cNvPr id="10" name="직사각형 9">
+                <a:extLst>
+                  <a:ext uri="{FF2B5EF4-FFF2-40B4-BE49-F238E27FC236}">
+                    <a16:creationId xmlns:a16="http://schemas.microsoft.com/office/drawing/2014/main" id="{552B66B7-CB9E-403B-8184-79B1808E7B3E}"/>
+                  </a:ext>
+                </a:extLst>
+              </p:cNvPr>
+              <p:cNvSpPr/>
+              <p:nvPr/>
+            </p:nvSpPr>
+            <p:spPr>
+              <a:xfrm>
+                <a:off x="8250381" y="4648200"/>
+                <a:ext cx="2951017" cy="762000"/>
+              </a:xfrm>
+              <a:prstGeom prst="rect">
+                <a:avLst/>
+              </a:prstGeom>
+            </p:spPr>
+            <p:style>
+              <a:lnRef idx="2">
+                <a:schemeClr val="accent1">
+                  <a:shade val="50000"/>
+                </a:schemeClr>
+              </a:lnRef>
+              <a:fillRef idx="1">
+                <a:schemeClr val="accent1"/>
+              </a:fillRef>
+              <a:effectRef idx="0">
+                <a:schemeClr val="accent1"/>
+              </a:effectRef>
+              <a:fontRef idx="minor">
+                <a:schemeClr val="lt1"/>
+              </a:fontRef>
+            </p:style>
+            <p:txBody>
+              <a:bodyPr rtlCol="0" anchor="ctr"/>
+              <a:lstStyle/>
+              <a:p>
+                <a:r>
+                  <a:rPr lang="ko-KR" altLang="en-US" dirty="0"/>
+                  <a:t>퀴즈 </a:t>
+                </a:r>
+                <a:r>
+                  <a:rPr lang="en-US" altLang="ko-KR" dirty="0"/>
+                  <a:t>2</a:t>
+                </a:r>
+              </a:p>
+            </p:txBody>
+          </p:sp>
+          <p:sp>
+            <p:nvSpPr>
+              <p:cNvPr id="11" name="직사각형 10">
+                <a:extLst>
+                  <a:ext uri="{FF2B5EF4-FFF2-40B4-BE49-F238E27FC236}">
+                    <a16:creationId xmlns:a16="http://schemas.microsoft.com/office/drawing/2014/main" id="{A7E799E8-9E24-4B50-A931-02EEA6B82147}"/>
+                  </a:ext>
+                </a:extLst>
+              </p:cNvPr>
+              <p:cNvSpPr/>
+              <p:nvPr/>
+            </p:nvSpPr>
+            <p:spPr>
+              <a:xfrm>
+                <a:off x="8250380" y="5410200"/>
+                <a:ext cx="2951017" cy="762000"/>
+              </a:xfrm>
+              <a:prstGeom prst="rect">
+                <a:avLst/>
+              </a:prstGeom>
+            </p:spPr>
+            <p:style>
+              <a:lnRef idx="2">
+                <a:schemeClr val="accent1">
+                  <a:shade val="50000"/>
+                </a:schemeClr>
+              </a:lnRef>
+              <a:fillRef idx="1">
+                <a:schemeClr val="accent1"/>
+              </a:fillRef>
+              <a:effectRef idx="0">
+                <a:schemeClr val="accent1"/>
+              </a:effectRef>
+              <a:fontRef idx="minor">
+                <a:schemeClr val="lt1"/>
+              </a:fontRef>
+            </p:style>
+            <p:txBody>
+              <a:bodyPr rtlCol="0" anchor="ctr"/>
+              <a:lstStyle/>
+              <a:p>
+                <a:r>
+                  <a:rPr lang="ko-KR" altLang="en-US" dirty="0"/>
+                  <a:t>퀴즈 </a:t>
+                </a:r>
+                <a:r>
+                  <a:rPr lang="en-US" altLang="ko-KR" dirty="0"/>
+                  <a:t>3</a:t>
+                </a:r>
+              </a:p>
+            </p:txBody>
+          </p:sp>
+        </p:grpSp>
+        <p:grpSp>
+          <p:nvGrpSpPr>
+            <p:cNvPr id="28" name="그룹 27">
               <a:extLst>
                 <a:ext uri="{FF2B5EF4-FFF2-40B4-BE49-F238E27FC236}">
-                  <a16:creationId xmlns:a16="http://schemas.microsoft.com/office/drawing/2014/main" id="{E6AF64B6-69BF-487D-8BAF-0CFBA2C7CBD9}"/>
+                  <a16:creationId xmlns:a16="http://schemas.microsoft.com/office/drawing/2014/main" id="{71B36051-1BD6-4524-AB35-E55FE334544A}"/>
                 </a:ext>
               </a:extLst>
             </p:cNvPr>
-            <p:cNvSpPr/>
+            <p:cNvGrpSpPr/>
             <p:nvPr/>
-          </p:nvSpPr>
-          <p:spPr>
+          </p:nvGrpSpPr>
+          <p:grpSpPr>
             <a:xfrm>
-              <a:off x="4973781" y="1018309"/>
-              <a:ext cx="443346" cy="429490"/>
+              <a:off x="11308461" y="2287949"/>
+              <a:ext cx="548378" cy="548378"/>
+              <a:chOff x="4775792" y="1746844"/>
+              <a:chExt cx="548378" cy="548378"/>
             </a:xfrm>
-            <a:prstGeom prst="rect">
-              <a:avLst/>
-            </a:prstGeom>
-            <a:ln>
-              <a:noFill/>
-            </a:ln>
-          </p:spPr>
-          <p:style>
-            <a:lnRef idx="2">
-              <a:schemeClr val="accent3">
-                <a:shade val="50000"/>
-              </a:schemeClr>
-            </a:lnRef>
-            <a:fillRef idx="1">
-              <a:schemeClr val="accent3"/>
-            </a:fillRef>
-            <a:effectRef idx="0">
-              <a:schemeClr val="accent3"/>
-            </a:effectRef>
-            <a:fontRef idx="minor">
-              <a:schemeClr val="lt1"/>
-            </a:fontRef>
-          </p:style>
-          <p:txBody>
-            <a:bodyPr rtlCol="0" anchor="ctr"/>
-            <a:lstStyle/>
-            <a:p>
-              <a:pPr algn="ctr"/>
-              <a:r>
-                <a:rPr lang="en-US" altLang="ko-KR" dirty="0"/>
-                <a:t>+</a:t>
-              </a:r>
-              <a:endParaRPr lang="ko-KR" altLang="en-US" dirty="0"/>
-            </a:p>
-          </p:txBody>
-        </p:sp>
-      </p:grpSp>
-      <p:grpSp>
-        <p:nvGrpSpPr>
-          <p:cNvPr id="12" name="그룹 11">
-            <a:extLst>
-              <a:ext uri="{FF2B5EF4-FFF2-40B4-BE49-F238E27FC236}">
-                <a16:creationId xmlns:a16="http://schemas.microsoft.com/office/drawing/2014/main" id="{26EA8CB4-0F67-4101-9BDA-4758F651FC4B}"/>
-              </a:ext>
-            </a:extLst>
-          </p:cNvPr>
-          <p:cNvGrpSpPr/>
-          <p:nvPr/>
-        </p:nvGrpSpPr>
-        <p:grpSpPr>
-          <a:xfrm>
-            <a:off x="9074977" y="2181138"/>
-            <a:ext cx="2951019" cy="2286000"/>
-            <a:chOff x="8250380" y="3886200"/>
-            <a:chExt cx="2951019" cy="2286000"/>
-          </a:xfrm>
-        </p:grpSpPr>
-        <p:sp>
-          <p:nvSpPr>
-            <p:cNvPr id="9" name="직사각형 8">
+          </p:grpSpPr>
+          <p:sp>
+            <p:nvSpPr>
+              <p:cNvPr id="27" name="직사각형 26">
+                <a:extLst>
+                  <a:ext uri="{FF2B5EF4-FFF2-40B4-BE49-F238E27FC236}">
+                    <a16:creationId xmlns:a16="http://schemas.microsoft.com/office/drawing/2014/main" id="{FB0F3596-A983-471D-8A2C-FB0DBBC76023}"/>
+                  </a:ext>
+                </a:extLst>
+              </p:cNvPr>
+              <p:cNvSpPr/>
+              <p:nvPr/>
+            </p:nvSpPr>
+            <p:spPr>
+              <a:xfrm>
+                <a:off x="4775792" y="1746844"/>
+                <a:ext cx="548378" cy="548378"/>
+              </a:xfrm>
+              <a:prstGeom prst="rect">
+                <a:avLst/>
+              </a:prstGeom>
+              <a:solidFill>
+                <a:schemeClr val="bg1"/>
+              </a:solidFill>
+              <a:ln>
+                <a:noFill/>
+              </a:ln>
+            </p:spPr>
+            <p:style>
+              <a:lnRef idx="2">
+                <a:schemeClr val="accent1">
+                  <a:shade val="50000"/>
+                </a:schemeClr>
+              </a:lnRef>
+              <a:fillRef idx="1">
+                <a:schemeClr val="accent1"/>
+              </a:fillRef>
+              <a:effectRef idx="0">
+                <a:schemeClr val="accent1"/>
+              </a:effectRef>
+              <a:fontRef idx="minor">
+                <a:schemeClr val="lt1"/>
+              </a:fontRef>
+            </p:style>
+            <p:txBody>
+              <a:bodyPr rtlCol="0" anchor="ctr"/>
+              <a:lstStyle/>
+              <a:p>
+                <a:pPr algn="ctr"/>
+                <a:endParaRPr lang="ko-KR" altLang="en-US"/>
+              </a:p>
+            </p:txBody>
+          </p:sp>
+          <p:pic>
+            <p:nvPicPr>
+              <p:cNvPr id="21" name="그래픽 20" descr="이미지">
+                <a:extLst>
+                  <a:ext uri="{FF2B5EF4-FFF2-40B4-BE49-F238E27FC236}">
+                    <a16:creationId xmlns:a16="http://schemas.microsoft.com/office/drawing/2014/main" id="{F4168045-0D85-4F12-A154-F3EA5B3BFE28}"/>
+                  </a:ext>
+                </a:extLst>
+              </p:cNvPr>
+              <p:cNvPicPr>
+                <a:picLocks noChangeAspect="1"/>
+              </p:cNvPicPr>
+              <p:nvPr/>
+            </p:nvPicPr>
+            <p:blipFill>
+              <a:blip r:embed="rId2">
+                <a:extLst>
+                  <a:ext uri="{28A0092B-C50C-407E-A947-70E740481C1C}">
+                    <a14:useLocalDpi xmlns:a14="http://schemas.microsoft.com/office/drawing/2010/main" val="0"/>
+                  </a:ext>
+                  <a:ext uri="{96DAC541-7B7A-43D3-8B79-37D633B846F1}">
+                    <asvg:svgBlip xmlns:asvg="http://schemas.microsoft.com/office/drawing/2016/SVG/main" r:embed="rId3"/>
+                  </a:ext>
+                </a:extLst>
+              </a:blip>
+              <a:stretch>
+                <a:fillRect/>
+              </a:stretch>
+            </p:blipFill>
+            <p:spPr>
+              <a:xfrm>
+                <a:off x="4775792" y="1746844"/>
+                <a:ext cx="548378" cy="548378"/>
+              </a:xfrm>
+              <a:prstGeom prst="rect">
+                <a:avLst/>
+              </a:prstGeom>
+            </p:spPr>
+          </p:pic>
+        </p:grpSp>
+        <p:grpSp>
+          <p:nvGrpSpPr>
+            <p:cNvPr id="29" name="그룹 28">
               <a:extLst>
                 <a:ext uri="{FF2B5EF4-FFF2-40B4-BE49-F238E27FC236}">
-                  <a16:creationId xmlns:a16="http://schemas.microsoft.com/office/drawing/2014/main" id="{E4BA640C-1D49-4565-A97E-C56D628B7E9E}"/>
+                  <a16:creationId xmlns:a16="http://schemas.microsoft.com/office/drawing/2014/main" id="{A5BFD94F-90F6-4F26-B743-58BA11DB0177}"/>
                 </a:ext>
               </a:extLst>
             </p:cNvPr>
-            <p:cNvSpPr/>
+            <p:cNvGrpSpPr/>
             <p:nvPr/>
-          </p:nvSpPr>
-          <p:spPr>
+          </p:nvGrpSpPr>
+          <p:grpSpPr>
             <a:xfrm>
-              <a:off x="8250382" y="3886200"/>
-              <a:ext cx="2951017" cy="762000"/>
+              <a:off x="11308461" y="3049949"/>
+              <a:ext cx="548378" cy="548378"/>
+              <a:chOff x="4775792" y="1746844"/>
+              <a:chExt cx="548378" cy="548378"/>
             </a:xfrm>
-            <a:prstGeom prst="rect">
-              <a:avLst/>
-            </a:prstGeom>
-          </p:spPr>
-          <p:style>
-            <a:lnRef idx="2">
-              <a:schemeClr val="accent1">
-                <a:shade val="50000"/>
-              </a:schemeClr>
-            </a:lnRef>
-            <a:fillRef idx="1">
-              <a:schemeClr val="accent1"/>
-            </a:fillRef>
-            <a:effectRef idx="0">
-              <a:schemeClr val="accent1"/>
-            </a:effectRef>
-            <a:fontRef idx="minor">
-              <a:schemeClr val="lt1"/>
-            </a:fontRef>
-          </p:style>
-          <p:txBody>
-            <a:bodyPr rtlCol="0" anchor="ctr"/>
-            <a:lstStyle/>
-            <a:p>
-              <a:r>
-                <a:rPr lang="ko-KR" altLang="en-US" dirty="0"/>
-                <a:t>퀴즈 </a:t>
-              </a:r>
-              <a:r>
-                <a:rPr lang="en-US" altLang="ko-KR" dirty="0"/>
-                <a:t>1</a:t>
-              </a:r>
-            </a:p>
-          </p:txBody>
-        </p:sp>
-        <p:sp>
-          <p:nvSpPr>
-            <p:cNvPr id="10" name="직사각형 9">
+          </p:grpSpPr>
+          <p:sp>
+            <p:nvSpPr>
+              <p:cNvPr id="30" name="직사각형 29">
+                <a:extLst>
+                  <a:ext uri="{FF2B5EF4-FFF2-40B4-BE49-F238E27FC236}">
+                    <a16:creationId xmlns:a16="http://schemas.microsoft.com/office/drawing/2014/main" id="{D5ADCD04-3290-47E1-AF60-9CAEE928836D}"/>
+                  </a:ext>
+                </a:extLst>
+              </p:cNvPr>
+              <p:cNvSpPr/>
+              <p:nvPr/>
+            </p:nvSpPr>
+            <p:spPr>
+              <a:xfrm>
+                <a:off x="4775792" y="1746844"/>
+                <a:ext cx="548378" cy="548378"/>
+              </a:xfrm>
+              <a:prstGeom prst="rect">
+                <a:avLst/>
+              </a:prstGeom>
+              <a:solidFill>
+                <a:schemeClr val="bg1"/>
+              </a:solidFill>
+              <a:ln>
+                <a:noFill/>
+              </a:ln>
+            </p:spPr>
+            <p:style>
+              <a:lnRef idx="2">
+                <a:schemeClr val="accent1">
+                  <a:shade val="50000"/>
+                </a:schemeClr>
+              </a:lnRef>
+              <a:fillRef idx="1">
+                <a:schemeClr val="accent1"/>
+              </a:fillRef>
+              <a:effectRef idx="0">
+                <a:schemeClr val="accent1"/>
+              </a:effectRef>
+              <a:fontRef idx="minor">
+                <a:schemeClr val="lt1"/>
+              </a:fontRef>
+            </p:style>
+            <p:txBody>
+              <a:bodyPr rtlCol="0" anchor="ctr"/>
+              <a:lstStyle/>
+              <a:p>
+                <a:pPr algn="ctr"/>
+                <a:endParaRPr lang="ko-KR" altLang="en-US"/>
+              </a:p>
+            </p:txBody>
+          </p:sp>
+          <p:pic>
+            <p:nvPicPr>
+              <p:cNvPr id="31" name="그래픽 30" descr="이미지">
+                <a:extLst>
+                  <a:ext uri="{FF2B5EF4-FFF2-40B4-BE49-F238E27FC236}">
+                    <a16:creationId xmlns:a16="http://schemas.microsoft.com/office/drawing/2014/main" id="{ED02B8F7-6C38-44F5-AA76-61A347465DA4}"/>
+                  </a:ext>
+                </a:extLst>
+              </p:cNvPr>
+              <p:cNvPicPr>
+                <a:picLocks noChangeAspect="1"/>
+              </p:cNvPicPr>
+              <p:nvPr/>
+            </p:nvPicPr>
+            <p:blipFill>
+              <a:blip r:embed="rId2">
+                <a:extLst>
+                  <a:ext uri="{28A0092B-C50C-407E-A947-70E740481C1C}">
+                    <a14:useLocalDpi xmlns:a14="http://schemas.microsoft.com/office/drawing/2010/main" val="0"/>
+                  </a:ext>
+                  <a:ext uri="{96DAC541-7B7A-43D3-8B79-37D633B846F1}">
+                    <asvg:svgBlip xmlns:asvg="http://schemas.microsoft.com/office/drawing/2016/SVG/main" r:embed="rId3"/>
+                  </a:ext>
+                </a:extLst>
+              </a:blip>
+              <a:stretch>
+                <a:fillRect/>
+              </a:stretch>
+            </p:blipFill>
+            <p:spPr>
+              <a:xfrm>
+                <a:off x="4775792" y="1746844"/>
+                <a:ext cx="548378" cy="548378"/>
+              </a:xfrm>
+              <a:prstGeom prst="rect">
+                <a:avLst/>
+              </a:prstGeom>
+            </p:spPr>
+          </p:pic>
+        </p:grpSp>
+        <p:grpSp>
+          <p:nvGrpSpPr>
+            <p:cNvPr id="32" name="그룹 31">
               <a:extLst>
                 <a:ext uri="{FF2B5EF4-FFF2-40B4-BE49-F238E27FC236}">
-                  <a16:creationId xmlns:a16="http://schemas.microsoft.com/office/drawing/2014/main" id="{552B66B7-CB9E-403B-8184-79B1808E7B3E}"/>
+                  <a16:creationId xmlns:a16="http://schemas.microsoft.com/office/drawing/2014/main" id="{B9833B8E-E2FF-4843-9D3E-9822ED1F83DC}"/>
                 </a:ext>
               </a:extLst>
             </p:cNvPr>
-            <p:cNvSpPr/>
+            <p:cNvGrpSpPr/>
             <p:nvPr/>
-          </p:nvSpPr>
-          <p:spPr>
+          </p:nvGrpSpPr>
+          <p:grpSpPr>
             <a:xfrm>
-              <a:off x="8250381" y="4648200"/>
-              <a:ext cx="2951017" cy="762000"/>
+              <a:off x="11302455" y="3811949"/>
+              <a:ext cx="548378" cy="548378"/>
+              <a:chOff x="4775792" y="1746844"/>
+              <a:chExt cx="548378" cy="548378"/>
             </a:xfrm>
-            <a:prstGeom prst="rect">
-              <a:avLst/>
-            </a:prstGeom>
-          </p:spPr>
-          <p:style>
-            <a:lnRef idx="2">
-              <a:schemeClr val="accent1">
-                <a:shade val="50000"/>
-              </a:schemeClr>
-            </a:lnRef>
-            <a:fillRef idx="1">
-              <a:schemeClr val="accent1"/>
-            </a:fillRef>
-            <a:effectRef idx="0">
-              <a:schemeClr val="accent1"/>
-            </a:effectRef>
-            <a:fontRef idx="minor">
-              <a:schemeClr val="lt1"/>
-            </a:fontRef>
-          </p:style>
-          <p:txBody>
-            <a:bodyPr rtlCol="0" anchor="ctr"/>
-            <a:lstStyle/>
-            <a:p>
-              <a:r>
-                <a:rPr lang="ko-KR" altLang="en-US" dirty="0"/>
-                <a:t>퀴즈 </a:t>
-              </a:r>
-              <a:r>
-                <a:rPr lang="en-US" altLang="ko-KR" dirty="0"/>
-                <a:t>2</a:t>
-              </a:r>
-            </a:p>
-          </p:txBody>
-        </p:sp>
-        <p:sp>
-          <p:nvSpPr>
-            <p:cNvPr id="11" name="직사각형 10">
-              <a:extLst>
-                <a:ext uri="{FF2B5EF4-FFF2-40B4-BE49-F238E27FC236}">
-                  <a16:creationId xmlns:a16="http://schemas.microsoft.com/office/drawing/2014/main" id="{A7E799E8-9E24-4B50-A931-02EEA6B82147}"/>
-                </a:ext>
-              </a:extLst>
-            </p:cNvPr>
-            <p:cNvSpPr/>
-            <p:nvPr/>
-          </p:nvSpPr>
-          <p:spPr>
-            <a:xfrm>
-              <a:off x="8250380" y="5410200"/>
-              <a:ext cx="2951017" cy="762000"/>
-            </a:xfrm>
-            <a:prstGeom prst="rect">
-              <a:avLst/>
-            </a:prstGeom>
-          </p:spPr>
-          <p:style>
-            <a:lnRef idx="2">
-              <a:schemeClr val="accent1">
-                <a:shade val="50000"/>
-              </a:schemeClr>
-            </a:lnRef>
-            <a:fillRef idx="1">
-              <a:schemeClr val="accent1"/>
-            </a:fillRef>
-            <a:effectRef idx="0">
-              <a:schemeClr val="accent1"/>
-            </a:effectRef>
-            <a:fontRef idx="minor">
-              <a:schemeClr val="lt1"/>
-            </a:fontRef>
-          </p:style>
-          <p:txBody>
-            <a:bodyPr rtlCol="0" anchor="ctr"/>
-            <a:lstStyle/>
-            <a:p>
-              <a:r>
-                <a:rPr lang="ko-KR" altLang="en-US" dirty="0"/>
-                <a:t>퀴즈 </a:t>
-              </a:r>
-              <a:r>
-                <a:rPr lang="en-US" altLang="ko-KR" dirty="0"/>
-                <a:t>3</a:t>
-              </a:r>
-            </a:p>
-          </p:txBody>
-        </p:sp>
-      </p:grpSp>
-      <p:grpSp>
-        <p:nvGrpSpPr>
-          <p:cNvPr id="28" name="그룹 27">
-            <a:extLst>
-              <a:ext uri="{FF2B5EF4-FFF2-40B4-BE49-F238E27FC236}">
-                <a16:creationId xmlns:a16="http://schemas.microsoft.com/office/drawing/2014/main" id="{71B36051-1BD6-4524-AB35-E55FE334544A}"/>
-              </a:ext>
-            </a:extLst>
-          </p:cNvPr>
-          <p:cNvGrpSpPr/>
-          <p:nvPr/>
-        </p:nvGrpSpPr>
-        <p:grpSpPr>
-          <a:xfrm>
-            <a:off x="11308461" y="2287949"/>
-            <a:ext cx="548378" cy="548378"/>
-            <a:chOff x="4775792" y="1746844"/>
-            <a:chExt cx="548378" cy="548378"/>
-          </a:xfrm>
-        </p:grpSpPr>
-        <p:sp>
-          <p:nvSpPr>
-            <p:cNvPr id="27" name="직사각형 26">
-              <a:extLst>
-                <a:ext uri="{FF2B5EF4-FFF2-40B4-BE49-F238E27FC236}">
-                  <a16:creationId xmlns:a16="http://schemas.microsoft.com/office/drawing/2014/main" id="{FB0F3596-A983-471D-8A2C-FB0DBBC76023}"/>
-                </a:ext>
-              </a:extLst>
-            </p:cNvPr>
-            <p:cNvSpPr/>
-            <p:nvPr/>
-          </p:nvSpPr>
-          <p:spPr>
-            <a:xfrm>
-              <a:off x="4775792" y="1746844"/>
-              <a:ext cx="548378" cy="548378"/>
-            </a:xfrm>
-            <a:prstGeom prst="rect">
-              <a:avLst/>
-            </a:prstGeom>
-            <a:solidFill>
-              <a:schemeClr val="bg1"/>
-            </a:solidFill>
-            <a:ln>
-              <a:noFill/>
-            </a:ln>
-          </p:spPr>
-          <p:style>
-            <a:lnRef idx="2">
-              <a:schemeClr val="accent1">
-                <a:shade val="50000"/>
-              </a:schemeClr>
-            </a:lnRef>
-            <a:fillRef idx="1">
-              <a:schemeClr val="accent1"/>
-            </a:fillRef>
-            <a:effectRef idx="0">
-              <a:schemeClr val="accent1"/>
-            </a:effectRef>
-            <a:fontRef idx="minor">
-              <a:schemeClr val="lt1"/>
-            </a:fontRef>
-          </p:style>
-          <p:txBody>
-            <a:bodyPr rtlCol="0" anchor="ctr"/>
-            <a:lstStyle/>
-            <a:p>
-              <a:pPr algn="ctr"/>
-              <a:endParaRPr lang="ko-KR" altLang="en-US"/>
-            </a:p>
-          </p:txBody>
-        </p:sp>
-        <p:pic>
-          <p:nvPicPr>
-            <p:cNvPr id="21" name="그래픽 20" descr="이미지">
-              <a:extLst>
-                <a:ext uri="{FF2B5EF4-FFF2-40B4-BE49-F238E27FC236}">
-                  <a16:creationId xmlns:a16="http://schemas.microsoft.com/office/drawing/2014/main" id="{F4168045-0D85-4F12-A154-F3EA5B3BFE28}"/>
-                </a:ext>
-              </a:extLst>
-            </p:cNvPr>
-            <p:cNvPicPr>
-              <a:picLocks noChangeAspect="1"/>
-            </p:cNvPicPr>
-            <p:nvPr/>
-          </p:nvPicPr>
-          <p:blipFill>
-            <a:blip r:embed="rId2">
-              <a:extLst>
-                <a:ext uri="{28A0092B-C50C-407E-A947-70E740481C1C}">
-                  <a14:useLocalDpi xmlns:a14="http://schemas.microsoft.com/office/drawing/2010/main" val="0"/>
-                </a:ext>
-                <a:ext uri="{96DAC541-7B7A-43D3-8B79-37D633B846F1}">
-                  <asvg:svgBlip xmlns:asvg="http://schemas.microsoft.com/office/drawing/2016/SVG/main" r:embed="rId3"/>
-                </a:ext>
-              </a:extLst>
-            </a:blip>
-            <a:stretch>
-              <a:fillRect/>
-            </a:stretch>
-          </p:blipFill>
-          <p:spPr>
-            <a:xfrm>
-              <a:off x="4775792" y="1746844"/>
-              <a:ext cx="548378" cy="548378"/>
-            </a:xfrm>
-            <a:prstGeom prst="rect">
-              <a:avLst/>
-            </a:prstGeom>
-          </p:spPr>
-        </p:pic>
-      </p:grpSp>
-      <p:grpSp>
-        <p:nvGrpSpPr>
-          <p:cNvPr id="29" name="그룹 28">
-            <a:extLst>
-              <a:ext uri="{FF2B5EF4-FFF2-40B4-BE49-F238E27FC236}">
-                <a16:creationId xmlns:a16="http://schemas.microsoft.com/office/drawing/2014/main" id="{A5BFD94F-90F6-4F26-B743-58BA11DB0177}"/>
-              </a:ext>
-            </a:extLst>
-          </p:cNvPr>
-          <p:cNvGrpSpPr/>
-          <p:nvPr/>
-        </p:nvGrpSpPr>
-        <p:grpSpPr>
-          <a:xfrm>
-            <a:off x="11308461" y="3049949"/>
-            <a:ext cx="548378" cy="548378"/>
-            <a:chOff x="4775792" y="1746844"/>
-            <a:chExt cx="548378" cy="548378"/>
-          </a:xfrm>
-        </p:grpSpPr>
-        <p:sp>
-          <p:nvSpPr>
-            <p:cNvPr id="30" name="직사각형 29">
-              <a:extLst>
-                <a:ext uri="{FF2B5EF4-FFF2-40B4-BE49-F238E27FC236}">
-                  <a16:creationId xmlns:a16="http://schemas.microsoft.com/office/drawing/2014/main" id="{D5ADCD04-3290-47E1-AF60-9CAEE928836D}"/>
-                </a:ext>
-              </a:extLst>
-            </p:cNvPr>
-            <p:cNvSpPr/>
-            <p:nvPr/>
-          </p:nvSpPr>
-          <p:spPr>
-            <a:xfrm>
-              <a:off x="4775792" y="1746844"/>
-              <a:ext cx="548378" cy="548378"/>
-            </a:xfrm>
-            <a:prstGeom prst="rect">
-              <a:avLst/>
-            </a:prstGeom>
-            <a:solidFill>
-              <a:schemeClr val="bg1"/>
-            </a:solidFill>
-            <a:ln>
-              <a:noFill/>
-            </a:ln>
-          </p:spPr>
-          <p:style>
-            <a:lnRef idx="2">
-              <a:schemeClr val="accent1">
-                <a:shade val="50000"/>
-              </a:schemeClr>
-            </a:lnRef>
-            <a:fillRef idx="1">
-              <a:schemeClr val="accent1"/>
-            </a:fillRef>
-            <a:effectRef idx="0">
-              <a:schemeClr val="accent1"/>
-            </a:effectRef>
-            <a:fontRef idx="minor">
-              <a:schemeClr val="lt1"/>
-            </a:fontRef>
-          </p:style>
-          <p:txBody>
-            <a:bodyPr rtlCol="0" anchor="ctr"/>
-            <a:lstStyle/>
-            <a:p>
-              <a:pPr algn="ctr"/>
-              <a:endParaRPr lang="ko-KR" altLang="en-US"/>
-            </a:p>
-          </p:txBody>
-        </p:sp>
-        <p:pic>
-          <p:nvPicPr>
-            <p:cNvPr id="31" name="그래픽 30" descr="이미지">
-              <a:extLst>
-                <a:ext uri="{FF2B5EF4-FFF2-40B4-BE49-F238E27FC236}">
-                  <a16:creationId xmlns:a16="http://schemas.microsoft.com/office/drawing/2014/main" id="{ED02B8F7-6C38-44F5-AA76-61A347465DA4}"/>
-                </a:ext>
-              </a:extLst>
-            </p:cNvPr>
-            <p:cNvPicPr>
-              <a:picLocks noChangeAspect="1"/>
-            </p:cNvPicPr>
-            <p:nvPr/>
-          </p:nvPicPr>
-          <p:blipFill>
-            <a:blip r:embed="rId2">
-              <a:extLst>
-                <a:ext uri="{28A0092B-C50C-407E-A947-70E740481C1C}">
-                  <a14:useLocalDpi xmlns:a14="http://schemas.microsoft.com/office/drawing/2010/main" val="0"/>
-                </a:ext>
-                <a:ext uri="{96DAC541-7B7A-43D3-8B79-37D633B846F1}">
-                  <asvg:svgBlip xmlns:asvg="http://schemas.microsoft.com/office/drawing/2016/SVG/main" r:embed="rId3"/>
-                </a:ext>
-              </a:extLst>
-            </a:blip>
-            <a:stretch>
-              <a:fillRect/>
-            </a:stretch>
-          </p:blipFill>
-          <p:spPr>
-            <a:xfrm>
-              <a:off x="4775792" y="1746844"/>
-              <a:ext cx="548378" cy="548378"/>
-            </a:xfrm>
-            <a:prstGeom prst="rect">
-              <a:avLst/>
-            </a:prstGeom>
-          </p:spPr>
-        </p:pic>
-      </p:grpSp>
-      <p:grpSp>
-        <p:nvGrpSpPr>
-          <p:cNvPr id="32" name="그룹 31">
-            <a:extLst>
-              <a:ext uri="{FF2B5EF4-FFF2-40B4-BE49-F238E27FC236}">
-                <a16:creationId xmlns:a16="http://schemas.microsoft.com/office/drawing/2014/main" id="{B9833B8E-E2FF-4843-9D3E-9822ED1F83DC}"/>
-              </a:ext>
-            </a:extLst>
-          </p:cNvPr>
-          <p:cNvGrpSpPr/>
-          <p:nvPr/>
-        </p:nvGrpSpPr>
-        <p:grpSpPr>
-          <a:xfrm>
-            <a:off x="11302455" y="3811949"/>
-            <a:ext cx="548378" cy="548378"/>
-            <a:chOff x="4775792" y="1746844"/>
-            <a:chExt cx="548378" cy="548378"/>
-          </a:xfrm>
-        </p:grpSpPr>
-        <p:sp>
-          <p:nvSpPr>
-            <p:cNvPr id="33" name="직사각형 32">
-              <a:extLst>
-                <a:ext uri="{FF2B5EF4-FFF2-40B4-BE49-F238E27FC236}">
-                  <a16:creationId xmlns:a16="http://schemas.microsoft.com/office/drawing/2014/main" id="{EFDAA5B7-019F-4D6C-8AC9-C0FAFC22BCCE}"/>
-                </a:ext>
-              </a:extLst>
-            </p:cNvPr>
-            <p:cNvSpPr/>
-            <p:nvPr/>
-          </p:nvSpPr>
-          <p:spPr>
-            <a:xfrm>
-              <a:off x="4775792" y="1746844"/>
-              <a:ext cx="548378" cy="548378"/>
-            </a:xfrm>
-            <a:prstGeom prst="rect">
-              <a:avLst/>
-            </a:prstGeom>
-            <a:solidFill>
-              <a:schemeClr val="bg1"/>
-            </a:solidFill>
-            <a:ln>
-              <a:noFill/>
-            </a:ln>
-          </p:spPr>
-          <p:style>
-            <a:lnRef idx="2">
-              <a:schemeClr val="accent1">
-                <a:shade val="50000"/>
-              </a:schemeClr>
-            </a:lnRef>
-            <a:fillRef idx="1">
-              <a:schemeClr val="accent1"/>
-            </a:fillRef>
-            <a:effectRef idx="0">
-              <a:schemeClr val="accent1"/>
-            </a:effectRef>
-            <a:fontRef idx="minor">
-              <a:schemeClr val="lt1"/>
-            </a:fontRef>
-          </p:style>
-          <p:txBody>
-            <a:bodyPr rtlCol="0" anchor="ctr"/>
-            <a:lstStyle/>
-            <a:p>
-              <a:pPr algn="ctr"/>
-              <a:endParaRPr lang="ko-KR" altLang="en-US"/>
-            </a:p>
-          </p:txBody>
-        </p:sp>
-        <p:pic>
-          <p:nvPicPr>
-            <p:cNvPr id="34" name="그래픽 33" descr="이미지">
-              <a:extLst>
-                <a:ext uri="{FF2B5EF4-FFF2-40B4-BE49-F238E27FC236}">
-                  <a16:creationId xmlns:a16="http://schemas.microsoft.com/office/drawing/2014/main" id="{348FD110-6CA0-4913-B489-D5E44DE652F6}"/>
-                </a:ext>
-              </a:extLst>
-            </p:cNvPr>
-            <p:cNvPicPr>
-              <a:picLocks noChangeAspect="1"/>
-            </p:cNvPicPr>
-            <p:nvPr/>
-          </p:nvPicPr>
-          <p:blipFill>
-            <a:blip r:embed="rId2">
-              <a:extLst>
-                <a:ext uri="{28A0092B-C50C-407E-A947-70E740481C1C}">
-                  <a14:useLocalDpi xmlns:a14="http://schemas.microsoft.com/office/drawing/2010/main" val="0"/>
-                </a:ext>
-                <a:ext uri="{96DAC541-7B7A-43D3-8B79-37D633B846F1}">
-                  <asvg:svgBlip xmlns:asvg="http://schemas.microsoft.com/office/drawing/2016/SVG/main" r:embed="rId3"/>
-                </a:ext>
-              </a:extLst>
-            </a:blip>
-            <a:stretch>
-              <a:fillRect/>
-            </a:stretch>
-          </p:blipFill>
-          <p:spPr>
-            <a:xfrm>
-              <a:off x="4775792" y="1746844"/>
-              <a:ext cx="548378" cy="548378"/>
-            </a:xfrm>
-            <a:prstGeom prst="rect">
-              <a:avLst/>
-            </a:prstGeom>
-          </p:spPr>
-        </p:pic>
+          </p:grpSpPr>
+          <p:sp>
+            <p:nvSpPr>
+              <p:cNvPr id="33" name="직사각형 32">
+                <a:extLst>
+                  <a:ext uri="{FF2B5EF4-FFF2-40B4-BE49-F238E27FC236}">
+                    <a16:creationId xmlns:a16="http://schemas.microsoft.com/office/drawing/2014/main" id="{EFDAA5B7-019F-4D6C-8AC9-C0FAFC22BCCE}"/>
+                  </a:ext>
+                </a:extLst>
+              </p:cNvPr>
+              <p:cNvSpPr/>
+              <p:nvPr/>
+            </p:nvSpPr>
+            <p:spPr>
+              <a:xfrm>
+                <a:off x="4775792" y="1746844"/>
+                <a:ext cx="548378" cy="548378"/>
+              </a:xfrm>
+              <a:prstGeom prst="rect">
+                <a:avLst/>
+              </a:prstGeom>
+              <a:solidFill>
+                <a:schemeClr val="bg1"/>
+              </a:solidFill>
+              <a:ln>
+                <a:noFill/>
+              </a:ln>
+            </p:spPr>
+            <p:style>
+              <a:lnRef idx="2">
+                <a:schemeClr val="accent1">
+                  <a:shade val="50000"/>
+                </a:schemeClr>
+              </a:lnRef>
+              <a:fillRef idx="1">
+                <a:schemeClr val="accent1"/>
+              </a:fillRef>
+              <a:effectRef idx="0">
+                <a:schemeClr val="accent1"/>
+              </a:effectRef>
+              <a:fontRef idx="minor">
+                <a:schemeClr val="lt1"/>
+              </a:fontRef>
+            </p:style>
+            <p:txBody>
+              <a:bodyPr rtlCol="0" anchor="ctr"/>
+              <a:lstStyle/>
+              <a:p>
+                <a:pPr algn="ctr"/>
+                <a:endParaRPr lang="ko-KR" altLang="en-US"/>
+              </a:p>
+            </p:txBody>
+          </p:sp>
+          <p:pic>
+            <p:nvPicPr>
+              <p:cNvPr id="34" name="그래픽 33" descr="이미지">
+                <a:extLst>
+                  <a:ext uri="{FF2B5EF4-FFF2-40B4-BE49-F238E27FC236}">
+                    <a16:creationId xmlns:a16="http://schemas.microsoft.com/office/drawing/2014/main" id="{348FD110-6CA0-4913-B489-D5E44DE652F6}"/>
+                  </a:ext>
+                </a:extLst>
+              </p:cNvPr>
+              <p:cNvPicPr>
+                <a:picLocks noChangeAspect="1"/>
+              </p:cNvPicPr>
+              <p:nvPr/>
+            </p:nvPicPr>
+            <p:blipFill>
+              <a:blip r:embed="rId2">
+                <a:extLst>
+                  <a:ext uri="{28A0092B-C50C-407E-A947-70E740481C1C}">
+                    <a14:useLocalDpi xmlns:a14="http://schemas.microsoft.com/office/drawing/2010/main" val="0"/>
+                  </a:ext>
+                  <a:ext uri="{96DAC541-7B7A-43D3-8B79-37D633B846F1}">
+                    <asvg:svgBlip xmlns:asvg="http://schemas.microsoft.com/office/drawing/2016/SVG/main" r:embed="rId3"/>
+                  </a:ext>
+                </a:extLst>
+              </a:blip>
+              <a:stretch>
+                <a:fillRect/>
+              </a:stretch>
+            </p:blipFill>
+            <p:spPr>
+              <a:xfrm>
+                <a:off x="4775792" y="1746844"/>
+                <a:ext cx="548378" cy="548378"/>
+              </a:xfrm>
+              <a:prstGeom prst="rect">
+                <a:avLst/>
+              </a:prstGeom>
+            </p:spPr>
+          </p:pic>
+        </p:grpSp>
       </p:grpSp>
       <p:grpSp>
         <p:nvGrpSpPr>
@@ -5100,7 +5070,7 @@
         </p:nvGrpSpPr>
         <p:grpSpPr>
           <a:xfrm>
-            <a:off x="1233334" y="1944718"/>
+            <a:off x="4917162" y="3445685"/>
             <a:ext cx="2494312" cy="2907075"/>
             <a:chOff x="2334014" y="1779225"/>
             <a:chExt cx="2494312" cy="2907075"/>
@@ -5351,6 +5321,961 @@
             </p:txBody>
           </p:sp>
         </p:grpSp>
+      </p:grpSp>
+      <p:sp>
+        <p:nvSpPr>
+          <p:cNvPr id="4" name="직사각형 3">
+            <a:extLst>
+              <a:ext uri="{FF2B5EF4-FFF2-40B4-BE49-F238E27FC236}">
+                <a16:creationId xmlns:a16="http://schemas.microsoft.com/office/drawing/2014/main" id="{5F75E058-027F-4504-A1E7-97E996FA7821}"/>
+              </a:ext>
+            </a:extLst>
+          </p:cNvPr>
+          <p:cNvSpPr/>
+          <p:nvPr/>
+        </p:nvSpPr>
+        <p:spPr>
+          <a:xfrm>
+            <a:off x="1004982" y="1118122"/>
+            <a:ext cx="2951017" cy="4655127"/>
+          </a:xfrm>
+          <a:prstGeom prst="rect">
+            <a:avLst/>
+          </a:prstGeom>
+          <a:noFill/>
+          <a:ln>
+            <a:solidFill>
+              <a:schemeClr val="tx1"/>
+            </a:solidFill>
+          </a:ln>
+        </p:spPr>
+        <p:style>
+          <a:lnRef idx="2">
+            <a:schemeClr val="accent1">
+              <a:shade val="50000"/>
+            </a:schemeClr>
+          </a:lnRef>
+          <a:fillRef idx="1">
+            <a:schemeClr val="accent1"/>
+          </a:fillRef>
+          <a:effectRef idx="0">
+            <a:schemeClr val="accent1"/>
+          </a:effectRef>
+          <a:fontRef idx="minor">
+            <a:schemeClr val="lt1"/>
+          </a:fontRef>
+        </p:style>
+        <p:txBody>
+          <a:bodyPr rtlCol="0" anchor="ctr"/>
+          <a:lstStyle/>
+          <a:p>
+            <a:pPr algn="ctr"/>
+            <a:endParaRPr lang="ko-KR" altLang="en-US"/>
+          </a:p>
+        </p:txBody>
+      </p:sp>
+      <p:grpSp>
+        <p:nvGrpSpPr>
+          <p:cNvPr id="84" name="그룹 83">
+            <a:extLst>
+              <a:ext uri="{FF2B5EF4-FFF2-40B4-BE49-F238E27FC236}">
+                <a16:creationId xmlns:a16="http://schemas.microsoft.com/office/drawing/2014/main" id="{F2DC0883-4A7F-4F5B-8CE4-B3AE888E8853}"/>
+              </a:ext>
+            </a:extLst>
+          </p:cNvPr>
+          <p:cNvGrpSpPr/>
+          <p:nvPr/>
+        </p:nvGrpSpPr>
+        <p:grpSpPr>
+          <a:xfrm>
+            <a:off x="1178882" y="2066361"/>
+            <a:ext cx="2494312" cy="2382005"/>
+            <a:chOff x="1235713" y="2575548"/>
+            <a:chExt cx="2494312" cy="2382005"/>
+          </a:xfrm>
+        </p:grpSpPr>
+        <p:grpSp>
+          <p:nvGrpSpPr>
+            <p:cNvPr id="83" name="그룹 82">
+              <a:extLst>
+                <a:ext uri="{FF2B5EF4-FFF2-40B4-BE49-F238E27FC236}">
+                  <a16:creationId xmlns:a16="http://schemas.microsoft.com/office/drawing/2014/main" id="{8E4BA40F-05ED-43D7-BD72-87CFF7543448}"/>
+                </a:ext>
+              </a:extLst>
+            </p:cNvPr>
+            <p:cNvGrpSpPr/>
+            <p:nvPr/>
+          </p:nvGrpSpPr>
+          <p:grpSpPr>
+            <a:xfrm>
+              <a:off x="1235713" y="2575548"/>
+              <a:ext cx="2494312" cy="2382005"/>
+              <a:chOff x="1235713" y="2575548"/>
+              <a:chExt cx="2494312" cy="2382005"/>
+            </a:xfrm>
+          </p:grpSpPr>
+          <p:sp>
+            <p:nvSpPr>
+              <p:cNvPr id="23" name="직사각형 22">
+                <a:extLst>
+                  <a:ext uri="{FF2B5EF4-FFF2-40B4-BE49-F238E27FC236}">
+                    <a16:creationId xmlns:a16="http://schemas.microsoft.com/office/drawing/2014/main" id="{2D06E3CD-7F77-4D11-96FF-8A364A519518}"/>
+                  </a:ext>
+                </a:extLst>
+              </p:cNvPr>
+              <p:cNvSpPr/>
+              <p:nvPr/>
+            </p:nvSpPr>
+            <p:spPr>
+              <a:xfrm>
+                <a:off x="1235713" y="2575548"/>
+                <a:ext cx="2494312" cy="2382005"/>
+              </a:xfrm>
+              <a:prstGeom prst="rect">
+                <a:avLst/>
+              </a:prstGeom>
+              <a:solidFill>
+                <a:schemeClr val="bg2"/>
+              </a:solidFill>
+              <a:ln>
+                <a:noFill/>
+              </a:ln>
+            </p:spPr>
+            <p:style>
+              <a:lnRef idx="0">
+                <a:scrgbClr r="0" g="0" b="0"/>
+              </a:lnRef>
+              <a:fillRef idx="0">
+                <a:scrgbClr r="0" g="0" b="0"/>
+              </a:fillRef>
+              <a:effectRef idx="0">
+                <a:scrgbClr r="0" g="0" b="0"/>
+              </a:effectRef>
+              <a:fontRef idx="minor">
+                <a:schemeClr val="lt1"/>
+              </a:fontRef>
+            </p:style>
+            <p:txBody>
+              <a:bodyPr rtlCol="0" anchor="ctr"/>
+              <a:lstStyle/>
+              <a:p>
+                <a:pPr algn="ctr"/>
+                <a:endParaRPr lang="ko-KR" altLang="en-US" sz="1400" dirty="0">
+                  <a:solidFill>
+                    <a:schemeClr val="tx1">
+                      <a:lumMod val="50000"/>
+                      <a:lumOff val="50000"/>
+                    </a:schemeClr>
+                  </a:solidFill>
+                </a:endParaRPr>
+              </a:p>
+            </p:txBody>
+          </p:sp>
+          <p:sp>
+            <p:nvSpPr>
+              <p:cNvPr id="24" name="TextBox 23">
+                <a:extLst>
+                  <a:ext uri="{FF2B5EF4-FFF2-40B4-BE49-F238E27FC236}">
+                    <a16:creationId xmlns:a16="http://schemas.microsoft.com/office/drawing/2014/main" id="{F4902582-F4E3-4F15-8B42-7DFDCC139161}"/>
+                  </a:ext>
+                </a:extLst>
+              </p:cNvPr>
+              <p:cNvSpPr txBox="1"/>
+              <p:nvPr/>
+            </p:nvSpPr>
+            <p:spPr>
+              <a:xfrm>
+                <a:off x="2208618" y="2601349"/>
+                <a:ext cx="543739" cy="307777"/>
+              </a:xfrm>
+              <a:prstGeom prst="rect">
+                <a:avLst/>
+              </a:prstGeom>
+              <a:noFill/>
+            </p:spPr>
+            <p:txBody>
+              <a:bodyPr wrap="none" rtlCol="0">
+                <a:spAutoFit/>
+              </a:bodyPr>
+              <a:lstStyle/>
+              <a:p>
+                <a:r>
+                  <a:rPr lang="ko-KR" altLang="en-US" sz="1400" dirty="0"/>
+                  <a:t>타입</a:t>
+                </a:r>
+                <a:endParaRPr lang="ko-KR" altLang="en-US" dirty="0"/>
+              </a:p>
+            </p:txBody>
+          </p:sp>
+          <p:sp>
+            <p:nvSpPr>
+              <p:cNvPr id="25" name="TextBox 24">
+                <a:extLst>
+                  <a:ext uri="{FF2B5EF4-FFF2-40B4-BE49-F238E27FC236}">
+                    <a16:creationId xmlns:a16="http://schemas.microsoft.com/office/drawing/2014/main" id="{630F8855-C386-4C3D-8A51-BA4E2F44F059}"/>
+                  </a:ext>
+                </a:extLst>
+              </p:cNvPr>
+              <p:cNvSpPr txBox="1"/>
+              <p:nvPr/>
+            </p:nvSpPr>
+            <p:spPr>
+              <a:xfrm>
+                <a:off x="1323753" y="2981868"/>
+                <a:ext cx="490840" cy="246221"/>
+              </a:xfrm>
+              <a:prstGeom prst="rect">
+                <a:avLst/>
+              </a:prstGeom>
+              <a:noFill/>
+            </p:spPr>
+            <p:txBody>
+              <a:bodyPr wrap="none" rtlCol="0">
+                <a:spAutoFit/>
+              </a:bodyPr>
+              <a:lstStyle/>
+              <a:p>
+                <a:r>
+                  <a:rPr lang="en-US" altLang="ko-KR" sz="1000" dirty="0"/>
+                  <a:t>Root:</a:t>
+                </a:r>
+                <a:endParaRPr lang="ko-KR" altLang="en-US" sz="1000" dirty="0"/>
+              </a:p>
+            </p:txBody>
+          </p:sp>
+          <p:sp>
+            <p:nvSpPr>
+              <p:cNvPr id="26" name="직사각형 25">
+                <a:extLst>
+                  <a:ext uri="{FF2B5EF4-FFF2-40B4-BE49-F238E27FC236}">
+                    <a16:creationId xmlns:a16="http://schemas.microsoft.com/office/drawing/2014/main" id="{1A91AA30-6D24-4DAD-B7B8-EBCE64F6B3A4}"/>
+                  </a:ext>
+                </a:extLst>
+              </p:cNvPr>
+              <p:cNvSpPr/>
+              <p:nvPr/>
+            </p:nvSpPr>
+            <p:spPr>
+              <a:xfrm>
+                <a:off x="1845322" y="2955723"/>
+                <a:ext cx="1676400" cy="306591"/>
+              </a:xfrm>
+              <a:prstGeom prst="rect">
+                <a:avLst/>
+              </a:prstGeom>
+            </p:spPr>
+            <p:style>
+              <a:lnRef idx="2">
+                <a:schemeClr val="accent3"/>
+              </a:lnRef>
+              <a:fillRef idx="1">
+                <a:schemeClr val="lt1"/>
+              </a:fillRef>
+              <a:effectRef idx="0">
+                <a:schemeClr val="accent3"/>
+              </a:effectRef>
+              <a:fontRef idx="minor">
+                <a:schemeClr val="dk1"/>
+              </a:fontRef>
+            </p:style>
+            <p:txBody>
+              <a:bodyPr rtlCol="0" anchor="ctr"/>
+              <a:lstStyle/>
+              <a:p>
+                <a:pPr algn="ctr"/>
+                <a:endParaRPr lang="ko-KR" altLang="en-US"/>
+              </a:p>
+            </p:txBody>
+          </p:sp>
+          <p:grpSp>
+            <p:nvGrpSpPr>
+              <p:cNvPr id="39" name="그룹 38">
+                <a:extLst>
+                  <a:ext uri="{FF2B5EF4-FFF2-40B4-BE49-F238E27FC236}">
+                    <a16:creationId xmlns:a16="http://schemas.microsoft.com/office/drawing/2014/main" id="{B64448E5-3173-4DFE-B9DC-D7B6C39C8FFD}"/>
+                  </a:ext>
+                </a:extLst>
+              </p:cNvPr>
+              <p:cNvGrpSpPr/>
+              <p:nvPr/>
+            </p:nvGrpSpPr>
+            <p:grpSpPr>
+              <a:xfrm>
+                <a:off x="1577120" y="3562383"/>
+                <a:ext cx="629222" cy="230832"/>
+                <a:chOff x="1445490" y="3560729"/>
+                <a:chExt cx="629222" cy="230832"/>
+              </a:xfrm>
+            </p:grpSpPr>
+            <p:sp>
+              <p:nvSpPr>
+                <p:cNvPr id="38" name="TextBox 37">
+                  <a:extLst>
+                    <a:ext uri="{FF2B5EF4-FFF2-40B4-BE49-F238E27FC236}">
+                      <a16:creationId xmlns:a16="http://schemas.microsoft.com/office/drawing/2014/main" id="{2468058A-7138-4086-86C0-85ECF424A12E}"/>
+                    </a:ext>
+                  </a:extLst>
+                </p:cNvPr>
+                <p:cNvSpPr txBox="1"/>
+                <p:nvPr/>
+              </p:nvSpPr>
+              <p:spPr>
+                <a:xfrm>
+                  <a:off x="1615932" y="3560729"/>
+                  <a:ext cx="458780" cy="230832"/>
+                </a:xfrm>
+                <a:prstGeom prst="rect">
+                  <a:avLst/>
+                </a:prstGeom>
+                <a:noFill/>
+              </p:spPr>
+              <p:txBody>
+                <a:bodyPr wrap="none" rtlCol="0">
+                  <a:spAutoFit/>
+                </a:bodyPr>
+                <a:lstStyle/>
+                <a:p>
+                  <a:r>
+                    <a:rPr lang="en-US" altLang="ko-KR" sz="900" dirty="0"/>
+                    <a:t>OX</a:t>
+                  </a:r>
+                  <a:r>
+                    <a:rPr lang="ko-KR" altLang="en-US" sz="900" dirty="0"/>
+                    <a:t>형</a:t>
+                  </a:r>
+                </a:p>
+              </p:txBody>
+            </p:sp>
+            <p:sp>
+              <p:nvSpPr>
+                <p:cNvPr id="37" name="타원 36">
+                  <a:extLst>
+                    <a:ext uri="{FF2B5EF4-FFF2-40B4-BE49-F238E27FC236}">
+                      <a16:creationId xmlns:a16="http://schemas.microsoft.com/office/drawing/2014/main" id="{A1667C35-7CC7-4312-9E5E-3B812FF9B149}"/>
+                    </a:ext>
+                  </a:extLst>
+                </p:cNvPr>
+                <p:cNvSpPr/>
+                <p:nvPr/>
+              </p:nvSpPr>
+              <p:spPr>
+                <a:xfrm>
+                  <a:off x="1445490" y="3617307"/>
+                  <a:ext cx="117677" cy="117677"/>
+                </a:xfrm>
+                <a:prstGeom prst="ellipse">
+                  <a:avLst/>
+                </a:prstGeom>
+                <a:ln>
+                  <a:solidFill>
+                    <a:srgbClr val="FF0000"/>
+                  </a:solidFill>
+                </a:ln>
+              </p:spPr>
+              <p:style>
+                <a:lnRef idx="2">
+                  <a:schemeClr val="accent2"/>
+                </a:lnRef>
+                <a:fillRef idx="1">
+                  <a:schemeClr val="lt1"/>
+                </a:fillRef>
+                <a:effectRef idx="0">
+                  <a:schemeClr val="accent2"/>
+                </a:effectRef>
+                <a:fontRef idx="minor">
+                  <a:schemeClr val="dk1"/>
+                </a:fontRef>
+              </p:style>
+              <p:txBody>
+                <a:bodyPr rtlCol="0" anchor="ctr"/>
+                <a:lstStyle/>
+                <a:p>
+                  <a:pPr algn="ctr"/>
+                  <a:endParaRPr lang="ko-KR" altLang="en-US"/>
+                </a:p>
+              </p:txBody>
+            </p:sp>
+          </p:grpSp>
+          <p:grpSp>
+            <p:nvGrpSpPr>
+              <p:cNvPr id="66" name="그룹 65">
+                <a:extLst>
+                  <a:ext uri="{FF2B5EF4-FFF2-40B4-BE49-F238E27FC236}">
+                    <a16:creationId xmlns:a16="http://schemas.microsoft.com/office/drawing/2014/main" id="{C91BEC6B-C3E1-4C3A-BF2B-B59DBCAF1D5F}"/>
+                  </a:ext>
+                </a:extLst>
+              </p:cNvPr>
+              <p:cNvGrpSpPr/>
+              <p:nvPr/>
+            </p:nvGrpSpPr>
+            <p:grpSpPr>
+              <a:xfrm>
+                <a:off x="2748929" y="3562383"/>
+                <a:ext cx="701357" cy="230832"/>
+                <a:chOff x="1445490" y="3560729"/>
+                <a:chExt cx="701357" cy="230832"/>
+              </a:xfrm>
+            </p:grpSpPr>
+            <p:sp>
+              <p:nvSpPr>
+                <p:cNvPr id="67" name="TextBox 66">
+                  <a:extLst>
+                    <a:ext uri="{FF2B5EF4-FFF2-40B4-BE49-F238E27FC236}">
+                      <a16:creationId xmlns:a16="http://schemas.microsoft.com/office/drawing/2014/main" id="{98E8B40E-4B59-436D-AECB-CF380626121E}"/>
+                    </a:ext>
+                  </a:extLst>
+                </p:cNvPr>
+                <p:cNvSpPr txBox="1"/>
+                <p:nvPr/>
+              </p:nvSpPr>
+              <p:spPr>
+                <a:xfrm>
+                  <a:off x="1615932" y="3560729"/>
+                  <a:ext cx="530915" cy="230832"/>
+                </a:xfrm>
+                <a:prstGeom prst="rect">
+                  <a:avLst/>
+                </a:prstGeom>
+                <a:noFill/>
+              </p:spPr>
+              <p:txBody>
+                <a:bodyPr wrap="none" rtlCol="0">
+                  <a:spAutoFit/>
+                </a:bodyPr>
+                <a:lstStyle/>
+                <a:p>
+                  <a:r>
+                    <a:rPr lang="ko-KR" altLang="en-US" sz="900"/>
+                    <a:t>단답형</a:t>
+                  </a:r>
+                  <a:endParaRPr lang="ko-KR" altLang="en-US" sz="900" dirty="0"/>
+                </a:p>
+              </p:txBody>
+            </p:sp>
+            <p:sp>
+              <p:nvSpPr>
+                <p:cNvPr id="68" name="타원 67">
+                  <a:extLst>
+                    <a:ext uri="{FF2B5EF4-FFF2-40B4-BE49-F238E27FC236}">
+                      <a16:creationId xmlns:a16="http://schemas.microsoft.com/office/drawing/2014/main" id="{F5343B02-DB61-426F-A614-946CB5A9CF5E}"/>
+                    </a:ext>
+                  </a:extLst>
+                </p:cNvPr>
+                <p:cNvSpPr/>
+                <p:nvPr/>
+              </p:nvSpPr>
+              <p:spPr>
+                <a:xfrm>
+                  <a:off x="1445490" y="3617307"/>
+                  <a:ext cx="117677" cy="117677"/>
+                </a:xfrm>
+                <a:prstGeom prst="ellipse">
+                  <a:avLst/>
+                </a:prstGeom>
+                <a:ln>
+                  <a:solidFill>
+                    <a:srgbClr val="FF0000"/>
+                  </a:solidFill>
+                </a:ln>
+              </p:spPr>
+              <p:style>
+                <a:lnRef idx="2">
+                  <a:schemeClr val="accent2"/>
+                </a:lnRef>
+                <a:fillRef idx="1">
+                  <a:schemeClr val="lt1"/>
+                </a:fillRef>
+                <a:effectRef idx="0">
+                  <a:schemeClr val="accent2"/>
+                </a:effectRef>
+                <a:fontRef idx="minor">
+                  <a:schemeClr val="dk1"/>
+                </a:fontRef>
+              </p:style>
+              <p:txBody>
+                <a:bodyPr rtlCol="0" anchor="ctr"/>
+                <a:lstStyle/>
+                <a:p>
+                  <a:pPr algn="ctr"/>
+                  <a:endParaRPr lang="ko-KR" altLang="en-US"/>
+                </a:p>
+              </p:txBody>
+            </p:sp>
+          </p:grpSp>
+          <p:grpSp>
+            <p:nvGrpSpPr>
+              <p:cNvPr id="69" name="그룹 68">
+                <a:extLst>
+                  <a:ext uri="{FF2B5EF4-FFF2-40B4-BE49-F238E27FC236}">
+                    <a16:creationId xmlns:a16="http://schemas.microsoft.com/office/drawing/2014/main" id="{29E9997E-CE33-4FD7-94DB-424666DECB4E}"/>
+                  </a:ext>
+                </a:extLst>
+              </p:cNvPr>
+              <p:cNvGrpSpPr/>
+              <p:nvPr/>
+            </p:nvGrpSpPr>
+            <p:grpSpPr>
+              <a:xfrm>
+                <a:off x="1575460" y="3852490"/>
+                <a:ext cx="816773" cy="230832"/>
+                <a:chOff x="1445490" y="3560729"/>
+                <a:chExt cx="816773" cy="230832"/>
+              </a:xfrm>
+            </p:grpSpPr>
+            <p:sp>
+              <p:nvSpPr>
+                <p:cNvPr id="70" name="TextBox 69">
+                  <a:extLst>
+                    <a:ext uri="{FF2B5EF4-FFF2-40B4-BE49-F238E27FC236}">
+                      <a16:creationId xmlns:a16="http://schemas.microsoft.com/office/drawing/2014/main" id="{8D0800F5-FFA1-41A5-BE01-C8F856CBF1FE}"/>
+                    </a:ext>
+                  </a:extLst>
+                </p:cNvPr>
+                <p:cNvSpPr txBox="1"/>
+                <p:nvPr/>
+              </p:nvSpPr>
+              <p:spPr>
+                <a:xfrm>
+                  <a:off x="1615932" y="3560729"/>
+                  <a:ext cx="646331" cy="230832"/>
+                </a:xfrm>
+                <a:prstGeom prst="rect">
+                  <a:avLst/>
+                </a:prstGeom>
+                <a:noFill/>
+              </p:spPr>
+              <p:txBody>
+                <a:bodyPr wrap="none" rtlCol="0">
+                  <a:spAutoFit/>
+                </a:bodyPr>
+                <a:lstStyle/>
+                <a:p>
+                  <a:r>
+                    <a:rPr lang="ko-KR" altLang="en-US" sz="900" dirty="0"/>
+                    <a:t>주관식형</a:t>
+                  </a:r>
+                </a:p>
+              </p:txBody>
+            </p:sp>
+            <p:sp>
+              <p:nvSpPr>
+                <p:cNvPr id="71" name="타원 70">
+                  <a:extLst>
+                    <a:ext uri="{FF2B5EF4-FFF2-40B4-BE49-F238E27FC236}">
+                      <a16:creationId xmlns:a16="http://schemas.microsoft.com/office/drawing/2014/main" id="{27270B35-6480-4537-8FDF-51AB6C152B59}"/>
+                    </a:ext>
+                  </a:extLst>
+                </p:cNvPr>
+                <p:cNvSpPr/>
+                <p:nvPr/>
+              </p:nvSpPr>
+              <p:spPr>
+                <a:xfrm>
+                  <a:off x="1445490" y="3617307"/>
+                  <a:ext cx="117677" cy="117677"/>
+                </a:xfrm>
+                <a:prstGeom prst="ellipse">
+                  <a:avLst/>
+                </a:prstGeom>
+                <a:ln>
+                  <a:solidFill>
+                    <a:srgbClr val="FF0000"/>
+                  </a:solidFill>
+                </a:ln>
+              </p:spPr>
+              <p:style>
+                <a:lnRef idx="2">
+                  <a:schemeClr val="accent2"/>
+                </a:lnRef>
+                <a:fillRef idx="1">
+                  <a:schemeClr val="lt1"/>
+                </a:fillRef>
+                <a:effectRef idx="0">
+                  <a:schemeClr val="accent2"/>
+                </a:effectRef>
+                <a:fontRef idx="minor">
+                  <a:schemeClr val="dk1"/>
+                </a:fontRef>
+              </p:style>
+              <p:txBody>
+                <a:bodyPr rtlCol="0" anchor="ctr"/>
+                <a:lstStyle/>
+                <a:p>
+                  <a:pPr algn="ctr"/>
+                  <a:endParaRPr lang="ko-KR" altLang="en-US"/>
+                </a:p>
+              </p:txBody>
+            </p:sp>
+          </p:grpSp>
+          <p:grpSp>
+            <p:nvGrpSpPr>
+              <p:cNvPr id="72" name="그룹 71">
+                <a:extLst>
+                  <a:ext uri="{FF2B5EF4-FFF2-40B4-BE49-F238E27FC236}">
+                    <a16:creationId xmlns:a16="http://schemas.microsoft.com/office/drawing/2014/main" id="{41B93732-FF44-43DD-B4FA-1832B9E58C8D}"/>
+                  </a:ext>
+                </a:extLst>
+              </p:cNvPr>
+              <p:cNvGrpSpPr/>
+              <p:nvPr/>
+            </p:nvGrpSpPr>
+            <p:grpSpPr>
+              <a:xfrm>
+                <a:off x="2748929" y="3855873"/>
+                <a:ext cx="744638" cy="230832"/>
+                <a:chOff x="1445490" y="3560729"/>
+                <a:chExt cx="744638" cy="230832"/>
+              </a:xfrm>
+            </p:grpSpPr>
+            <p:sp>
+              <p:nvSpPr>
+                <p:cNvPr id="73" name="TextBox 72">
+                  <a:extLst>
+                    <a:ext uri="{FF2B5EF4-FFF2-40B4-BE49-F238E27FC236}">
+                      <a16:creationId xmlns:a16="http://schemas.microsoft.com/office/drawing/2014/main" id="{56A7E501-7658-48C0-832E-7C630611729B}"/>
+                    </a:ext>
+                  </a:extLst>
+                </p:cNvPr>
+                <p:cNvSpPr txBox="1"/>
+                <p:nvPr/>
+              </p:nvSpPr>
+              <p:spPr>
+                <a:xfrm>
+                  <a:off x="1615932" y="3560729"/>
+                  <a:ext cx="574196" cy="230832"/>
+                </a:xfrm>
+                <a:prstGeom prst="rect">
+                  <a:avLst/>
+                </a:prstGeom>
+                <a:noFill/>
+              </p:spPr>
+              <p:txBody>
+                <a:bodyPr wrap="none" rtlCol="0">
+                  <a:spAutoFit/>
+                </a:bodyPr>
+                <a:lstStyle/>
+                <a:p>
+                  <a:r>
+                    <a:rPr lang="en-US" altLang="ko-KR" sz="900" dirty="0"/>
+                    <a:t>Head</a:t>
+                  </a:r>
+                  <a:r>
+                    <a:rPr lang="ko-KR" altLang="en-US" sz="900" dirty="0"/>
+                    <a:t>형</a:t>
+                  </a:r>
+                </a:p>
+              </p:txBody>
+            </p:sp>
+            <p:sp>
+              <p:nvSpPr>
+                <p:cNvPr id="74" name="타원 73">
+                  <a:extLst>
+                    <a:ext uri="{FF2B5EF4-FFF2-40B4-BE49-F238E27FC236}">
+                      <a16:creationId xmlns:a16="http://schemas.microsoft.com/office/drawing/2014/main" id="{26122466-C3B1-46E9-8AAF-C80603CC0044}"/>
+                    </a:ext>
+                  </a:extLst>
+                </p:cNvPr>
+                <p:cNvSpPr/>
+                <p:nvPr/>
+              </p:nvSpPr>
+              <p:spPr>
+                <a:xfrm>
+                  <a:off x="1445490" y="3617307"/>
+                  <a:ext cx="117677" cy="117677"/>
+                </a:xfrm>
+                <a:prstGeom prst="ellipse">
+                  <a:avLst/>
+                </a:prstGeom>
+                <a:ln>
+                  <a:solidFill>
+                    <a:srgbClr val="FF0000"/>
+                  </a:solidFill>
+                </a:ln>
+              </p:spPr>
+              <p:style>
+                <a:lnRef idx="2">
+                  <a:schemeClr val="accent2"/>
+                </a:lnRef>
+                <a:fillRef idx="1">
+                  <a:schemeClr val="lt1"/>
+                </a:fillRef>
+                <a:effectRef idx="0">
+                  <a:schemeClr val="accent2"/>
+                </a:effectRef>
+                <a:fontRef idx="minor">
+                  <a:schemeClr val="dk1"/>
+                </a:fontRef>
+              </p:style>
+              <p:txBody>
+                <a:bodyPr rtlCol="0" anchor="ctr"/>
+                <a:lstStyle/>
+                <a:p>
+                  <a:pPr algn="ctr"/>
+                  <a:endParaRPr lang="ko-KR" altLang="en-US"/>
+                </a:p>
+              </p:txBody>
+            </p:sp>
+          </p:grpSp>
+          <p:grpSp>
+            <p:nvGrpSpPr>
+              <p:cNvPr id="75" name="그룹 74">
+                <a:extLst>
+                  <a:ext uri="{FF2B5EF4-FFF2-40B4-BE49-F238E27FC236}">
+                    <a16:creationId xmlns:a16="http://schemas.microsoft.com/office/drawing/2014/main" id="{E19951EF-5AE6-4163-8FC3-6424A3A3B46D}"/>
+                  </a:ext>
+                </a:extLst>
+              </p:cNvPr>
+              <p:cNvGrpSpPr/>
+              <p:nvPr/>
+            </p:nvGrpSpPr>
+            <p:grpSpPr>
+              <a:xfrm>
+                <a:off x="1577120" y="4172427"/>
+                <a:ext cx="731814" cy="230832"/>
+                <a:chOff x="1445490" y="3560729"/>
+                <a:chExt cx="731814" cy="230832"/>
+              </a:xfrm>
+            </p:grpSpPr>
+            <p:sp>
+              <p:nvSpPr>
+                <p:cNvPr id="76" name="TextBox 75">
+                  <a:extLst>
+                    <a:ext uri="{FF2B5EF4-FFF2-40B4-BE49-F238E27FC236}">
+                      <a16:creationId xmlns:a16="http://schemas.microsoft.com/office/drawing/2014/main" id="{4A592B17-22D9-4695-A3AC-6E5AFA1B0C49}"/>
+                    </a:ext>
+                  </a:extLst>
+                </p:cNvPr>
+                <p:cNvSpPr txBox="1"/>
+                <p:nvPr/>
+              </p:nvSpPr>
+              <p:spPr>
+                <a:xfrm>
+                  <a:off x="1615932" y="3560729"/>
+                  <a:ext cx="561372" cy="230832"/>
+                </a:xfrm>
+                <a:prstGeom prst="rect">
+                  <a:avLst/>
+                </a:prstGeom>
+                <a:noFill/>
+              </p:spPr>
+              <p:txBody>
+                <a:bodyPr wrap="none" rtlCol="0">
+                  <a:spAutoFit/>
+                </a:bodyPr>
+                <a:lstStyle/>
+                <a:p>
+                  <a:r>
+                    <a:rPr lang="en-US" altLang="ko-KR" sz="900" dirty="0"/>
+                    <a:t>Body</a:t>
+                  </a:r>
+                  <a:r>
+                    <a:rPr lang="ko-KR" altLang="en-US" sz="900" dirty="0"/>
+                    <a:t>형</a:t>
+                  </a:r>
+                </a:p>
+              </p:txBody>
+            </p:sp>
+            <p:sp>
+              <p:nvSpPr>
+                <p:cNvPr id="77" name="타원 76">
+                  <a:extLst>
+                    <a:ext uri="{FF2B5EF4-FFF2-40B4-BE49-F238E27FC236}">
+                      <a16:creationId xmlns:a16="http://schemas.microsoft.com/office/drawing/2014/main" id="{DC46F465-8554-482F-8416-8D24E7CC76D6}"/>
+                    </a:ext>
+                  </a:extLst>
+                </p:cNvPr>
+                <p:cNvSpPr/>
+                <p:nvPr/>
+              </p:nvSpPr>
+              <p:spPr>
+                <a:xfrm>
+                  <a:off x="1445490" y="3617307"/>
+                  <a:ext cx="117677" cy="117677"/>
+                </a:xfrm>
+                <a:prstGeom prst="ellipse">
+                  <a:avLst/>
+                </a:prstGeom>
+                <a:ln/>
+              </p:spPr>
+              <p:style>
+                <a:lnRef idx="2">
+                  <a:schemeClr val="accent6"/>
+                </a:lnRef>
+                <a:fillRef idx="1">
+                  <a:schemeClr val="lt1"/>
+                </a:fillRef>
+                <a:effectRef idx="0">
+                  <a:schemeClr val="accent6"/>
+                </a:effectRef>
+                <a:fontRef idx="minor">
+                  <a:schemeClr val="dk1"/>
+                </a:fontRef>
+              </p:style>
+              <p:txBody>
+                <a:bodyPr rtlCol="0" anchor="ctr"/>
+                <a:lstStyle/>
+                <a:p>
+                  <a:pPr algn="ctr"/>
+                  <a:endParaRPr lang="ko-KR" altLang="en-US"/>
+                </a:p>
+              </p:txBody>
+            </p:sp>
+          </p:grpSp>
+          <p:grpSp>
+            <p:nvGrpSpPr>
+              <p:cNvPr id="79" name="그룹 78">
+                <a:extLst>
+                  <a:ext uri="{FF2B5EF4-FFF2-40B4-BE49-F238E27FC236}">
+                    <a16:creationId xmlns:a16="http://schemas.microsoft.com/office/drawing/2014/main" id="{1C4FF72B-E9AF-4370-BB94-A9FDCC7D6D4A}"/>
+                  </a:ext>
+                </a:extLst>
+              </p:cNvPr>
+              <p:cNvGrpSpPr/>
+              <p:nvPr/>
+            </p:nvGrpSpPr>
+            <p:grpSpPr>
+              <a:xfrm>
+                <a:off x="2752203" y="4172427"/>
+                <a:ext cx="648458" cy="230832"/>
+                <a:chOff x="1445490" y="3560729"/>
+                <a:chExt cx="648458" cy="230832"/>
+              </a:xfrm>
+            </p:grpSpPr>
+            <p:sp>
+              <p:nvSpPr>
+                <p:cNvPr id="80" name="TextBox 79">
+                  <a:extLst>
+                    <a:ext uri="{FF2B5EF4-FFF2-40B4-BE49-F238E27FC236}">
+                      <a16:creationId xmlns:a16="http://schemas.microsoft.com/office/drawing/2014/main" id="{9B83ADBA-10FD-4224-866A-5CAC72462CB8}"/>
+                    </a:ext>
+                  </a:extLst>
+                </p:cNvPr>
+                <p:cNvSpPr txBox="1"/>
+                <p:nvPr/>
+              </p:nvSpPr>
+              <p:spPr>
+                <a:xfrm>
+                  <a:off x="1615932" y="3560729"/>
+                  <a:ext cx="478016" cy="230832"/>
+                </a:xfrm>
+                <a:prstGeom prst="rect">
+                  <a:avLst/>
+                </a:prstGeom>
+                <a:noFill/>
+              </p:spPr>
+              <p:txBody>
+                <a:bodyPr wrap="none" rtlCol="0">
+                  <a:spAutoFit/>
+                </a:bodyPr>
+                <a:lstStyle/>
+                <a:p>
+                  <a:r>
+                    <a:rPr lang="en-US" altLang="ko-KR" sz="900" dirty="0"/>
+                    <a:t>Tail</a:t>
+                  </a:r>
+                  <a:r>
+                    <a:rPr lang="ko-KR" altLang="en-US" sz="900" dirty="0"/>
+                    <a:t>형</a:t>
+                  </a:r>
+                </a:p>
+              </p:txBody>
+            </p:sp>
+            <p:sp>
+              <p:nvSpPr>
+                <p:cNvPr id="81" name="타원 80">
+                  <a:extLst>
+                    <a:ext uri="{FF2B5EF4-FFF2-40B4-BE49-F238E27FC236}">
+                      <a16:creationId xmlns:a16="http://schemas.microsoft.com/office/drawing/2014/main" id="{1E441020-1AE8-4A4C-BC58-B87DCD0F38DE}"/>
+                    </a:ext>
+                  </a:extLst>
+                </p:cNvPr>
+                <p:cNvSpPr/>
+                <p:nvPr/>
+              </p:nvSpPr>
+              <p:spPr>
+                <a:xfrm>
+                  <a:off x="1445490" y="3617307"/>
+                  <a:ext cx="117677" cy="117677"/>
+                </a:xfrm>
+                <a:prstGeom prst="ellipse">
+                  <a:avLst/>
+                </a:prstGeom>
+                <a:ln/>
+              </p:spPr>
+              <p:style>
+                <a:lnRef idx="2">
+                  <a:schemeClr val="accent6"/>
+                </a:lnRef>
+                <a:fillRef idx="1">
+                  <a:schemeClr val="lt1"/>
+                </a:fillRef>
+                <a:effectRef idx="0">
+                  <a:schemeClr val="accent6"/>
+                </a:effectRef>
+                <a:fontRef idx="minor">
+                  <a:schemeClr val="dk1"/>
+                </a:fontRef>
+              </p:style>
+              <p:txBody>
+                <a:bodyPr rtlCol="0" anchor="ctr"/>
+                <a:lstStyle/>
+                <a:p>
+                  <a:pPr algn="ctr"/>
+                  <a:endParaRPr lang="ko-KR" altLang="en-US"/>
+                </a:p>
+              </p:txBody>
+            </p:sp>
+          </p:grpSp>
+        </p:grpSp>
+        <p:sp>
+          <p:nvSpPr>
+            <p:cNvPr id="82" name="직사각형 81">
+              <a:extLst>
+                <a:ext uri="{FF2B5EF4-FFF2-40B4-BE49-F238E27FC236}">
+                  <a16:creationId xmlns:a16="http://schemas.microsoft.com/office/drawing/2014/main" id="{4C62D6D9-97F0-4FD2-8A13-D8FBD75A8A47}"/>
+                </a:ext>
+              </a:extLst>
+            </p:cNvPr>
+            <p:cNvSpPr/>
+            <p:nvPr/>
+          </p:nvSpPr>
+          <p:spPr>
+            <a:xfrm>
+              <a:off x="2120146" y="4617306"/>
+              <a:ext cx="720681" cy="259977"/>
+            </a:xfrm>
+            <a:prstGeom prst="rect">
+              <a:avLst/>
+            </a:prstGeom>
+          </p:spPr>
+          <p:style>
+            <a:lnRef idx="2">
+              <a:schemeClr val="accent1">
+                <a:shade val="50000"/>
+              </a:schemeClr>
+            </a:lnRef>
+            <a:fillRef idx="1">
+              <a:schemeClr val="accent1"/>
+            </a:fillRef>
+            <a:effectRef idx="0">
+              <a:schemeClr val="accent1"/>
+            </a:effectRef>
+            <a:fontRef idx="minor">
+              <a:schemeClr val="lt1"/>
+            </a:fontRef>
+          </p:style>
+          <p:txBody>
+            <a:bodyPr rtlCol="0" anchor="ctr"/>
+            <a:lstStyle/>
+            <a:p>
+              <a:pPr algn="ctr"/>
+              <a:r>
+                <a:rPr lang="ko-KR" altLang="en-US" sz="900" dirty="0"/>
+                <a:t>확인</a:t>
+              </a:r>
+            </a:p>
+          </p:txBody>
+        </p:sp>
       </p:grpSp>
     </p:spTree>
     <p:extLst>
@@ -11386,6 +12311,1856 @@
 </p:sld>
 </file>
 
+<file path=ppt/slides/slide3.xml><?xml version="1.0" encoding="utf-8"?>
+<p:sld xmlns:a="http://schemas.openxmlformats.org/drawingml/2006/main" xmlns:r="http://schemas.openxmlformats.org/officeDocument/2006/relationships" xmlns:p="http://schemas.openxmlformats.org/presentationml/2006/main">
+  <p:cSld>
+    <p:spTree>
+      <p:nvGrpSpPr>
+        <p:cNvPr id="1" name=""/>
+        <p:cNvGrpSpPr/>
+        <p:nvPr/>
+      </p:nvGrpSpPr>
+      <p:grpSpPr>
+        <a:xfrm>
+          <a:off x="0" y="0"/>
+          <a:ext cx="0" cy="0"/>
+          <a:chOff x="0" y="0"/>
+          <a:chExt cx="0" cy="0"/>
+        </a:xfrm>
+      </p:grpSpPr>
+      <p:grpSp>
+        <p:nvGrpSpPr>
+          <p:cNvPr id="10" name="그룹 9">
+            <a:extLst>
+              <a:ext uri="{FF2B5EF4-FFF2-40B4-BE49-F238E27FC236}">
+                <a16:creationId xmlns:a16="http://schemas.microsoft.com/office/drawing/2014/main" id="{79E491A2-F786-4B5E-A898-58B5D2D2C2D0}"/>
+              </a:ext>
+            </a:extLst>
+          </p:cNvPr>
+          <p:cNvGrpSpPr/>
+          <p:nvPr/>
+        </p:nvGrpSpPr>
+        <p:grpSpPr>
+          <a:xfrm>
+            <a:off x="659769" y="273620"/>
+            <a:ext cx="2494312" cy="2907075"/>
+            <a:chOff x="1238120" y="2050478"/>
+            <a:chExt cx="2494312" cy="2907075"/>
+          </a:xfrm>
+        </p:grpSpPr>
+        <p:sp>
+          <p:nvSpPr>
+            <p:cNvPr id="6" name="직사각형 5">
+              <a:extLst>
+                <a:ext uri="{FF2B5EF4-FFF2-40B4-BE49-F238E27FC236}">
+                  <a16:creationId xmlns:a16="http://schemas.microsoft.com/office/drawing/2014/main" id="{5689DC5D-CFA9-4FAB-B1D9-4B3DF374A33E}"/>
+                </a:ext>
+              </a:extLst>
+            </p:cNvPr>
+            <p:cNvSpPr/>
+            <p:nvPr/>
+          </p:nvSpPr>
+          <p:spPr>
+            <a:xfrm>
+              <a:off x="1238120" y="2050478"/>
+              <a:ext cx="2494312" cy="2907075"/>
+            </a:xfrm>
+            <a:prstGeom prst="rect">
+              <a:avLst/>
+            </a:prstGeom>
+            <a:ln/>
+          </p:spPr>
+          <p:style>
+            <a:lnRef idx="1">
+              <a:schemeClr val="accent3"/>
+            </a:lnRef>
+            <a:fillRef idx="2">
+              <a:schemeClr val="accent3"/>
+            </a:fillRef>
+            <a:effectRef idx="1">
+              <a:schemeClr val="accent3"/>
+            </a:effectRef>
+            <a:fontRef idx="minor">
+              <a:schemeClr val="dk1"/>
+            </a:fontRef>
+          </p:style>
+          <p:txBody>
+            <a:bodyPr rtlCol="0" anchor="t" anchorCtr="0"/>
+            <a:lstStyle/>
+            <a:p>
+              <a:pPr algn="ctr">
+                <a:lnSpc>
+                  <a:spcPct val="150000"/>
+                </a:lnSpc>
+              </a:pPr>
+              <a:r>
+                <a:rPr lang="en-US" altLang="ko-KR" dirty="0"/>
+                <a:t>OX </a:t>
+              </a:r>
+              <a:r>
+                <a:rPr lang="ko-KR" altLang="en-US" dirty="0"/>
+                <a:t>퀴즈</a:t>
+              </a:r>
+              <a:endParaRPr lang="en-US" altLang="ko-KR" dirty="0"/>
+            </a:p>
+            <a:p>
+              <a:pPr>
+                <a:lnSpc>
+                  <a:spcPct val="150000"/>
+                </a:lnSpc>
+              </a:pPr>
+              <a:r>
+                <a:rPr lang="en-US" altLang="ko-KR" sz="1200" dirty="0"/>
+                <a:t>Title:</a:t>
+              </a:r>
+            </a:p>
+            <a:p>
+              <a:pPr>
+                <a:lnSpc>
+                  <a:spcPct val="150000"/>
+                </a:lnSpc>
+              </a:pPr>
+              <a:r>
+                <a:rPr lang="ko-KR" altLang="en-US" sz="1200" dirty="0"/>
+                <a:t>내용</a:t>
+              </a:r>
+              <a:r>
+                <a:rPr lang="en-US" altLang="ko-KR" sz="1200" dirty="0"/>
+                <a:t>:</a:t>
+              </a:r>
+            </a:p>
+            <a:p>
+              <a:pPr>
+                <a:lnSpc>
+                  <a:spcPct val="150000"/>
+                </a:lnSpc>
+              </a:pPr>
+              <a:endParaRPr lang="en-US" altLang="ko-KR" sz="1200" dirty="0"/>
+            </a:p>
+            <a:p>
+              <a:pPr>
+                <a:lnSpc>
+                  <a:spcPct val="150000"/>
+                </a:lnSpc>
+              </a:pPr>
+              <a:endParaRPr lang="en-US" altLang="ko-KR" sz="1200" dirty="0"/>
+            </a:p>
+            <a:p>
+              <a:pPr>
+                <a:lnSpc>
+                  <a:spcPct val="150000"/>
+                </a:lnSpc>
+              </a:pPr>
+              <a:r>
+                <a:rPr lang="ko-KR" altLang="en-US" sz="1200" dirty="0"/>
+                <a:t>답</a:t>
+              </a:r>
+              <a:r>
+                <a:rPr lang="en-US" altLang="ko-KR" sz="1200" dirty="0"/>
+                <a:t>: True/False / </a:t>
+              </a:r>
+              <a:r>
+                <a:rPr lang="ko-KR" altLang="en-US" sz="1200" dirty="0"/>
+                <a:t>점수</a:t>
+              </a:r>
+              <a:r>
+                <a:rPr lang="en-US" altLang="ko-KR" sz="1200" dirty="0"/>
+                <a:t>(4</a:t>
+              </a:r>
+              <a:r>
+                <a:rPr lang="ko-KR" altLang="en-US" sz="1200" dirty="0"/>
+                <a:t>점</a:t>
+              </a:r>
+              <a:r>
+                <a:rPr lang="en-US" altLang="ko-KR" sz="1200" dirty="0"/>
+                <a:t>)</a:t>
+              </a:r>
+            </a:p>
+            <a:p>
+              <a:pPr>
+                <a:lnSpc>
+                  <a:spcPct val="150000"/>
+                </a:lnSpc>
+              </a:pPr>
+              <a:endParaRPr lang="en-US" altLang="ko-KR" sz="1200" dirty="0"/>
+            </a:p>
+            <a:p>
+              <a:pPr>
+                <a:lnSpc>
+                  <a:spcPct val="150000"/>
+                </a:lnSpc>
+              </a:pPr>
+              <a:endParaRPr lang="en-US" altLang="ko-KR" sz="1600" dirty="0"/>
+            </a:p>
+            <a:p>
+              <a:endParaRPr lang="en-US" altLang="ko-KR" dirty="0"/>
+            </a:p>
+          </p:txBody>
+        </p:sp>
+        <p:grpSp>
+          <p:nvGrpSpPr>
+            <p:cNvPr id="7" name="그룹 6">
+              <a:extLst>
+                <a:ext uri="{FF2B5EF4-FFF2-40B4-BE49-F238E27FC236}">
+                  <a16:creationId xmlns:a16="http://schemas.microsoft.com/office/drawing/2014/main" id="{9FA77FAB-5EB4-4509-AA04-491612A2F08B}"/>
+                </a:ext>
+              </a:extLst>
+            </p:cNvPr>
+            <p:cNvGrpSpPr/>
+            <p:nvPr/>
+          </p:nvGrpSpPr>
+          <p:grpSpPr>
+            <a:xfrm>
+              <a:off x="2829513" y="2551099"/>
+              <a:ext cx="819428" cy="819428"/>
+              <a:chOff x="10593334" y="1801271"/>
+              <a:chExt cx="819428" cy="819428"/>
+            </a:xfrm>
+          </p:grpSpPr>
+          <p:sp>
+            <p:nvSpPr>
+              <p:cNvPr id="8" name="직사각형 7">
+                <a:extLst>
+                  <a:ext uri="{FF2B5EF4-FFF2-40B4-BE49-F238E27FC236}">
+                    <a16:creationId xmlns:a16="http://schemas.microsoft.com/office/drawing/2014/main" id="{FB1AFA66-EE2B-439C-B499-0B7C056AD709}"/>
+                  </a:ext>
+                </a:extLst>
+              </p:cNvPr>
+              <p:cNvSpPr/>
+              <p:nvPr/>
+            </p:nvSpPr>
+            <p:spPr>
+              <a:xfrm>
+                <a:off x="10593334" y="1801271"/>
+                <a:ext cx="819428" cy="819428"/>
+              </a:xfrm>
+              <a:prstGeom prst="rect">
+                <a:avLst/>
+              </a:prstGeom>
+            </p:spPr>
+            <p:style>
+              <a:lnRef idx="2">
+                <a:schemeClr val="accent3"/>
+              </a:lnRef>
+              <a:fillRef idx="1">
+                <a:schemeClr val="lt1"/>
+              </a:fillRef>
+              <a:effectRef idx="0">
+                <a:schemeClr val="accent3"/>
+              </a:effectRef>
+              <a:fontRef idx="minor">
+                <a:schemeClr val="dk1"/>
+              </a:fontRef>
+            </p:style>
+            <p:txBody>
+              <a:bodyPr rtlCol="0" anchor="ctr"/>
+              <a:lstStyle/>
+              <a:p>
+                <a:pPr algn="ctr"/>
+                <a:endParaRPr lang="ko-KR" altLang="en-US"/>
+              </a:p>
+            </p:txBody>
+          </p:sp>
+          <p:pic>
+            <p:nvPicPr>
+              <p:cNvPr id="9" name="그래픽 8" descr="카메라">
+                <a:extLst>
+                  <a:ext uri="{FF2B5EF4-FFF2-40B4-BE49-F238E27FC236}">
+                    <a16:creationId xmlns:a16="http://schemas.microsoft.com/office/drawing/2014/main" id="{0B8BD8AD-EEB0-4563-9AD2-C9B666084306}"/>
+                  </a:ext>
+                </a:extLst>
+              </p:cNvPr>
+              <p:cNvPicPr>
+                <a:picLocks noChangeAspect="1"/>
+              </p:cNvPicPr>
+              <p:nvPr/>
+            </p:nvPicPr>
+            <p:blipFill>
+              <a:blip r:embed="rId2">
+                <a:extLst>
+                  <a:ext uri="{28A0092B-C50C-407E-A947-70E740481C1C}">
+                    <a14:useLocalDpi xmlns:a14="http://schemas.microsoft.com/office/drawing/2010/main" val="0"/>
+                  </a:ext>
+                  <a:ext uri="{96DAC541-7B7A-43D3-8B79-37D633B846F1}">
+                    <asvg:svgBlip xmlns:asvg="http://schemas.microsoft.com/office/drawing/2016/SVG/main" r:embed="rId3"/>
+                  </a:ext>
+                </a:extLst>
+              </a:blip>
+              <a:stretch>
+                <a:fillRect/>
+              </a:stretch>
+            </p:blipFill>
+            <p:spPr>
+              <a:xfrm>
+                <a:off x="10728627" y="1920917"/>
+                <a:ext cx="548842" cy="548842"/>
+              </a:xfrm>
+              <a:prstGeom prst="rect">
+                <a:avLst/>
+              </a:prstGeom>
+            </p:spPr>
+          </p:pic>
+        </p:grpSp>
+      </p:grpSp>
+      <p:sp>
+        <p:nvSpPr>
+          <p:cNvPr id="11" name="사각형: 둥근 모서리 10">
+            <a:extLst>
+              <a:ext uri="{FF2B5EF4-FFF2-40B4-BE49-F238E27FC236}">
+                <a16:creationId xmlns:a16="http://schemas.microsoft.com/office/drawing/2014/main" id="{13C5197F-77F1-4894-B7E4-5573E8C2DDD1}"/>
+              </a:ext>
+            </a:extLst>
+          </p:cNvPr>
+          <p:cNvSpPr/>
+          <p:nvPr/>
+        </p:nvSpPr>
+        <p:spPr>
+          <a:xfrm>
+            <a:off x="1312092" y="2653131"/>
+            <a:ext cx="1189665" cy="402023"/>
+          </a:xfrm>
+          <a:prstGeom prst="roundRect">
+            <a:avLst/>
+          </a:prstGeom>
+        </p:spPr>
+        <p:style>
+          <a:lnRef idx="2">
+            <a:schemeClr val="accent1">
+              <a:shade val="50000"/>
+            </a:schemeClr>
+          </a:lnRef>
+          <a:fillRef idx="1">
+            <a:schemeClr val="accent1"/>
+          </a:fillRef>
+          <a:effectRef idx="0">
+            <a:schemeClr val="accent1"/>
+          </a:effectRef>
+          <a:fontRef idx="minor">
+            <a:schemeClr val="lt1"/>
+          </a:fontRef>
+        </p:style>
+        <p:txBody>
+          <a:bodyPr rtlCol="0" anchor="ctr"/>
+          <a:lstStyle/>
+          <a:p>
+            <a:pPr algn="ctr"/>
+            <a:r>
+              <a:rPr lang="ko-KR" altLang="en-US" sz="1400" dirty="0"/>
+              <a:t>확 인</a:t>
+            </a:r>
+          </a:p>
+        </p:txBody>
+      </p:sp>
+      <p:grpSp>
+        <p:nvGrpSpPr>
+          <p:cNvPr id="12" name="그룹 11">
+            <a:extLst>
+              <a:ext uri="{FF2B5EF4-FFF2-40B4-BE49-F238E27FC236}">
+                <a16:creationId xmlns:a16="http://schemas.microsoft.com/office/drawing/2014/main" id="{1AA16641-7645-4EA1-9277-581FCD56881F}"/>
+              </a:ext>
+            </a:extLst>
+          </p:cNvPr>
+          <p:cNvGrpSpPr/>
+          <p:nvPr/>
+        </p:nvGrpSpPr>
+        <p:grpSpPr>
+          <a:xfrm>
+            <a:off x="3681204" y="273620"/>
+            <a:ext cx="2494312" cy="2907075"/>
+            <a:chOff x="1238120" y="2050478"/>
+            <a:chExt cx="2494312" cy="2907075"/>
+          </a:xfrm>
+        </p:grpSpPr>
+        <p:sp>
+          <p:nvSpPr>
+            <p:cNvPr id="13" name="직사각형 12">
+              <a:extLst>
+                <a:ext uri="{FF2B5EF4-FFF2-40B4-BE49-F238E27FC236}">
+                  <a16:creationId xmlns:a16="http://schemas.microsoft.com/office/drawing/2014/main" id="{6339D175-6F83-4C0A-B98B-E1102F6C21A2}"/>
+                </a:ext>
+              </a:extLst>
+            </p:cNvPr>
+            <p:cNvSpPr/>
+            <p:nvPr/>
+          </p:nvSpPr>
+          <p:spPr>
+            <a:xfrm>
+              <a:off x="1238120" y="2050478"/>
+              <a:ext cx="2494312" cy="2907075"/>
+            </a:xfrm>
+            <a:prstGeom prst="rect">
+              <a:avLst/>
+            </a:prstGeom>
+            <a:ln/>
+          </p:spPr>
+          <p:style>
+            <a:lnRef idx="1">
+              <a:schemeClr val="accent3"/>
+            </a:lnRef>
+            <a:fillRef idx="2">
+              <a:schemeClr val="accent3"/>
+            </a:fillRef>
+            <a:effectRef idx="1">
+              <a:schemeClr val="accent3"/>
+            </a:effectRef>
+            <a:fontRef idx="minor">
+              <a:schemeClr val="dk1"/>
+            </a:fontRef>
+          </p:style>
+          <p:txBody>
+            <a:bodyPr rtlCol="0" anchor="t" anchorCtr="0"/>
+            <a:lstStyle/>
+            <a:p>
+              <a:pPr algn="ctr">
+                <a:lnSpc>
+                  <a:spcPct val="150000"/>
+                </a:lnSpc>
+              </a:pPr>
+              <a:r>
+                <a:rPr lang="ko-KR" altLang="en-US" dirty="0"/>
+                <a:t>객관식</a:t>
+              </a:r>
+              <a:r>
+                <a:rPr lang="en-US" altLang="ko-KR" dirty="0"/>
+                <a:t> </a:t>
+              </a:r>
+              <a:r>
+                <a:rPr lang="ko-KR" altLang="en-US" dirty="0"/>
+                <a:t>퀴즈</a:t>
+              </a:r>
+              <a:endParaRPr lang="en-US" altLang="ko-KR" dirty="0"/>
+            </a:p>
+            <a:p>
+              <a:pPr>
+                <a:lnSpc>
+                  <a:spcPct val="150000"/>
+                </a:lnSpc>
+              </a:pPr>
+              <a:r>
+                <a:rPr lang="en-US" altLang="ko-KR" sz="1200" dirty="0"/>
+                <a:t>Title:</a:t>
+              </a:r>
+            </a:p>
+            <a:p>
+              <a:pPr>
+                <a:lnSpc>
+                  <a:spcPct val="150000"/>
+                </a:lnSpc>
+              </a:pPr>
+              <a:r>
+                <a:rPr lang="ko-KR" altLang="en-US" sz="1200" dirty="0"/>
+                <a:t>내용</a:t>
+              </a:r>
+              <a:r>
+                <a:rPr lang="en-US" altLang="ko-KR" sz="1200" dirty="0"/>
+                <a:t>:</a:t>
+              </a:r>
+            </a:p>
+            <a:p>
+              <a:pPr>
+                <a:lnSpc>
+                  <a:spcPct val="150000"/>
+                </a:lnSpc>
+              </a:pPr>
+              <a:r>
+                <a:rPr lang="en-US" altLang="ko-KR" sz="1200" dirty="0"/>
+                <a:t>①</a:t>
+              </a:r>
+            </a:p>
+            <a:p>
+              <a:pPr>
+                <a:lnSpc>
+                  <a:spcPct val="150000"/>
+                </a:lnSpc>
+              </a:pPr>
+              <a:r>
+                <a:rPr lang="en-US" altLang="ko-KR" sz="1200" dirty="0"/>
+                <a:t>②</a:t>
+              </a:r>
+            </a:p>
+            <a:p>
+              <a:pPr>
+                <a:lnSpc>
+                  <a:spcPct val="150000"/>
+                </a:lnSpc>
+              </a:pPr>
+              <a:r>
+                <a:rPr lang="en-US" altLang="ko-KR" sz="1200" dirty="0"/>
+                <a:t>③</a:t>
+              </a:r>
+            </a:p>
+            <a:p>
+              <a:pPr>
+                <a:lnSpc>
+                  <a:spcPct val="150000"/>
+                </a:lnSpc>
+              </a:pPr>
+              <a:r>
+                <a:rPr lang="en-US" altLang="ko-KR" sz="1200" dirty="0"/>
+                <a:t>④</a:t>
+              </a:r>
+            </a:p>
+            <a:p>
+              <a:pPr>
+                <a:lnSpc>
+                  <a:spcPct val="150000"/>
+                </a:lnSpc>
+              </a:pPr>
+              <a:r>
+                <a:rPr lang="ko-KR" altLang="en-US" sz="1200" dirty="0"/>
+                <a:t>답</a:t>
+              </a:r>
+              <a:r>
+                <a:rPr lang="en-US" altLang="ko-KR" sz="1200" dirty="0"/>
+                <a:t>: ③ / </a:t>
+              </a:r>
+              <a:r>
+                <a:rPr lang="ko-KR" altLang="en-US" sz="1200" dirty="0"/>
+                <a:t>점수</a:t>
+              </a:r>
+              <a:r>
+                <a:rPr lang="en-US" altLang="ko-KR" sz="1200" dirty="0"/>
+                <a:t>(4</a:t>
+              </a:r>
+              <a:r>
+                <a:rPr lang="ko-KR" altLang="en-US" sz="1200" dirty="0"/>
+                <a:t>점</a:t>
+              </a:r>
+              <a:r>
+                <a:rPr lang="en-US" altLang="ko-KR" sz="1200" dirty="0"/>
+                <a:t>)</a:t>
+              </a:r>
+            </a:p>
+            <a:p>
+              <a:pPr>
+                <a:lnSpc>
+                  <a:spcPct val="150000"/>
+                </a:lnSpc>
+              </a:pPr>
+              <a:endParaRPr lang="en-US" altLang="ko-KR" sz="1200" dirty="0"/>
+            </a:p>
+            <a:p>
+              <a:pPr>
+                <a:lnSpc>
+                  <a:spcPct val="150000"/>
+                </a:lnSpc>
+              </a:pPr>
+              <a:endParaRPr lang="en-US" altLang="ko-KR" sz="1600" dirty="0"/>
+            </a:p>
+            <a:p>
+              <a:endParaRPr lang="en-US" altLang="ko-KR" dirty="0"/>
+            </a:p>
+          </p:txBody>
+        </p:sp>
+        <p:grpSp>
+          <p:nvGrpSpPr>
+            <p:cNvPr id="14" name="그룹 13">
+              <a:extLst>
+                <a:ext uri="{FF2B5EF4-FFF2-40B4-BE49-F238E27FC236}">
+                  <a16:creationId xmlns:a16="http://schemas.microsoft.com/office/drawing/2014/main" id="{6A4B97C1-140D-4C49-BE4D-069B6DD1E095}"/>
+                </a:ext>
+              </a:extLst>
+            </p:cNvPr>
+            <p:cNvGrpSpPr/>
+            <p:nvPr/>
+          </p:nvGrpSpPr>
+          <p:grpSpPr>
+            <a:xfrm>
+              <a:off x="2829513" y="2551099"/>
+              <a:ext cx="819428" cy="819428"/>
+              <a:chOff x="10593334" y="1801271"/>
+              <a:chExt cx="819428" cy="819428"/>
+            </a:xfrm>
+          </p:grpSpPr>
+          <p:sp>
+            <p:nvSpPr>
+              <p:cNvPr id="15" name="직사각형 14">
+                <a:extLst>
+                  <a:ext uri="{FF2B5EF4-FFF2-40B4-BE49-F238E27FC236}">
+                    <a16:creationId xmlns:a16="http://schemas.microsoft.com/office/drawing/2014/main" id="{47F6A165-4DDD-46FF-A656-73766235EC15}"/>
+                  </a:ext>
+                </a:extLst>
+              </p:cNvPr>
+              <p:cNvSpPr/>
+              <p:nvPr/>
+            </p:nvSpPr>
+            <p:spPr>
+              <a:xfrm>
+                <a:off x="10593334" y="1801271"/>
+                <a:ext cx="819428" cy="819428"/>
+              </a:xfrm>
+              <a:prstGeom prst="rect">
+                <a:avLst/>
+              </a:prstGeom>
+            </p:spPr>
+            <p:style>
+              <a:lnRef idx="2">
+                <a:schemeClr val="accent3"/>
+              </a:lnRef>
+              <a:fillRef idx="1">
+                <a:schemeClr val="lt1"/>
+              </a:fillRef>
+              <a:effectRef idx="0">
+                <a:schemeClr val="accent3"/>
+              </a:effectRef>
+              <a:fontRef idx="minor">
+                <a:schemeClr val="dk1"/>
+              </a:fontRef>
+            </p:style>
+            <p:txBody>
+              <a:bodyPr rtlCol="0" anchor="ctr"/>
+              <a:lstStyle/>
+              <a:p>
+                <a:pPr algn="ctr"/>
+                <a:endParaRPr lang="ko-KR" altLang="en-US"/>
+              </a:p>
+            </p:txBody>
+          </p:sp>
+          <p:pic>
+            <p:nvPicPr>
+              <p:cNvPr id="16" name="그래픽 15" descr="카메라">
+                <a:extLst>
+                  <a:ext uri="{FF2B5EF4-FFF2-40B4-BE49-F238E27FC236}">
+                    <a16:creationId xmlns:a16="http://schemas.microsoft.com/office/drawing/2014/main" id="{4DBC8A5E-12D4-4221-9AB4-58FB792F8DE6}"/>
+                  </a:ext>
+                </a:extLst>
+              </p:cNvPr>
+              <p:cNvPicPr>
+                <a:picLocks noChangeAspect="1"/>
+              </p:cNvPicPr>
+              <p:nvPr/>
+            </p:nvPicPr>
+            <p:blipFill>
+              <a:blip r:embed="rId2">
+                <a:extLst>
+                  <a:ext uri="{28A0092B-C50C-407E-A947-70E740481C1C}">
+                    <a14:useLocalDpi xmlns:a14="http://schemas.microsoft.com/office/drawing/2010/main" val="0"/>
+                  </a:ext>
+                  <a:ext uri="{96DAC541-7B7A-43D3-8B79-37D633B846F1}">
+                    <asvg:svgBlip xmlns:asvg="http://schemas.microsoft.com/office/drawing/2016/SVG/main" r:embed="rId3"/>
+                  </a:ext>
+                </a:extLst>
+              </a:blip>
+              <a:stretch>
+                <a:fillRect/>
+              </a:stretch>
+            </p:blipFill>
+            <p:spPr>
+              <a:xfrm>
+                <a:off x="10728627" y="1920917"/>
+                <a:ext cx="548842" cy="548842"/>
+              </a:xfrm>
+              <a:prstGeom prst="rect">
+                <a:avLst/>
+              </a:prstGeom>
+            </p:spPr>
+          </p:pic>
+        </p:grpSp>
+      </p:grpSp>
+      <p:sp>
+        <p:nvSpPr>
+          <p:cNvPr id="17" name="사각형: 둥근 모서리 16">
+            <a:extLst>
+              <a:ext uri="{FF2B5EF4-FFF2-40B4-BE49-F238E27FC236}">
+                <a16:creationId xmlns:a16="http://schemas.microsoft.com/office/drawing/2014/main" id="{F6D15A87-7BC1-41A6-ACB4-A7BB1FD65DC7}"/>
+              </a:ext>
+            </a:extLst>
+          </p:cNvPr>
+          <p:cNvSpPr/>
+          <p:nvPr/>
+        </p:nvSpPr>
+        <p:spPr>
+          <a:xfrm>
+            <a:off x="4333527" y="2653131"/>
+            <a:ext cx="1189665" cy="402023"/>
+          </a:xfrm>
+          <a:prstGeom prst="roundRect">
+            <a:avLst/>
+          </a:prstGeom>
+        </p:spPr>
+        <p:style>
+          <a:lnRef idx="2">
+            <a:schemeClr val="accent1">
+              <a:shade val="50000"/>
+            </a:schemeClr>
+          </a:lnRef>
+          <a:fillRef idx="1">
+            <a:schemeClr val="accent1"/>
+          </a:fillRef>
+          <a:effectRef idx="0">
+            <a:schemeClr val="accent1"/>
+          </a:effectRef>
+          <a:fontRef idx="minor">
+            <a:schemeClr val="lt1"/>
+          </a:fontRef>
+        </p:style>
+        <p:txBody>
+          <a:bodyPr rtlCol="0" anchor="ctr"/>
+          <a:lstStyle/>
+          <a:p>
+            <a:pPr algn="ctr"/>
+            <a:r>
+              <a:rPr lang="ko-KR" altLang="en-US" sz="1400" dirty="0"/>
+              <a:t>확 인</a:t>
+            </a:r>
+          </a:p>
+        </p:txBody>
+      </p:sp>
+      <p:grpSp>
+        <p:nvGrpSpPr>
+          <p:cNvPr id="18" name="그룹 17">
+            <a:extLst>
+              <a:ext uri="{FF2B5EF4-FFF2-40B4-BE49-F238E27FC236}">
+                <a16:creationId xmlns:a16="http://schemas.microsoft.com/office/drawing/2014/main" id="{6EBA0ED5-AA8D-437B-921F-021596F33725}"/>
+              </a:ext>
+            </a:extLst>
+          </p:cNvPr>
+          <p:cNvGrpSpPr/>
+          <p:nvPr/>
+        </p:nvGrpSpPr>
+        <p:grpSpPr>
+          <a:xfrm>
+            <a:off x="6787113" y="273620"/>
+            <a:ext cx="2494312" cy="2907075"/>
+            <a:chOff x="1238120" y="2050478"/>
+            <a:chExt cx="2494312" cy="2907075"/>
+          </a:xfrm>
+        </p:grpSpPr>
+        <p:sp>
+          <p:nvSpPr>
+            <p:cNvPr id="19" name="직사각형 18">
+              <a:extLst>
+                <a:ext uri="{FF2B5EF4-FFF2-40B4-BE49-F238E27FC236}">
+                  <a16:creationId xmlns:a16="http://schemas.microsoft.com/office/drawing/2014/main" id="{F8979C0F-506B-4A0C-9863-53940FF65348}"/>
+                </a:ext>
+              </a:extLst>
+            </p:cNvPr>
+            <p:cNvSpPr/>
+            <p:nvPr/>
+          </p:nvSpPr>
+          <p:spPr>
+            <a:xfrm>
+              <a:off x="1238120" y="2050478"/>
+              <a:ext cx="2494312" cy="2907075"/>
+            </a:xfrm>
+            <a:prstGeom prst="rect">
+              <a:avLst/>
+            </a:prstGeom>
+            <a:ln/>
+          </p:spPr>
+          <p:style>
+            <a:lnRef idx="1">
+              <a:schemeClr val="accent3"/>
+            </a:lnRef>
+            <a:fillRef idx="2">
+              <a:schemeClr val="accent3"/>
+            </a:fillRef>
+            <a:effectRef idx="1">
+              <a:schemeClr val="accent3"/>
+            </a:effectRef>
+            <a:fontRef idx="minor">
+              <a:schemeClr val="dk1"/>
+            </a:fontRef>
+          </p:style>
+          <p:txBody>
+            <a:bodyPr rtlCol="0" anchor="t" anchorCtr="0"/>
+            <a:lstStyle/>
+            <a:p>
+              <a:pPr algn="ctr">
+                <a:lnSpc>
+                  <a:spcPct val="150000"/>
+                </a:lnSpc>
+              </a:pPr>
+              <a:r>
+                <a:rPr lang="ko-KR" altLang="en-US" dirty="0"/>
+                <a:t>주관식</a:t>
+              </a:r>
+              <a:r>
+                <a:rPr lang="en-US" altLang="ko-KR" dirty="0"/>
+                <a:t> </a:t>
+              </a:r>
+              <a:r>
+                <a:rPr lang="ko-KR" altLang="en-US" dirty="0"/>
+                <a:t>퀴즈</a:t>
+              </a:r>
+              <a:endParaRPr lang="en-US" altLang="ko-KR" dirty="0"/>
+            </a:p>
+            <a:p>
+              <a:pPr>
+                <a:lnSpc>
+                  <a:spcPct val="150000"/>
+                </a:lnSpc>
+              </a:pPr>
+              <a:r>
+                <a:rPr lang="en-US" altLang="ko-KR" sz="1200" dirty="0"/>
+                <a:t>Title:</a:t>
+              </a:r>
+            </a:p>
+            <a:p>
+              <a:pPr>
+                <a:lnSpc>
+                  <a:spcPct val="150000"/>
+                </a:lnSpc>
+              </a:pPr>
+              <a:r>
+                <a:rPr lang="ko-KR" altLang="en-US" sz="1200" dirty="0"/>
+                <a:t>내용</a:t>
+              </a:r>
+              <a:r>
+                <a:rPr lang="en-US" altLang="ko-KR" sz="1200" dirty="0"/>
+                <a:t>:</a:t>
+              </a:r>
+            </a:p>
+            <a:p>
+              <a:pPr>
+                <a:lnSpc>
+                  <a:spcPct val="150000"/>
+                </a:lnSpc>
+              </a:pPr>
+              <a:endParaRPr lang="en-US" altLang="ko-KR" sz="1200" dirty="0"/>
+            </a:p>
+            <a:p>
+              <a:pPr>
+                <a:lnSpc>
+                  <a:spcPct val="150000"/>
+                </a:lnSpc>
+              </a:pPr>
+              <a:endParaRPr lang="en-US" altLang="ko-KR" sz="1200" dirty="0"/>
+            </a:p>
+            <a:p>
+              <a:pPr>
+                <a:lnSpc>
+                  <a:spcPct val="150000"/>
+                </a:lnSpc>
+              </a:pPr>
+              <a:endParaRPr lang="en-US" altLang="ko-KR" sz="1200" dirty="0"/>
+            </a:p>
+            <a:p>
+              <a:pPr>
+                <a:lnSpc>
+                  <a:spcPct val="150000"/>
+                </a:lnSpc>
+              </a:pPr>
+              <a:r>
+                <a:rPr lang="ko-KR" altLang="en-US" sz="1200" dirty="0"/>
+                <a:t>답</a:t>
+              </a:r>
+              <a:r>
+                <a:rPr lang="en-US" altLang="ko-KR" sz="1200" dirty="0"/>
+                <a:t>:        / </a:t>
+              </a:r>
+              <a:r>
+                <a:rPr lang="ko-KR" altLang="en-US" sz="1200" dirty="0"/>
+                <a:t>점수</a:t>
+              </a:r>
+              <a:r>
+                <a:rPr lang="en-US" altLang="ko-KR" sz="1200" dirty="0"/>
+                <a:t>(4</a:t>
+              </a:r>
+              <a:r>
+                <a:rPr lang="ko-KR" altLang="en-US" sz="1200" dirty="0"/>
+                <a:t>점</a:t>
+              </a:r>
+              <a:r>
+                <a:rPr lang="en-US" altLang="ko-KR" sz="1200" dirty="0"/>
+                <a:t>)</a:t>
+              </a:r>
+            </a:p>
+            <a:p>
+              <a:pPr>
+                <a:lnSpc>
+                  <a:spcPct val="150000"/>
+                </a:lnSpc>
+              </a:pPr>
+              <a:endParaRPr lang="en-US" altLang="ko-KR" sz="1200" dirty="0"/>
+            </a:p>
+            <a:p>
+              <a:pPr>
+                <a:lnSpc>
+                  <a:spcPct val="150000"/>
+                </a:lnSpc>
+              </a:pPr>
+              <a:endParaRPr lang="en-US" altLang="ko-KR" sz="1200" dirty="0"/>
+            </a:p>
+            <a:p>
+              <a:pPr>
+                <a:lnSpc>
+                  <a:spcPct val="150000"/>
+                </a:lnSpc>
+              </a:pPr>
+              <a:endParaRPr lang="en-US" altLang="ko-KR" sz="1600" dirty="0"/>
+            </a:p>
+            <a:p>
+              <a:endParaRPr lang="en-US" altLang="ko-KR" dirty="0"/>
+            </a:p>
+          </p:txBody>
+        </p:sp>
+        <p:grpSp>
+          <p:nvGrpSpPr>
+            <p:cNvPr id="20" name="그룹 19">
+              <a:extLst>
+                <a:ext uri="{FF2B5EF4-FFF2-40B4-BE49-F238E27FC236}">
+                  <a16:creationId xmlns:a16="http://schemas.microsoft.com/office/drawing/2014/main" id="{4230854E-BC6A-451A-BD7B-78A4A6A143FB}"/>
+                </a:ext>
+              </a:extLst>
+            </p:cNvPr>
+            <p:cNvGrpSpPr/>
+            <p:nvPr/>
+          </p:nvGrpSpPr>
+          <p:grpSpPr>
+            <a:xfrm>
+              <a:off x="2829513" y="2551099"/>
+              <a:ext cx="819428" cy="819428"/>
+              <a:chOff x="10593334" y="1801271"/>
+              <a:chExt cx="819428" cy="819428"/>
+            </a:xfrm>
+          </p:grpSpPr>
+          <p:sp>
+            <p:nvSpPr>
+              <p:cNvPr id="21" name="직사각형 20">
+                <a:extLst>
+                  <a:ext uri="{FF2B5EF4-FFF2-40B4-BE49-F238E27FC236}">
+                    <a16:creationId xmlns:a16="http://schemas.microsoft.com/office/drawing/2014/main" id="{EB8EE53F-14B8-4DB3-87E9-C78D99C71A31}"/>
+                  </a:ext>
+                </a:extLst>
+              </p:cNvPr>
+              <p:cNvSpPr/>
+              <p:nvPr/>
+            </p:nvSpPr>
+            <p:spPr>
+              <a:xfrm>
+                <a:off x="10593334" y="1801271"/>
+                <a:ext cx="819428" cy="819428"/>
+              </a:xfrm>
+              <a:prstGeom prst="rect">
+                <a:avLst/>
+              </a:prstGeom>
+            </p:spPr>
+            <p:style>
+              <a:lnRef idx="2">
+                <a:schemeClr val="accent3"/>
+              </a:lnRef>
+              <a:fillRef idx="1">
+                <a:schemeClr val="lt1"/>
+              </a:fillRef>
+              <a:effectRef idx="0">
+                <a:schemeClr val="accent3"/>
+              </a:effectRef>
+              <a:fontRef idx="minor">
+                <a:schemeClr val="dk1"/>
+              </a:fontRef>
+            </p:style>
+            <p:txBody>
+              <a:bodyPr rtlCol="0" anchor="ctr"/>
+              <a:lstStyle/>
+              <a:p>
+                <a:pPr algn="ctr"/>
+                <a:endParaRPr lang="ko-KR" altLang="en-US"/>
+              </a:p>
+            </p:txBody>
+          </p:sp>
+          <p:pic>
+            <p:nvPicPr>
+              <p:cNvPr id="22" name="그래픽 21" descr="카메라">
+                <a:extLst>
+                  <a:ext uri="{FF2B5EF4-FFF2-40B4-BE49-F238E27FC236}">
+                    <a16:creationId xmlns:a16="http://schemas.microsoft.com/office/drawing/2014/main" id="{B724B84E-46E8-4E67-822C-0AF027449DAF}"/>
+                  </a:ext>
+                </a:extLst>
+              </p:cNvPr>
+              <p:cNvPicPr>
+                <a:picLocks noChangeAspect="1"/>
+              </p:cNvPicPr>
+              <p:nvPr/>
+            </p:nvPicPr>
+            <p:blipFill>
+              <a:blip r:embed="rId2">
+                <a:extLst>
+                  <a:ext uri="{28A0092B-C50C-407E-A947-70E740481C1C}">
+                    <a14:useLocalDpi xmlns:a14="http://schemas.microsoft.com/office/drawing/2010/main" val="0"/>
+                  </a:ext>
+                  <a:ext uri="{96DAC541-7B7A-43D3-8B79-37D633B846F1}">
+                    <asvg:svgBlip xmlns:asvg="http://schemas.microsoft.com/office/drawing/2016/SVG/main" r:embed="rId3"/>
+                  </a:ext>
+                </a:extLst>
+              </a:blip>
+              <a:stretch>
+                <a:fillRect/>
+              </a:stretch>
+            </p:blipFill>
+            <p:spPr>
+              <a:xfrm>
+                <a:off x="10728627" y="1920917"/>
+                <a:ext cx="548842" cy="548842"/>
+              </a:xfrm>
+              <a:prstGeom prst="rect">
+                <a:avLst/>
+              </a:prstGeom>
+            </p:spPr>
+          </p:pic>
+        </p:grpSp>
+      </p:grpSp>
+      <p:sp>
+        <p:nvSpPr>
+          <p:cNvPr id="23" name="사각형: 둥근 모서리 22">
+            <a:extLst>
+              <a:ext uri="{FF2B5EF4-FFF2-40B4-BE49-F238E27FC236}">
+                <a16:creationId xmlns:a16="http://schemas.microsoft.com/office/drawing/2014/main" id="{54B5F61D-265C-4677-A81A-63996E4900D7}"/>
+              </a:ext>
+            </a:extLst>
+          </p:cNvPr>
+          <p:cNvSpPr/>
+          <p:nvPr/>
+        </p:nvSpPr>
+        <p:spPr>
+          <a:xfrm>
+            <a:off x="7439436" y="2653131"/>
+            <a:ext cx="1189665" cy="402023"/>
+          </a:xfrm>
+          <a:prstGeom prst="roundRect">
+            <a:avLst/>
+          </a:prstGeom>
+        </p:spPr>
+        <p:style>
+          <a:lnRef idx="2">
+            <a:schemeClr val="accent1">
+              <a:shade val="50000"/>
+            </a:schemeClr>
+          </a:lnRef>
+          <a:fillRef idx="1">
+            <a:schemeClr val="accent1"/>
+          </a:fillRef>
+          <a:effectRef idx="0">
+            <a:schemeClr val="accent1"/>
+          </a:effectRef>
+          <a:fontRef idx="minor">
+            <a:schemeClr val="lt1"/>
+          </a:fontRef>
+        </p:style>
+        <p:txBody>
+          <a:bodyPr rtlCol="0" anchor="ctr"/>
+          <a:lstStyle/>
+          <a:p>
+            <a:pPr algn="ctr"/>
+            <a:r>
+              <a:rPr lang="ko-KR" altLang="en-US" sz="1400" dirty="0"/>
+              <a:t>확 인</a:t>
+            </a:r>
+          </a:p>
+        </p:txBody>
+      </p:sp>
+      <p:grpSp>
+        <p:nvGrpSpPr>
+          <p:cNvPr id="30" name="그룹 29">
+            <a:extLst>
+              <a:ext uri="{FF2B5EF4-FFF2-40B4-BE49-F238E27FC236}">
+                <a16:creationId xmlns:a16="http://schemas.microsoft.com/office/drawing/2014/main" id="{A15EA46D-D5A1-4DF1-A0B6-D82851AEA126}"/>
+              </a:ext>
+            </a:extLst>
+          </p:cNvPr>
+          <p:cNvGrpSpPr/>
+          <p:nvPr/>
+        </p:nvGrpSpPr>
+        <p:grpSpPr>
+          <a:xfrm>
+            <a:off x="659769" y="3677306"/>
+            <a:ext cx="2494312" cy="2907075"/>
+            <a:chOff x="1238120" y="2050478"/>
+            <a:chExt cx="2494312" cy="2907075"/>
+          </a:xfrm>
+        </p:grpSpPr>
+        <p:sp>
+          <p:nvSpPr>
+            <p:cNvPr id="31" name="직사각형 30">
+              <a:extLst>
+                <a:ext uri="{FF2B5EF4-FFF2-40B4-BE49-F238E27FC236}">
+                  <a16:creationId xmlns:a16="http://schemas.microsoft.com/office/drawing/2014/main" id="{E8B4C5B7-8F8F-4DFC-9758-23D904A14487}"/>
+                </a:ext>
+              </a:extLst>
+            </p:cNvPr>
+            <p:cNvSpPr/>
+            <p:nvPr/>
+          </p:nvSpPr>
+          <p:spPr>
+            <a:xfrm>
+              <a:off x="1238120" y="2050478"/>
+              <a:ext cx="2494312" cy="2907075"/>
+            </a:xfrm>
+            <a:prstGeom prst="rect">
+              <a:avLst/>
+            </a:prstGeom>
+            <a:ln/>
+          </p:spPr>
+          <p:style>
+            <a:lnRef idx="1">
+              <a:schemeClr val="accent3"/>
+            </a:lnRef>
+            <a:fillRef idx="2">
+              <a:schemeClr val="accent3"/>
+            </a:fillRef>
+            <a:effectRef idx="1">
+              <a:schemeClr val="accent3"/>
+            </a:effectRef>
+            <a:fontRef idx="minor">
+              <a:schemeClr val="dk1"/>
+            </a:fontRef>
+          </p:style>
+          <p:txBody>
+            <a:bodyPr rtlCol="0" anchor="t" anchorCtr="0"/>
+            <a:lstStyle/>
+            <a:p>
+              <a:pPr algn="ctr">
+                <a:lnSpc>
+                  <a:spcPct val="150000"/>
+                </a:lnSpc>
+              </a:pPr>
+              <a:r>
+                <a:rPr lang="en-US" altLang="ko-KR" dirty="0"/>
+                <a:t>Head</a:t>
+              </a:r>
+            </a:p>
+            <a:p>
+              <a:pPr>
+                <a:lnSpc>
+                  <a:spcPct val="150000"/>
+                </a:lnSpc>
+              </a:pPr>
+              <a:r>
+                <a:rPr lang="en-US" altLang="ko-KR" sz="1200" dirty="0"/>
+                <a:t>Title:</a:t>
+              </a:r>
+            </a:p>
+            <a:p>
+              <a:pPr>
+                <a:lnSpc>
+                  <a:spcPct val="150000"/>
+                </a:lnSpc>
+              </a:pPr>
+              <a:r>
+                <a:rPr lang="ko-KR" altLang="en-US" sz="1200" dirty="0"/>
+                <a:t>내용</a:t>
+              </a:r>
+              <a:r>
+                <a:rPr lang="en-US" altLang="ko-KR" sz="1200" dirty="0"/>
+                <a:t>:</a:t>
+              </a:r>
+            </a:p>
+            <a:p>
+              <a:pPr>
+                <a:lnSpc>
+                  <a:spcPct val="150000"/>
+                </a:lnSpc>
+              </a:pPr>
+              <a:endParaRPr lang="en-US" altLang="ko-KR" sz="1200" dirty="0"/>
+            </a:p>
+            <a:p>
+              <a:pPr>
+                <a:lnSpc>
+                  <a:spcPct val="150000"/>
+                </a:lnSpc>
+              </a:pPr>
+              <a:endParaRPr lang="en-US" altLang="ko-KR" sz="1200" dirty="0"/>
+            </a:p>
+            <a:p>
+              <a:pPr>
+                <a:lnSpc>
+                  <a:spcPct val="150000"/>
+                </a:lnSpc>
+              </a:pPr>
+              <a:endParaRPr lang="en-US" altLang="ko-KR" sz="1200" dirty="0"/>
+            </a:p>
+            <a:p>
+              <a:pPr>
+                <a:lnSpc>
+                  <a:spcPct val="150000"/>
+                </a:lnSpc>
+              </a:pPr>
+              <a:endParaRPr lang="en-US" altLang="ko-KR" sz="1600" dirty="0"/>
+            </a:p>
+            <a:p>
+              <a:endParaRPr lang="en-US" altLang="ko-KR" dirty="0"/>
+            </a:p>
+          </p:txBody>
+        </p:sp>
+        <p:grpSp>
+          <p:nvGrpSpPr>
+            <p:cNvPr id="32" name="그룹 31">
+              <a:extLst>
+                <a:ext uri="{FF2B5EF4-FFF2-40B4-BE49-F238E27FC236}">
+                  <a16:creationId xmlns:a16="http://schemas.microsoft.com/office/drawing/2014/main" id="{628DD693-295E-44FC-A892-2B0735A501FE}"/>
+                </a:ext>
+              </a:extLst>
+            </p:cNvPr>
+            <p:cNvGrpSpPr/>
+            <p:nvPr/>
+          </p:nvGrpSpPr>
+          <p:grpSpPr>
+            <a:xfrm>
+              <a:off x="2829513" y="2551099"/>
+              <a:ext cx="819428" cy="819428"/>
+              <a:chOff x="10593334" y="1801271"/>
+              <a:chExt cx="819428" cy="819428"/>
+            </a:xfrm>
+          </p:grpSpPr>
+          <p:sp>
+            <p:nvSpPr>
+              <p:cNvPr id="33" name="직사각형 32">
+                <a:extLst>
+                  <a:ext uri="{FF2B5EF4-FFF2-40B4-BE49-F238E27FC236}">
+                    <a16:creationId xmlns:a16="http://schemas.microsoft.com/office/drawing/2014/main" id="{078B1E5C-D064-4B4D-B03A-08646C97F6D7}"/>
+                  </a:ext>
+                </a:extLst>
+              </p:cNvPr>
+              <p:cNvSpPr/>
+              <p:nvPr/>
+            </p:nvSpPr>
+            <p:spPr>
+              <a:xfrm>
+                <a:off x="10593334" y="1801271"/>
+                <a:ext cx="819428" cy="819428"/>
+              </a:xfrm>
+              <a:prstGeom prst="rect">
+                <a:avLst/>
+              </a:prstGeom>
+            </p:spPr>
+            <p:style>
+              <a:lnRef idx="2">
+                <a:schemeClr val="accent3"/>
+              </a:lnRef>
+              <a:fillRef idx="1">
+                <a:schemeClr val="lt1"/>
+              </a:fillRef>
+              <a:effectRef idx="0">
+                <a:schemeClr val="accent3"/>
+              </a:effectRef>
+              <a:fontRef idx="minor">
+                <a:schemeClr val="dk1"/>
+              </a:fontRef>
+            </p:style>
+            <p:txBody>
+              <a:bodyPr rtlCol="0" anchor="ctr"/>
+              <a:lstStyle/>
+              <a:p>
+                <a:pPr algn="ctr"/>
+                <a:endParaRPr lang="ko-KR" altLang="en-US"/>
+              </a:p>
+            </p:txBody>
+          </p:sp>
+          <p:pic>
+            <p:nvPicPr>
+              <p:cNvPr id="34" name="그래픽 33" descr="카메라">
+                <a:extLst>
+                  <a:ext uri="{FF2B5EF4-FFF2-40B4-BE49-F238E27FC236}">
+                    <a16:creationId xmlns:a16="http://schemas.microsoft.com/office/drawing/2014/main" id="{40FE30C9-AB81-4FD3-9625-27FC86BB0BA5}"/>
+                  </a:ext>
+                </a:extLst>
+              </p:cNvPr>
+              <p:cNvPicPr>
+                <a:picLocks noChangeAspect="1"/>
+              </p:cNvPicPr>
+              <p:nvPr/>
+            </p:nvPicPr>
+            <p:blipFill>
+              <a:blip r:embed="rId2">
+                <a:extLst>
+                  <a:ext uri="{28A0092B-C50C-407E-A947-70E740481C1C}">
+                    <a14:useLocalDpi xmlns:a14="http://schemas.microsoft.com/office/drawing/2010/main" val="0"/>
+                  </a:ext>
+                  <a:ext uri="{96DAC541-7B7A-43D3-8B79-37D633B846F1}">
+                    <asvg:svgBlip xmlns:asvg="http://schemas.microsoft.com/office/drawing/2016/SVG/main" r:embed="rId3"/>
+                  </a:ext>
+                </a:extLst>
+              </a:blip>
+              <a:stretch>
+                <a:fillRect/>
+              </a:stretch>
+            </p:blipFill>
+            <p:spPr>
+              <a:xfrm>
+                <a:off x="10728627" y="1920917"/>
+                <a:ext cx="548842" cy="548842"/>
+              </a:xfrm>
+              <a:prstGeom prst="rect">
+                <a:avLst/>
+              </a:prstGeom>
+            </p:spPr>
+          </p:pic>
+        </p:grpSp>
+      </p:grpSp>
+      <p:sp>
+        <p:nvSpPr>
+          <p:cNvPr id="35" name="사각형: 둥근 모서리 34">
+            <a:extLst>
+              <a:ext uri="{FF2B5EF4-FFF2-40B4-BE49-F238E27FC236}">
+                <a16:creationId xmlns:a16="http://schemas.microsoft.com/office/drawing/2014/main" id="{864B8692-FC8C-4594-83CC-C8667306272C}"/>
+              </a:ext>
+            </a:extLst>
+          </p:cNvPr>
+          <p:cNvSpPr/>
+          <p:nvPr/>
+        </p:nvSpPr>
+        <p:spPr>
+          <a:xfrm>
+            <a:off x="1312092" y="6056817"/>
+            <a:ext cx="1189665" cy="402023"/>
+          </a:xfrm>
+          <a:prstGeom prst="roundRect">
+            <a:avLst/>
+          </a:prstGeom>
+        </p:spPr>
+        <p:style>
+          <a:lnRef idx="2">
+            <a:schemeClr val="accent1">
+              <a:shade val="50000"/>
+            </a:schemeClr>
+          </a:lnRef>
+          <a:fillRef idx="1">
+            <a:schemeClr val="accent1"/>
+          </a:fillRef>
+          <a:effectRef idx="0">
+            <a:schemeClr val="accent1"/>
+          </a:effectRef>
+          <a:fontRef idx="minor">
+            <a:schemeClr val="lt1"/>
+          </a:fontRef>
+        </p:style>
+        <p:txBody>
+          <a:bodyPr rtlCol="0" anchor="ctr"/>
+          <a:lstStyle/>
+          <a:p>
+            <a:pPr algn="ctr"/>
+            <a:r>
+              <a:rPr lang="ko-KR" altLang="en-US" sz="1400" dirty="0"/>
+              <a:t>확 인</a:t>
+            </a:r>
+          </a:p>
+        </p:txBody>
+      </p:sp>
+      <p:grpSp>
+        <p:nvGrpSpPr>
+          <p:cNvPr id="36" name="그룹 35">
+            <a:extLst>
+              <a:ext uri="{FF2B5EF4-FFF2-40B4-BE49-F238E27FC236}">
+                <a16:creationId xmlns:a16="http://schemas.microsoft.com/office/drawing/2014/main" id="{E42D369B-C8B5-40C4-B877-D86B435A01CF}"/>
+              </a:ext>
+            </a:extLst>
+          </p:cNvPr>
+          <p:cNvGrpSpPr/>
+          <p:nvPr/>
+        </p:nvGrpSpPr>
+        <p:grpSpPr>
+          <a:xfrm>
+            <a:off x="3681203" y="3677305"/>
+            <a:ext cx="2494312" cy="2907075"/>
+            <a:chOff x="1238120" y="2050478"/>
+            <a:chExt cx="2494312" cy="2907075"/>
+          </a:xfrm>
+        </p:grpSpPr>
+        <p:sp>
+          <p:nvSpPr>
+            <p:cNvPr id="37" name="직사각형 36">
+              <a:extLst>
+                <a:ext uri="{FF2B5EF4-FFF2-40B4-BE49-F238E27FC236}">
+                  <a16:creationId xmlns:a16="http://schemas.microsoft.com/office/drawing/2014/main" id="{6913530F-F012-4FAF-AE02-F3CE63845A8A}"/>
+                </a:ext>
+              </a:extLst>
+            </p:cNvPr>
+            <p:cNvSpPr/>
+            <p:nvPr/>
+          </p:nvSpPr>
+          <p:spPr>
+            <a:xfrm>
+              <a:off x="1238120" y="2050478"/>
+              <a:ext cx="2494312" cy="2907075"/>
+            </a:xfrm>
+            <a:prstGeom prst="rect">
+              <a:avLst/>
+            </a:prstGeom>
+            <a:ln/>
+          </p:spPr>
+          <p:style>
+            <a:lnRef idx="1">
+              <a:schemeClr val="accent3"/>
+            </a:lnRef>
+            <a:fillRef idx="2">
+              <a:schemeClr val="accent3"/>
+            </a:fillRef>
+            <a:effectRef idx="1">
+              <a:schemeClr val="accent3"/>
+            </a:effectRef>
+            <a:fontRef idx="minor">
+              <a:schemeClr val="dk1"/>
+            </a:fontRef>
+          </p:style>
+          <p:txBody>
+            <a:bodyPr rtlCol="0" anchor="t" anchorCtr="0"/>
+            <a:lstStyle/>
+            <a:p>
+              <a:pPr algn="ctr">
+                <a:lnSpc>
+                  <a:spcPct val="150000"/>
+                </a:lnSpc>
+              </a:pPr>
+              <a:r>
+                <a:rPr lang="en-US" altLang="ko-KR" dirty="0"/>
+                <a:t>Body</a:t>
+              </a:r>
+            </a:p>
+            <a:p>
+              <a:pPr>
+                <a:lnSpc>
+                  <a:spcPct val="150000"/>
+                </a:lnSpc>
+              </a:pPr>
+              <a:r>
+                <a:rPr lang="en-US" altLang="ko-KR" sz="1200" dirty="0"/>
+                <a:t>Before:</a:t>
+              </a:r>
+            </a:p>
+            <a:p>
+              <a:pPr>
+                <a:lnSpc>
+                  <a:spcPct val="150000"/>
+                </a:lnSpc>
+              </a:pPr>
+              <a:r>
+                <a:rPr lang="ko-KR" altLang="en-US" sz="1200" dirty="0"/>
+                <a:t>내용</a:t>
+              </a:r>
+              <a:r>
+                <a:rPr lang="en-US" altLang="ko-KR" sz="1200" dirty="0"/>
+                <a:t>:</a:t>
+              </a:r>
+            </a:p>
+            <a:p>
+              <a:pPr>
+                <a:lnSpc>
+                  <a:spcPct val="150000"/>
+                </a:lnSpc>
+              </a:pPr>
+              <a:endParaRPr lang="en-US" altLang="ko-KR" sz="1200" dirty="0"/>
+            </a:p>
+            <a:p>
+              <a:pPr>
+                <a:lnSpc>
+                  <a:spcPct val="150000"/>
+                </a:lnSpc>
+              </a:pPr>
+              <a:endParaRPr lang="en-US" altLang="ko-KR" sz="1200" dirty="0"/>
+            </a:p>
+            <a:p>
+              <a:pPr>
+                <a:lnSpc>
+                  <a:spcPct val="150000"/>
+                </a:lnSpc>
+              </a:pPr>
+              <a:endParaRPr lang="en-US" altLang="ko-KR" sz="1200" dirty="0"/>
+            </a:p>
+            <a:p>
+              <a:pPr>
+                <a:lnSpc>
+                  <a:spcPct val="150000"/>
+                </a:lnSpc>
+              </a:pPr>
+              <a:endParaRPr lang="en-US" altLang="ko-KR" sz="1600" dirty="0"/>
+            </a:p>
+            <a:p>
+              <a:endParaRPr lang="en-US" altLang="ko-KR" dirty="0"/>
+            </a:p>
+          </p:txBody>
+        </p:sp>
+        <p:grpSp>
+          <p:nvGrpSpPr>
+            <p:cNvPr id="38" name="그룹 37">
+              <a:extLst>
+                <a:ext uri="{FF2B5EF4-FFF2-40B4-BE49-F238E27FC236}">
+                  <a16:creationId xmlns:a16="http://schemas.microsoft.com/office/drawing/2014/main" id="{773A2833-F0CD-4775-969E-D50302F8AD1B}"/>
+                </a:ext>
+              </a:extLst>
+            </p:cNvPr>
+            <p:cNvGrpSpPr/>
+            <p:nvPr/>
+          </p:nvGrpSpPr>
+          <p:grpSpPr>
+            <a:xfrm>
+              <a:off x="2829513" y="2551099"/>
+              <a:ext cx="819428" cy="819428"/>
+              <a:chOff x="10593334" y="1801271"/>
+              <a:chExt cx="819428" cy="819428"/>
+            </a:xfrm>
+          </p:grpSpPr>
+          <p:sp>
+            <p:nvSpPr>
+              <p:cNvPr id="39" name="직사각형 38">
+                <a:extLst>
+                  <a:ext uri="{FF2B5EF4-FFF2-40B4-BE49-F238E27FC236}">
+                    <a16:creationId xmlns:a16="http://schemas.microsoft.com/office/drawing/2014/main" id="{CA98B3D3-C567-4FE9-B957-7FBC1D22A2E7}"/>
+                  </a:ext>
+                </a:extLst>
+              </p:cNvPr>
+              <p:cNvSpPr/>
+              <p:nvPr/>
+            </p:nvSpPr>
+            <p:spPr>
+              <a:xfrm>
+                <a:off x="10593334" y="1801271"/>
+                <a:ext cx="819428" cy="819428"/>
+              </a:xfrm>
+              <a:prstGeom prst="rect">
+                <a:avLst/>
+              </a:prstGeom>
+            </p:spPr>
+            <p:style>
+              <a:lnRef idx="2">
+                <a:schemeClr val="accent3"/>
+              </a:lnRef>
+              <a:fillRef idx="1">
+                <a:schemeClr val="lt1"/>
+              </a:fillRef>
+              <a:effectRef idx="0">
+                <a:schemeClr val="accent3"/>
+              </a:effectRef>
+              <a:fontRef idx="minor">
+                <a:schemeClr val="dk1"/>
+              </a:fontRef>
+            </p:style>
+            <p:txBody>
+              <a:bodyPr rtlCol="0" anchor="ctr"/>
+              <a:lstStyle/>
+              <a:p>
+                <a:pPr algn="ctr"/>
+                <a:endParaRPr lang="ko-KR" altLang="en-US"/>
+              </a:p>
+            </p:txBody>
+          </p:sp>
+          <p:pic>
+            <p:nvPicPr>
+              <p:cNvPr id="40" name="그래픽 39" descr="카메라">
+                <a:extLst>
+                  <a:ext uri="{FF2B5EF4-FFF2-40B4-BE49-F238E27FC236}">
+                    <a16:creationId xmlns:a16="http://schemas.microsoft.com/office/drawing/2014/main" id="{FB7F94CE-D1EF-4B18-AFF5-3AE09F6F5590}"/>
+                  </a:ext>
+                </a:extLst>
+              </p:cNvPr>
+              <p:cNvPicPr>
+                <a:picLocks noChangeAspect="1"/>
+              </p:cNvPicPr>
+              <p:nvPr/>
+            </p:nvPicPr>
+            <p:blipFill>
+              <a:blip r:embed="rId2">
+                <a:extLst>
+                  <a:ext uri="{28A0092B-C50C-407E-A947-70E740481C1C}">
+                    <a14:useLocalDpi xmlns:a14="http://schemas.microsoft.com/office/drawing/2010/main" val="0"/>
+                  </a:ext>
+                  <a:ext uri="{96DAC541-7B7A-43D3-8B79-37D633B846F1}">
+                    <asvg:svgBlip xmlns:asvg="http://schemas.microsoft.com/office/drawing/2016/SVG/main" r:embed="rId3"/>
+                  </a:ext>
+                </a:extLst>
+              </a:blip>
+              <a:stretch>
+                <a:fillRect/>
+              </a:stretch>
+            </p:blipFill>
+            <p:spPr>
+              <a:xfrm>
+                <a:off x="10728627" y="1920917"/>
+                <a:ext cx="548842" cy="548842"/>
+              </a:xfrm>
+              <a:prstGeom prst="rect">
+                <a:avLst/>
+              </a:prstGeom>
+            </p:spPr>
+          </p:pic>
+        </p:grpSp>
+      </p:grpSp>
+      <p:sp>
+        <p:nvSpPr>
+          <p:cNvPr id="41" name="사각형: 둥근 모서리 40">
+            <a:extLst>
+              <a:ext uri="{FF2B5EF4-FFF2-40B4-BE49-F238E27FC236}">
+                <a16:creationId xmlns:a16="http://schemas.microsoft.com/office/drawing/2014/main" id="{FBDA8A38-4212-4525-989C-15DF7963FD9B}"/>
+              </a:ext>
+            </a:extLst>
+          </p:cNvPr>
+          <p:cNvSpPr/>
+          <p:nvPr/>
+        </p:nvSpPr>
+        <p:spPr>
+          <a:xfrm>
+            <a:off x="4333527" y="6047294"/>
+            <a:ext cx="1189665" cy="402023"/>
+          </a:xfrm>
+          <a:prstGeom prst="roundRect">
+            <a:avLst/>
+          </a:prstGeom>
+        </p:spPr>
+        <p:style>
+          <a:lnRef idx="2">
+            <a:schemeClr val="accent1">
+              <a:shade val="50000"/>
+            </a:schemeClr>
+          </a:lnRef>
+          <a:fillRef idx="1">
+            <a:schemeClr val="accent1"/>
+          </a:fillRef>
+          <a:effectRef idx="0">
+            <a:schemeClr val="accent1"/>
+          </a:effectRef>
+          <a:fontRef idx="minor">
+            <a:schemeClr val="lt1"/>
+          </a:fontRef>
+        </p:style>
+        <p:txBody>
+          <a:bodyPr rtlCol="0" anchor="ctr"/>
+          <a:lstStyle/>
+          <a:p>
+            <a:pPr algn="ctr"/>
+            <a:r>
+              <a:rPr lang="ko-KR" altLang="en-US" sz="1400" dirty="0"/>
+              <a:t>확 인</a:t>
+            </a:r>
+          </a:p>
+        </p:txBody>
+      </p:sp>
+      <p:sp>
+        <p:nvSpPr>
+          <p:cNvPr id="43" name="직사각형 42">
+            <a:extLst>
+              <a:ext uri="{FF2B5EF4-FFF2-40B4-BE49-F238E27FC236}">
+                <a16:creationId xmlns:a16="http://schemas.microsoft.com/office/drawing/2014/main" id="{7C5F7F37-8F99-4B29-B24E-39DAEA5B5B23}"/>
+              </a:ext>
+            </a:extLst>
+          </p:cNvPr>
+          <p:cNvSpPr/>
+          <p:nvPr/>
+        </p:nvSpPr>
+        <p:spPr>
+          <a:xfrm>
+            <a:off x="6787113" y="3677305"/>
+            <a:ext cx="2494312" cy="2907075"/>
+          </a:xfrm>
+          <a:prstGeom prst="rect">
+            <a:avLst/>
+          </a:prstGeom>
+          <a:ln/>
+        </p:spPr>
+        <p:style>
+          <a:lnRef idx="1">
+            <a:schemeClr val="accent3"/>
+          </a:lnRef>
+          <a:fillRef idx="2">
+            <a:schemeClr val="accent3"/>
+          </a:fillRef>
+          <a:effectRef idx="1">
+            <a:schemeClr val="accent3"/>
+          </a:effectRef>
+          <a:fontRef idx="minor">
+            <a:schemeClr val="dk1"/>
+          </a:fontRef>
+        </p:style>
+        <p:txBody>
+          <a:bodyPr rtlCol="0" anchor="t" anchorCtr="0"/>
+          <a:lstStyle/>
+          <a:p>
+            <a:pPr algn="ctr">
+              <a:lnSpc>
+                <a:spcPct val="150000"/>
+              </a:lnSpc>
+            </a:pPr>
+            <a:r>
+              <a:rPr lang="en-US" altLang="ko-KR" dirty="0"/>
+              <a:t>Tail</a:t>
+            </a:r>
+          </a:p>
+          <a:p>
+            <a:pPr>
+              <a:lnSpc>
+                <a:spcPct val="150000"/>
+              </a:lnSpc>
+            </a:pPr>
+            <a:r>
+              <a:rPr lang="ko-KR" altLang="en-US" sz="1200" dirty="0"/>
+              <a:t>선택</a:t>
+            </a:r>
+            <a:r>
+              <a:rPr lang="en-US" altLang="ko-KR" sz="1200" dirty="0"/>
+              <a:t>:</a:t>
+            </a:r>
+          </a:p>
+          <a:p>
+            <a:pPr>
+              <a:lnSpc>
+                <a:spcPct val="150000"/>
+              </a:lnSpc>
+            </a:pPr>
+            <a:endParaRPr lang="en-US" altLang="ko-KR" sz="1200" dirty="0"/>
+          </a:p>
+          <a:p>
+            <a:pPr>
+              <a:lnSpc>
+                <a:spcPct val="150000"/>
+              </a:lnSpc>
+            </a:pPr>
+            <a:endParaRPr lang="en-US" altLang="ko-KR" sz="1600" dirty="0"/>
+          </a:p>
+          <a:p>
+            <a:endParaRPr lang="en-US" altLang="ko-KR" dirty="0"/>
+          </a:p>
+        </p:txBody>
+      </p:sp>
+      <p:sp>
+        <p:nvSpPr>
+          <p:cNvPr id="47" name="사각형: 둥근 모서리 46">
+            <a:extLst>
+              <a:ext uri="{FF2B5EF4-FFF2-40B4-BE49-F238E27FC236}">
+                <a16:creationId xmlns:a16="http://schemas.microsoft.com/office/drawing/2014/main" id="{480CE1D4-6817-4C10-BED2-3FB72DA6DC6C}"/>
+              </a:ext>
+            </a:extLst>
+          </p:cNvPr>
+          <p:cNvSpPr/>
+          <p:nvPr/>
+        </p:nvSpPr>
+        <p:spPr>
+          <a:xfrm>
+            <a:off x="7439437" y="6047294"/>
+            <a:ext cx="1189665" cy="402023"/>
+          </a:xfrm>
+          <a:prstGeom prst="roundRect">
+            <a:avLst/>
+          </a:prstGeom>
+        </p:spPr>
+        <p:style>
+          <a:lnRef idx="2">
+            <a:schemeClr val="accent1">
+              <a:shade val="50000"/>
+            </a:schemeClr>
+          </a:lnRef>
+          <a:fillRef idx="1">
+            <a:schemeClr val="accent1"/>
+          </a:fillRef>
+          <a:effectRef idx="0">
+            <a:schemeClr val="accent1"/>
+          </a:effectRef>
+          <a:fontRef idx="minor">
+            <a:schemeClr val="lt1"/>
+          </a:fontRef>
+        </p:style>
+        <p:txBody>
+          <a:bodyPr rtlCol="0" anchor="ctr"/>
+          <a:lstStyle/>
+          <a:p>
+            <a:pPr algn="ctr"/>
+            <a:r>
+              <a:rPr lang="ko-KR" altLang="en-US" sz="1400" dirty="0"/>
+              <a:t>확 인</a:t>
+            </a:r>
+          </a:p>
+        </p:txBody>
+      </p:sp>
+      <p:sp>
+        <p:nvSpPr>
+          <p:cNvPr id="54" name="직사각형 53">
+            <a:extLst>
+              <a:ext uri="{FF2B5EF4-FFF2-40B4-BE49-F238E27FC236}">
+                <a16:creationId xmlns:a16="http://schemas.microsoft.com/office/drawing/2014/main" id="{61C1B1F5-BAFF-4BE7-9E77-EFB8C371A102}"/>
+              </a:ext>
+            </a:extLst>
+          </p:cNvPr>
+          <p:cNvSpPr/>
+          <p:nvPr/>
+        </p:nvSpPr>
+        <p:spPr>
+          <a:xfrm>
+            <a:off x="7323589" y="4177926"/>
+            <a:ext cx="1739052" cy="201127"/>
+          </a:xfrm>
+          <a:prstGeom prst="rect">
+            <a:avLst/>
+          </a:prstGeom>
+        </p:spPr>
+        <p:style>
+          <a:lnRef idx="2">
+            <a:schemeClr val="accent5"/>
+          </a:lnRef>
+          <a:fillRef idx="1">
+            <a:schemeClr val="lt1"/>
+          </a:fillRef>
+          <a:effectRef idx="0">
+            <a:schemeClr val="accent5"/>
+          </a:effectRef>
+          <a:fontRef idx="minor">
+            <a:schemeClr val="dk1"/>
+          </a:fontRef>
+        </p:style>
+        <p:txBody>
+          <a:bodyPr rtlCol="0" anchor="ctr"/>
+          <a:lstStyle/>
+          <a:p>
+            <a:pPr algn="ctr"/>
+            <a:endParaRPr lang="ko-KR" altLang="en-US"/>
+          </a:p>
+        </p:txBody>
+      </p:sp>
+      <p:sp>
+        <p:nvSpPr>
+          <p:cNvPr id="55" name="순서도: 병합 54">
+            <a:extLst>
+              <a:ext uri="{FF2B5EF4-FFF2-40B4-BE49-F238E27FC236}">
+                <a16:creationId xmlns:a16="http://schemas.microsoft.com/office/drawing/2014/main" id="{517ACBC8-C507-499E-98CC-8C01A8C1B6C4}"/>
+              </a:ext>
+            </a:extLst>
+          </p:cNvPr>
+          <p:cNvSpPr/>
+          <p:nvPr/>
+        </p:nvSpPr>
+        <p:spPr>
+          <a:xfrm>
+            <a:off x="8874513" y="4231423"/>
+            <a:ext cx="110096" cy="77153"/>
+          </a:xfrm>
+          <a:prstGeom prst="flowChartMerge">
+            <a:avLst/>
+          </a:prstGeom>
+        </p:spPr>
+        <p:style>
+          <a:lnRef idx="2">
+            <a:schemeClr val="accent1">
+              <a:shade val="50000"/>
+            </a:schemeClr>
+          </a:lnRef>
+          <a:fillRef idx="1">
+            <a:schemeClr val="accent1"/>
+          </a:fillRef>
+          <a:effectRef idx="0">
+            <a:schemeClr val="accent1"/>
+          </a:effectRef>
+          <a:fontRef idx="minor">
+            <a:schemeClr val="lt1"/>
+          </a:fontRef>
+        </p:style>
+        <p:txBody>
+          <a:bodyPr rtlCol="0" anchor="ctr"/>
+          <a:lstStyle/>
+          <a:p>
+            <a:pPr algn="ctr"/>
+            <a:endParaRPr lang="ko-KR" altLang="en-US"/>
+          </a:p>
+        </p:txBody>
+      </p:sp>
+    </p:spTree>
+    <p:extLst>
+      <p:ext uri="{BB962C8B-B14F-4D97-AF65-F5344CB8AC3E}">
+        <p14:creationId xmlns:p14="http://schemas.microsoft.com/office/powerpoint/2010/main" val="669671061"/>
+      </p:ext>
+    </p:extLst>
+  </p:cSld>
+  <p:clrMapOvr>
+    <a:masterClrMapping/>
+  </p:clrMapOvr>
+</p:sld>
+</file>
+
 <file path=ppt/theme/theme1.xml><?xml version="1.0" encoding="utf-8"?>
 <a:theme xmlns:a="http://schemas.openxmlformats.org/drawingml/2006/main" name="Office 테마">
   <a:themeElements>

--- a/report/자료제작용ppt/씬 용.pptx
+++ b/report/자료제작용ppt/씬 용.pptx
@@ -261,7 +261,7 @@
           <a:p>
             <a:fld id="{C3C5D1B1-8293-48A2-AB8B-C692B9E585D3}" type="datetimeFigureOut">
               <a:rPr lang="ko-KR" altLang="en-US" smtClean="0"/>
-              <a:t>2020-04-15</a:t>
+              <a:t>2020-04-16</a:t>
             </a:fld>
             <a:endParaRPr lang="ko-KR" altLang="en-US"/>
           </a:p>
@@ -459,7 +459,7 @@
           <a:p>
             <a:fld id="{C3C5D1B1-8293-48A2-AB8B-C692B9E585D3}" type="datetimeFigureOut">
               <a:rPr lang="ko-KR" altLang="en-US" smtClean="0"/>
-              <a:t>2020-04-15</a:t>
+              <a:t>2020-04-16</a:t>
             </a:fld>
             <a:endParaRPr lang="ko-KR" altLang="en-US"/>
           </a:p>
@@ -667,7 +667,7 @@
           <a:p>
             <a:fld id="{C3C5D1B1-8293-48A2-AB8B-C692B9E585D3}" type="datetimeFigureOut">
               <a:rPr lang="ko-KR" altLang="en-US" smtClean="0"/>
-              <a:t>2020-04-15</a:t>
+              <a:t>2020-04-16</a:t>
             </a:fld>
             <a:endParaRPr lang="ko-KR" altLang="en-US"/>
           </a:p>
@@ -865,7 +865,7 @@
           <a:p>
             <a:fld id="{C3C5D1B1-8293-48A2-AB8B-C692B9E585D3}" type="datetimeFigureOut">
               <a:rPr lang="ko-KR" altLang="en-US" smtClean="0"/>
-              <a:t>2020-04-15</a:t>
+              <a:t>2020-04-16</a:t>
             </a:fld>
             <a:endParaRPr lang="ko-KR" altLang="en-US"/>
           </a:p>
@@ -1140,7 +1140,7 @@
           <a:p>
             <a:fld id="{C3C5D1B1-8293-48A2-AB8B-C692B9E585D3}" type="datetimeFigureOut">
               <a:rPr lang="ko-KR" altLang="en-US" smtClean="0"/>
-              <a:t>2020-04-15</a:t>
+              <a:t>2020-04-16</a:t>
             </a:fld>
             <a:endParaRPr lang="ko-KR" altLang="en-US"/>
           </a:p>
@@ -1405,7 +1405,7 @@
           <a:p>
             <a:fld id="{C3C5D1B1-8293-48A2-AB8B-C692B9E585D3}" type="datetimeFigureOut">
               <a:rPr lang="ko-KR" altLang="en-US" smtClean="0"/>
-              <a:t>2020-04-15</a:t>
+              <a:t>2020-04-16</a:t>
             </a:fld>
             <a:endParaRPr lang="ko-KR" altLang="en-US"/>
           </a:p>
@@ -1817,7 +1817,7 @@
           <a:p>
             <a:fld id="{C3C5D1B1-8293-48A2-AB8B-C692B9E585D3}" type="datetimeFigureOut">
               <a:rPr lang="ko-KR" altLang="en-US" smtClean="0"/>
-              <a:t>2020-04-15</a:t>
+              <a:t>2020-04-16</a:t>
             </a:fld>
             <a:endParaRPr lang="ko-KR" altLang="en-US"/>
           </a:p>
@@ -1958,7 +1958,7 @@
           <a:p>
             <a:fld id="{C3C5D1B1-8293-48A2-AB8B-C692B9E585D3}" type="datetimeFigureOut">
               <a:rPr lang="ko-KR" altLang="en-US" smtClean="0"/>
-              <a:t>2020-04-15</a:t>
+              <a:t>2020-04-16</a:t>
             </a:fld>
             <a:endParaRPr lang="ko-KR" altLang="en-US"/>
           </a:p>
@@ -2071,7 +2071,7 @@
           <a:p>
             <a:fld id="{C3C5D1B1-8293-48A2-AB8B-C692B9E585D3}" type="datetimeFigureOut">
               <a:rPr lang="ko-KR" altLang="en-US" smtClean="0"/>
-              <a:t>2020-04-15</a:t>
+              <a:t>2020-04-16</a:t>
             </a:fld>
             <a:endParaRPr lang="ko-KR" altLang="en-US"/>
           </a:p>
@@ -2382,7 +2382,7 @@
           <a:p>
             <a:fld id="{C3C5D1B1-8293-48A2-AB8B-C692B9E585D3}" type="datetimeFigureOut">
               <a:rPr lang="ko-KR" altLang="en-US" smtClean="0"/>
-              <a:t>2020-04-15</a:t>
+              <a:t>2020-04-16</a:t>
             </a:fld>
             <a:endParaRPr lang="ko-KR" altLang="en-US"/>
           </a:p>
@@ -2670,7 +2670,7 @@
           <a:p>
             <a:fld id="{C3C5D1B1-8293-48A2-AB8B-C692B9E585D3}" type="datetimeFigureOut">
               <a:rPr lang="ko-KR" altLang="en-US" smtClean="0"/>
-              <a:t>2020-04-15</a:t>
+              <a:t>2020-04-16</a:t>
             </a:fld>
             <a:endParaRPr lang="ko-KR" altLang="en-US"/>
           </a:p>
@@ -2911,7 +2911,7 @@
           <a:p>
             <a:fld id="{C3C5D1B1-8293-48A2-AB8B-C692B9E585D3}" type="datetimeFigureOut">
               <a:rPr lang="ko-KR" altLang="en-US" smtClean="0"/>
-              <a:t>2020-04-15</a:t>
+              <a:t>2020-04-16</a:t>
             </a:fld>
             <a:endParaRPr lang="ko-KR" altLang="en-US"/>
           </a:p>
@@ -5374,6 +5374,59 @@
           </a:p>
         </p:txBody>
       </p:sp>
+      <p:sp>
+        <p:nvSpPr>
+          <p:cNvPr id="78" name="직사각형 77">
+            <a:extLst>
+              <a:ext uri="{FF2B5EF4-FFF2-40B4-BE49-F238E27FC236}">
+                <a16:creationId xmlns:a16="http://schemas.microsoft.com/office/drawing/2014/main" id="{8636A5DB-296E-4EBB-AF2B-2A946F08EA5F}"/>
+              </a:ext>
+            </a:extLst>
+          </p:cNvPr>
+          <p:cNvSpPr/>
+          <p:nvPr/>
+        </p:nvSpPr>
+        <p:spPr>
+          <a:xfrm>
+            <a:off x="1183499" y="1976897"/>
+            <a:ext cx="2494312" cy="2907075"/>
+          </a:xfrm>
+          <a:prstGeom prst="rect">
+            <a:avLst/>
+          </a:prstGeom>
+          <a:ln/>
+        </p:spPr>
+        <p:style>
+          <a:lnRef idx="1">
+            <a:schemeClr val="accent3"/>
+          </a:lnRef>
+          <a:fillRef idx="2">
+            <a:schemeClr val="accent3"/>
+          </a:fillRef>
+          <a:effectRef idx="1">
+            <a:schemeClr val="accent3"/>
+          </a:effectRef>
+          <a:fontRef idx="minor">
+            <a:schemeClr val="dk1"/>
+          </a:fontRef>
+        </p:style>
+        <p:txBody>
+          <a:bodyPr rtlCol="0" anchor="t" anchorCtr="0"/>
+          <a:lstStyle/>
+          <a:p>
+            <a:pPr algn="ctr">
+              <a:lnSpc>
+                <a:spcPct val="150000"/>
+              </a:lnSpc>
+            </a:pPr>
+            <a:r>
+              <a:rPr lang="ko-KR" altLang="en-US" dirty="0"/>
+              <a:t>퀴즈</a:t>
+            </a:r>
+            <a:endParaRPr lang="en-US" altLang="ko-KR" dirty="0"/>
+          </a:p>
+        </p:txBody>
+      </p:sp>
       <p:grpSp>
         <p:nvGrpSpPr>
           <p:cNvPr id="84" name="그룹 83">
@@ -5388,7 +5441,7 @@
         </p:nvGrpSpPr>
         <p:grpSpPr>
           <a:xfrm>
-            <a:off x="1178882" y="2066361"/>
+            <a:off x="1191888" y="2511733"/>
             <a:ext cx="2494312" cy="2382005"/>
             <a:chOff x="1235713" y="2575548"/>
             <a:chExt cx="2494312" cy="2382005"/>
@@ -5711,9 +5764,9 @@
             <p:grpSpPr>
               <a:xfrm>
                 <a:off x="2748929" y="3562383"/>
-                <a:ext cx="701357" cy="230832"/>
+                <a:ext cx="816773" cy="230832"/>
                 <a:chOff x="1445490" y="3560729"/>
-                <a:chExt cx="701357" cy="230832"/>
+                <a:chExt cx="816773" cy="230832"/>
               </a:xfrm>
             </p:grpSpPr>
             <p:sp>
@@ -5731,7 +5784,7 @@
               <p:spPr>
                 <a:xfrm>
                   <a:off x="1615932" y="3560729"/>
-                  <a:ext cx="530915" cy="230832"/>
+                  <a:ext cx="646331" cy="230832"/>
                 </a:xfrm>
                 <a:prstGeom prst="rect">
                   <a:avLst/>
@@ -5745,10 +5798,9 @@
                 <a:lstStyle/>
                 <a:p>
                   <a:r>
-                    <a:rPr lang="ko-KR" altLang="en-US" sz="900"/>
-                    <a:t>단답형</a:t>
+                    <a:rPr lang="ko-KR" altLang="en-US" sz="900" dirty="0"/>
+                    <a:t>객관식형</a:t>
                   </a:r>
-                  <a:endParaRPr lang="ko-KR" altLang="en-US" sz="900" dirty="0"/>
                 </a:p>
               </p:txBody>
             </p:sp>
@@ -12330,10 +12382,10 @@
       </p:grpSpPr>
       <p:grpSp>
         <p:nvGrpSpPr>
-          <p:cNvPr id="10" name="그룹 9">
+          <p:cNvPr id="3" name="그룹 2">
             <a:extLst>
               <a:ext uri="{FF2B5EF4-FFF2-40B4-BE49-F238E27FC236}">
-                <a16:creationId xmlns:a16="http://schemas.microsoft.com/office/drawing/2014/main" id="{79E491A2-F786-4B5E-A898-58B5D2D2C2D0}"/>
+                <a16:creationId xmlns:a16="http://schemas.microsoft.com/office/drawing/2014/main" id="{0221D2E6-B5AB-4979-9929-221721A5A05A}"/>
               </a:ext>
             </a:extLst>
           </p:cNvPr>
@@ -12344,16 +12396,290 @@
           <a:xfrm>
             <a:off x="659769" y="273620"/>
             <a:ext cx="2494312" cy="2907075"/>
-            <a:chOff x="1238120" y="2050478"/>
+            <a:chOff x="659769" y="273620"/>
             <a:chExt cx="2494312" cy="2907075"/>
           </a:xfrm>
         </p:grpSpPr>
+        <p:grpSp>
+          <p:nvGrpSpPr>
+            <p:cNvPr id="10" name="그룹 9">
+              <a:extLst>
+                <a:ext uri="{FF2B5EF4-FFF2-40B4-BE49-F238E27FC236}">
+                  <a16:creationId xmlns:a16="http://schemas.microsoft.com/office/drawing/2014/main" id="{79E491A2-F786-4B5E-A898-58B5D2D2C2D0}"/>
+                </a:ext>
+              </a:extLst>
+            </p:cNvPr>
+            <p:cNvGrpSpPr/>
+            <p:nvPr/>
+          </p:nvGrpSpPr>
+          <p:grpSpPr>
+            <a:xfrm>
+              <a:off x="659769" y="273620"/>
+              <a:ext cx="2494312" cy="2907075"/>
+              <a:chOff x="1238120" y="2050478"/>
+              <a:chExt cx="2494312" cy="2907075"/>
+            </a:xfrm>
+          </p:grpSpPr>
+          <p:sp>
+            <p:nvSpPr>
+              <p:cNvPr id="6" name="직사각형 5">
+                <a:extLst>
+                  <a:ext uri="{FF2B5EF4-FFF2-40B4-BE49-F238E27FC236}">
+                    <a16:creationId xmlns:a16="http://schemas.microsoft.com/office/drawing/2014/main" id="{5689DC5D-CFA9-4FAB-B1D9-4B3DF374A33E}"/>
+                  </a:ext>
+                </a:extLst>
+              </p:cNvPr>
+              <p:cNvSpPr/>
+              <p:nvPr/>
+            </p:nvSpPr>
+            <p:spPr>
+              <a:xfrm>
+                <a:off x="1238120" y="2050478"/>
+                <a:ext cx="2494312" cy="2907075"/>
+              </a:xfrm>
+              <a:prstGeom prst="rect">
+                <a:avLst/>
+              </a:prstGeom>
+              <a:ln/>
+            </p:spPr>
+            <p:style>
+              <a:lnRef idx="1">
+                <a:schemeClr val="accent3"/>
+              </a:lnRef>
+              <a:fillRef idx="2">
+                <a:schemeClr val="accent3"/>
+              </a:fillRef>
+              <a:effectRef idx="1">
+                <a:schemeClr val="accent3"/>
+              </a:effectRef>
+              <a:fontRef idx="minor">
+                <a:schemeClr val="dk1"/>
+              </a:fontRef>
+            </p:style>
+            <p:txBody>
+              <a:bodyPr rtlCol="0" anchor="t" anchorCtr="0"/>
+              <a:lstStyle/>
+              <a:p>
+                <a:pPr algn="ctr">
+                  <a:lnSpc>
+                    <a:spcPct val="150000"/>
+                  </a:lnSpc>
+                </a:pPr>
+                <a:r>
+                  <a:rPr lang="en-US" altLang="ko-KR" dirty="0"/>
+                  <a:t>OX </a:t>
+                </a:r>
+                <a:r>
+                  <a:rPr lang="ko-KR" altLang="en-US" dirty="0"/>
+                  <a:t>퀴즈</a:t>
+                </a:r>
+                <a:endParaRPr lang="en-US" altLang="ko-KR" dirty="0"/>
+              </a:p>
+              <a:p>
+                <a:pPr>
+                  <a:lnSpc>
+                    <a:spcPct val="150000"/>
+                  </a:lnSpc>
+                </a:pPr>
+                <a:r>
+                  <a:rPr lang="en-US" altLang="ko-KR" sz="1200" dirty="0"/>
+                  <a:t>Title:</a:t>
+                </a:r>
+              </a:p>
+              <a:p>
+                <a:pPr>
+                  <a:lnSpc>
+                    <a:spcPct val="150000"/>
+                  </a:lnSpc>
+                </a:pPr>
+                <a:r>
+                  <a:rPr lang="ko-KR" altLang="en-US" sz="1200" dirty="0"/>
+                  <a:t>내용</a:t>
+                </a:r>
+                <a:r>
+                  <a:rPr lang="en-US" altLang="ko-KR" sz="1200" dirty="0"/>
+                  <a:t>:</a:t>
+                </a:r>
+              </a:p>
+              <a:p>
+                <a:pPr>
+                  <a:lnSpc>
+                    <a:spcPct val="150000"/>
+                  </a:lnSpc>
+                </a:pPr>
+                <a:endParaRPr lang="en-US" altLang="ko-KR" sz="1200" dirty="0"/>
+              </a:p>
+              <a:p>
+                <a:pPr>
+                  <a:lnSpc>
+                    <a:spcPct val="150000"/>
+                  </a:lnSpc>
+                </a:pPr>
+                <a:endParaRPr lang="en-US" altLang="ko-KR" sz="1200" dirty="0"/>
+              </a:p>
+              <a:p>
+                <a:pPr>
+                  <a:lnSpc>
+                    <a:spcPct val="150000"/>
+                  </a:lnSpc>
+                </a:pPr>
+                <a:r>
+                  <a:rPr lang="ko-KR" altLang="en-US" sz="1200" dirty="0"/>
+                  <a:t>답</a:t>
+                </a:r>
+                <a:r>
+                  <a:rPr lang="en-US" altLang="ko-KR" sz="1200" dirty="0"/>
+                  <a:t>: True/False / </a:t>
+                </a:r>
+                <a:r>
+                  <a:rPr lang="ko-KR" altLang="en-US" sz="1200" dirty="0"/>
+                  <a:t>점수</a:t>
+                </a:r>
+                <a:r>
+                  <a:rPr lang="en-US" altLang="ko-KR" sz="1200" dirty="0"/>
+                  <a:t>(4</a:t>
+                </a:r>
+                <a:r>
+                  <a:rPr lang="ko-KR" altLang="en-US" sz="1200" dirty="0"/>
+                  <a:t>점</a:t>
+                </a:r>
+                <a:r>
+                  <a:rPr lang="en-US" altLang="ko-KR" sz="1200" dirty="0"/>
+                  <a:t>)</a:t>
+                </a:r>
+              </a:p>
+              <a:p>
+                <a:pPr>
+                  <a:lnSpc>
+                    <a:spcPct val="150000"/>
+                  </a:lnSpc>
+                </a:pPr>
+                <a:endParaRPr lang="en-US" altLang="ko-KR" sz="1200" dirty="0"/>
+              </a:p>
+              <a:p>
+                <a:pPr>
+                  <a:lnSpc>
+                    <a:spcPct val="150000"/>
+                  </a:lnSpc>
+                </a:pPr>
+                <a:endParaRPr lang="en-US" altLang="ko-KR" sz="1600" dirty="0"/>
+              </a:p>
+              <a:p>
+                <a:endParaRPr lang="en-US" altLang="ko-KR" dirty="0"/>
+              </a:p>
+            </p:txBody>
+          </p:sp>
+          <p:grpSp>
+            <p:nvGrpSpPr>
+              <p:cNvPr id="7" name="그룹 6">
+                <a:extLst>
+                  <a:ext uri="{FF2B5EF4-FFF2-40B4-BE49-F238E27FC236}">
+                    <a16:creationId xmlns:a16="http://schemas.microsoft.com/office/drawing/2014/main" id="{9FA77FAB-5EB4-4509-AA04-491612A2F08B}"/>
+                  </a:ext>
+                </a:extLst>
+              </p:cNvPr>
+              <p:cNvGrpSpPr/>
+              <p:nvPr/>
+            </p:nvGrpSpPr>
+            <p:grpSpPr>
+              <a:xfrm>
+                <a:off x="2829513" y="2551099"/>
+                <a:ext cx="819428" cy="819428"/>
+                <a:chOff x="10593334" y="1801271"/>
+                <a:chExt cx="819428" cy="819428"/>
+              </a:xfrm>
+            </p:grpSpPr>
+            <p:sp>
+              <p:nvSpPr>
+                <p:cNvPr id="8" name="직사각형 7">
+                  <a:extLst>
+                    <a:ext uri="{FF2B5EF4-FFF2-40B4-BE49-F238E27FC236}">
+                      <a16:creationId xmlns:a16="http://schemas.microsoft.com/office/drawing/2014/main" id="{FB1AFA66-EE2B-439C-B499-0B7C056AD709}"/>
+                    </a:ext>
+                  </a:extLst>
+                </p:cNvPr>
+                <p:cNvSpPr/>
+                <p:nvPr/>
+              </p:nvSpPr>
+              <p:spPr>
+                <a:xfrm>
+                  <a:off x="10593334" y="1801271"/>
+                  <a:ext cx="819428" cy="819428"/>
+                </a:xfrm>
+                <a:prstGeom prst="rect">
+                  <a:avLst/>
+                </a:prstGeom>
+              </p:spPr>
+              <p:style>
+                <a:lnRef idx="2">
+                  <a:schemeClr val="accent3"/>
+                </a:lnRef>
+                <a:fillRef idx="1">
+                  <a:schemeClr val="lt1"/>
+                </a:fillRef>
+                <a:effectRef idx="0">
+                  <a:schemeClr val="accent3"/>
+                </a:effectRef>
+                <a:fontRef idx="minor">
+                  <a:schemeClr val="dk1"/>
+                </a:fontRef>
+              </p:style>
+              <p:txBody>
+                <a:bodyPr rtlCol="0" anchor="ctr"/>
+                <a:lstStyle/>
+                <a:p>
+                  <a:pPr algn="ctr"/>
+                  <a:endParaRPr lang="ko-KR" altLang="en-US"/>
+                </a:p>
+              </p:txBody>
+            </p:sp>
+            <p:pic>
+              <p:nvPicPr>
+                <p:cNvPr id="9" name="그래픽 8" descr="카메라">
+                  <a:extLst>
+                    <a:ext uri="{FF2B5EF4-FFF2-40B4-BE49-F238E27FC236}">
+                      <a16:creationId xmlns:a16="http://schemas.microsoft.com/office/drawing/2014/main" id="{0B8BD8AD-EEB0-4563-9AD2-C9B666084306}"/>
+                    </a:ext>
+                  </a:extLst>
+                </p:cNvPr>
+                <p:cNvPicPr>
+                  <a:picLocks noChangeAspect="1"/>
+                </p:cNvPicPr>
+                <p:nvPr/>
+              </p:nvPicPr>
+              <p:blipFill>
+                <a:blip r:embed="rId2">
+                  <a:extLst>
+                    <a:ext uri="{28A0092B-C50C-407E-A947-70E740481C1C}">
+                      <a14:useLocalDpi xmlns:a14="http://schemas.microsoft.com/office/drawing/2010/main" val="0"/>
+                    </a:ext>
+                    <a:ext uri="{96DAC541-7B7A-43D3-8B79-37D633B846F1}">
+                      <asvg:svgBlip xmlns:asvg="http://schemas.microsoft.com/office/drawing/2016/SVG/main" r:embed="rId3"/>
+                    </a:ext>
+                  </a:extLst>
+                </a:blip>
+                <a:stretch>
+                  <a:fillRect/>
+                </a:stretch>
+              </p:blipFill>
+              <p:spPr>
+                <a:xfrm>
+                  <a:off x="10728627" y="1920917"/>
+                  <a:ext cx="548842" cy="548842"/>
+                </a:xfrm>
+                <a:prstGeom prst="rect">
+                  <a:avLst/>
+                </a:prstGeom>
+              </p:spPr>
+            </p:pic>
+          </p:grpSp>
+        </p:grpSp>
         <p:sp>
           <p:nvSpPr>
-            <p:cNvPr id="6" name="직사각형 5">
+            <p:cNvPr id="11" name="사각형: 둥근 모서리 10">
               <a:extLst>
                 <a:ext uri="{FF2B5EF4-FFF2-40B4-BE49-F238E27FC236}">
-                  <a16:creationId xmlns:a16="http://schemas.microsoft.com/office/drawing/2014/main" id="{5689DC5D-CFA9-4FAB-B1D9-4B3DF374A33E}"/>
+                  <a16:creationId xmlns:a16="http://schemas.microsoft.com/office/drawing/2014/main" id="{13C5197F-77F1-4894-B7E4-5573E8C2DDD1}"/>
                 </a:ext>
               </a:extLst>
             </p:cNvPr>
@@ -12362,7 +12688,1433 @@
           </p:nvSpPr>
           <p:spPr>
             <a:xfrm>
-              <a:off x="1238120" y="2050478"/>
+              <a:off x="1312092" y="2653131"/>
+              <a:ext cx="1189665" cy="402023"/>
+            </a:xfrm>
+            <a:prstGeom prst="roundRect">
+              <a:avLst/>
+            </a:prstGeom>
+          </p:spPr>
+          <p:style>
+            <a:lnRef idx="2">
+              <a:schemeClr val="accent1">
+                <a:shade val="50000"/>
+              </a:schemeClr>
+            </a:lnRef>
+            <a:fillRef idx="1">
+              <a:schemeClr val="accent1"/>
+            </a:fillRef>
+            <a:effectRef idx="0">
+              <a:schemeClr val="accent1"/>
+            </a:effectRef>
+            <a:fontRef idx="minor">
+              <a:schemeClr val="lt1"/>
+            </a:fontRef>
+          </p:style>
+          <p:txBody>
+            <a:bodyPr rtlCol="0" anchor="ctr"/>
+            <a:lstStyle/>
+            <a:p>
+              <a:pPr algn="ctr"/>
+              <a:r>
+                <a:rPr lang="ko-KR" altLang="en-US" sz="1400" dirty="0"/>
+                <a:t>확 인</a:t>
+              </a:r>
+            </a:p>
+          </p:txBody>
+        </p:sp>
+      </p:grpSp>
+      <p:grpSp>
+        <p:nvGrpSpPr>
+          <p:cNvPr id="2" name="그룹 1">
+            <a:extLst>
+              <a:ext uri="{FF2B5EF4-FFF2-40B4-BE49-F238E27FC236}">
+                <a16:creationId xmlns:a16="http://schemas.microsoft.com/office/drawing/2014/main" id="{9AB549F0-356E-46D1-BB52-982BC1123F13}"/>
+              </a:ext>
+            </a:extLst>
+          </p:cNvPr>
+          <p:cNvGrpSpPr/>
+          <p:nvPr/>
+        </p:nvGrpSpPr>
+        <p:grpSpPr>
+          <a:xfrm>
+            <a:off x="2660876" y="273619"/>
+            <a:ext cx="2494312" cy="2907075"/>
+            <a:chOff x="3681204" y="273620"/>
+            <a:chExt cx="2494312" cy="2907075"/>
+          </a:xfrm>
+        </p:grpSpPr>
+        <p:grpSp>
+          <p:nvGrpSpPr>
+            <p:cNvPr id="12" name="그룹 11">
+              <a:extLst>
+                <a:ext uri="{FF2B5EF4-FFF2-40B4-BE49-F238E27FC236}">
+                  <a16:creationId xmlns:a16="http://schemas.microsoft.com/office/drawing/2014/main" id="{1AA16641-7645-4EA1-9277-581FCD56881F}"/>
+                </a:ext>
+              </a:extLst>
+            </p:cNvPr>
+            <p:cNvGrpSpPr/>
+            <p:nvPr/>
+          </p:nvGrpSpPr>
+          <p:grpSpPr>
+            <a:xfrm>
+              <a:off x="3681204" y="273620"/>
+              <a:ext cx="2494312" cy="2907075"/>
+              <a:chOff x="1238120" y="2050478"/>
+              <a:chExt cx="2494312" cy="2907075"/>
+            </a:xfrm>
+          </p:grpSpPr>
+          <p:sp>
+            <p:nvSpPr>
+              <p:cNvPr id="13" name="직사각형 12">
+                <a:extLst>
+                  <a:ext uri="{FF2B5EF4-FFF2-40B4-BE49-F238E27FC236}">
+                    <a16:creationId xmlns:a16="http://schemas.microsoft.com/office/drawing/2014/main" id="{6339D175-6F83-4C0A-B98B-E1102F6C21A2}"/>
+                  </a:ext>
+                </a:extLst>
+              </p:cNvPr>
+              <p:cNvSpPr/>
+              <p:nvPr/>
+            </p:nvSpPr>
+            <p:spPr>
+              <a:xfrm>
+                <a:off x="1238120" y="2050478"/>
+                <a:ext cx="2494312" cy="2907075"/>
+              </a:xfrm>
+              <a:prstGeom prst="rect">
+                <a:avLst/>
+              </a:prstGeom>
+              <a:ln/>
+            </p:spPr>
+            <p:style>
+              <a:lnRef idx="1">
+                <a:schemeClr val="accent3"/>
+              </a:lnRef>
+              <a:fillRef idx="2">
+                <a:schemeClr val="accent3"/>
+              </a:fillRef>
+              <a:effectRef idx="1">
+                <a:schemeClr val="accent3"/>
+              </a:effectRef>
+              <a:fontRef idx="minor">
+                <a:schemeClr val="dk1"/>
+              </a:fontRef>
+            </p:style>
+            <p:txBody>
+              <a:bodyPr rtlCol="0" anchor="t" anchorCtr="0"/>
+              <a:lstStyle/>
+              <a:p>
+                <a:pPr algn="ctr">
+                  <a:lnSpc>
+                    <a:spcPct val="150000"/>
+                  </a:lnSpc>
+                </a:pPr>
+                <a:r>
+                  <a:rPr lang="ko-KR" altLang="en-US" dirty="0"/>
+                  <a:t>객관식</a:t>
+                </a:r>
+                <a:r>
+                  <a:rPr lang="en-US" altLang="ko-KR" dirty="0"/>
+                  <a:t> </a:t>
+                </a:r>
+                <a:r>
+                  <a:rPr lang="ko-KR" altLang="en-US" dirty="0"/>
+                  <a:t>퀴즈</a:t>
+                </a:r>
+                <a:endParaRPr lang="en-US" altLang="ko-KR" dirty="0"/>
+              </a:p>
+              <a:p>
+                <a:pPr>
+                  <a:lnSpc>
+                    <a:spcPct val="150000"/>
+                  </a:lnSpc>
+                </a:pPr>
+                <a:r>
+                  <a:rPr lang="en-US" altLang="ko-KR" sz="1200" dirty="0"/>
+                  <a:t>Title:</a:t>
+                </a:r>
+              </a:p>
+              <a:p>
+                <a:pPr>
+                  <a:lnSpc>
+                    <a:spcPct val="150000"/>
+                  </a:lnSpc>
+                </a:pPr>
+                <a:r>
+                  <a:rPr lang="ko-KR" altLang="en-US" sz="1200" dirty="0"/>
+                  <a:t>내용</a:t>
+                </a:r>
+                <a:r>
+                  <a:rPr lang="en-US" altLang="ko-KR" sz="1200" dirty="0"/>
+                  <a:t>:</a:t>
+                </a:r>
+              </a:p>
+              <a:p>
+                <a:pPr>
+                  <a:lnSpc>
+                    <a:spcPct val="150000"/>
+                  </a:lnSpc>
+                </a:pPr>
+                <a:r>
+                  <a:rPr lang="en-US" altLang="ko-KR" sz="1200" dirty="0"/>
+                  <a:t>①</a:t>
+                </a:r>
+              </a:p>
+              <a:p>
+                <a:pPr>
+                  <a:lnSpc>
+                    <a:spcPct val="150000"/>
+                  </a:lnSpc>
+                </a:pPr>
+                <a:r>
+                  <a:rPr lang="en-US" altLang="ko-KR" sz="1200" dirty="0"/>
+                  <a:t>②</a:t>
+                </a:r>
+              </a:p>
+              <a:p>
+                <a:pPr>
+                  <a:lnSpc>
+                    <a:spcPct val="150000"/>
+                  </a:lnSpc>
+                </a:pPr>
+                <a:r>
+                  <a:rPr lang="en-US" altLang="ko-KR" sz="1200" dirty="0"/>
+                  <a:t>③</a:t>
+                </a:r>
+              </a:p>
+              <a:p>
+                <a:pPr>
+                  <a:lnSpc>
+                    <a:spcPct val="150000"/>
+                  </a:lnSpc>
+                </a:pPr>
+                <a:r>
+                  <a:rPr lang="en-US" altLang="ko-KR" sz="1200" dirty="0"/>
+                  <a:t>④</a:t>
+                </a:r>
+              </a:p>
+              <a:p>
+                <a:pPr>
+                  <a:lnSpc>
+                    <a:spcPct val="150000"/>
+                  </a:lnSpc>
+                </a:pPr>
+                <a:r>
+                  <a:rPr lang="ko-KR" altLang="en-US" sz="1200" dirty="0"/>
+                  <a:t>답</a:t>
+                </a:r>
+                <a:r>
+                  <a:rPr lang="en-US" altLang="ko-KR" sz="1200" dirty="0"/>
+                  <a:t>: ③ / </a:t>
+                </a:r>
+                <a:r>
+                  <a:rPr lang="ko-KR" altLang="en-US" sz="1200" dirty="0"/>
+                  <a:t>점수</a:t>
+                </a:r>
+                <a:r>
+                  <a:rPr lang="en-US" altLang="ko-KR" sz="1200" dirty="0"/>
+                  <a:t>(4</a:t>
+                </a:r>
+                <a:r>
+                  <a:rPr lang="ko-KR" altLang="en-US" sz="1200" dirty="0"/>
+                  <a:t>점</a:t>
+                </a:r>
+                <a:r>
+                  <a:rPr lang="en-US" altLang="ko-KR" sz="1200" dirty="0"/>
+                  <a:t>)</a:t>
+                </a:r>
+              </a:p>
+              <a:p>
+                <a:pPr>
+                  <a:lnSpc>
+                    <a:spcPct val="150000"/>
+                  </a:lnSpc>
+                </a:pPr>
+                <a:endParaRPr lang="en-US" altLang="ko-KR" sz="1200" dirty="0"/>
+              </a:p>
+              <a:p>
+                <a:pPr>
+                  <a:lnSpc>
+                    <a:spcPct val="150000"/>
+                  </a:lnSpc>
+                </a:pPr>
+                <a:endParaRPr lang="en-US" altLang="ko-KR" sz="1600" dirty="0"/>
+              </a:p>
+              <a:p>
+                <a:endParaRPr lang="en-US" altLang="ko-KR" dirty="0"/>
+              </a:p>
+            </p:txBody>
+          </p:sp>
+          <p:grpSp>
+            <p:nvGrpSpPr>
+              <p:cNvPr id="14" name="그룹 13">
+                <a:extLst>
+                  <a:ext uri="{FF2B5EF4-FFF2-40B4-BE49-F238E27FC236}">
+                    <a16:creationId xmlns:a16="http://schemas.microsoft.com/office/drawing/2014/main" id="{6A4B97C1-140D-4C49-BE4D-069B6DD1E095}"/>
+                  </a:ext>
+                </a:extLst>
+              </p:cNvPr>
+              <p:cNvGrpSpPr/>
+              <p:nvPr/>
+            </p:nvGrpSpPr>
+            <p:grpSpPr>
+              <a:xfrm>
+                <a:off x="2829513" y="2551099"/>
+                <a:ext cx="819428" cy="819428"/>
+                <a:chOff x="10593334" y="1801271"/>
+                <a:chExt cx="819428" cy="819428"/>
+              </a:xfrm>
+            </p:grpSpPr>
+            <p:sp>
+              <p:nvSpPr>
+                <p:cNvPr id="15" name="직사각형 14">
+                  <a:extLst>
+                    <a:ext uri="{FF2B5EF4-FFF2-40B4-BE49-F238E27FC236}">
+                      <a16:creationId xmlns:a16="http://schemas.microsoft.com/office/drawing/2014/main" id="{47F6A165-4DDD-46FF-A656-73766235EC15}"/>
+                    </a:ext>
+                  </a:extLst>
+                </p:cNvPr>
+                <p:cNvSpPr/>
+                <p:nvPr/>
+              </p:nvSpPr>
+              <p:spPr>
+                <a:xfrm>
+                  <a:off x="10593334" y="1801271"/>
+                  <a:ext cx="819428" cy="819428"/>
+                </a:xfrm>
+                <a:prstGeom prst="rect">
+                  <a:avLst/>
+                </a:prstGeom>
+              </p:spPr>
+              <p:style>
+                <a:lnRef idx="2">
+                  <a:schemeClr val="accent3"/>
+                </a:lnRef>
+                <a:fillRef idx="1">
+                  <a:schemeClr val="lt1"/>
+                </a:fillRef>
+                <a:effectRef idx="0">
+                  <a:schemeClr val="accent3"/>
+                </a:effectRef>
+                <a:fontRef idx="minor">
+                  <a:schemeClr val="dk1"/>
+                </a:fontRef>
+              </p:style>
+              <p:txBody>
+                <a:bodyPr rtlCol="0" anchor="ctr"/>
+                <a:lstStyle/>
+                <a:p>
+                  <a:pPr algn="ctr"/>
+                  <a:endParaRPr lang="ko-KR" altLang="en-US"/>
+                </a:p>
+              </p:txBody>
+            </p:sp>
+            <p:pic>
+              <p:nvPicPr>
+                <p:cNvPr id="16" name="그래픽 15" descr="카메라">
+                  <a:extLst>
+                    <a:ext uri="{FF2B5EF4-FFF2-40B4-BE49-F238E27FC236}">
+                      <a16:creationId xmlns:a16="http://schemas.microsoft.com/office/drawing/2014/main" id="{4DBC8A5E-12D4-4221-9AB4-58FB792F8DE6}"/>
+                    </a:ext>
+                  </a:extLst>
+                </p:cNvPr>
+                <p:cNvPicPr>
+                  <a:picLocks noChangeAspect="1"/>
+                </p:cNvPicPr>
+                <p:nvPr/>
+              </p:nvPicPr>
+              <p:blipFill>
+                <a:blip r:embed="rId2">
+                  <a:extLst>
+                    <a:ext uri="{28A0092B-C50C-407E-A947-70E740481C1C}">
+                      <a14:useLocalDpi xmlns:a14="http://schemas.microsoft.com/office/drawing/2010/main" val="0"/>
+                    </a:ext>
+                    <a:ext uri="{96DAC541-7B7A-43D3-8B79-37D633B846F1}">
+                      <asvg:svgBlip xmlns:asvg="http://schemas.microsoft.com/office/drawing/2016/SVG/main" r:embed="rId3"/>
+                    </a:ext>
+                  </a:extLst>
+                </a:blip>
+                <a:stretch>
+                  <a:fillRect/>
+                </a:stretch>
+              </p:blipFill>
+              <p:spPr>
+                <a:xfrm>
+                  <a:off x="10728627" y="1920917"/>
+                  <a:ext cx="548842" cy="548842"/>
+                </a:xfrm>
+                <a:prstGeom prst="rect">
+                  <a:avLst/>
+                </a:prstGeom>
+              </p:spPr>
+            </p:pic>
+          </p:grpSp>
+        </p:grpSp>
+        <p:sp>
+          <p:nvSpPr>
+            <p:cNvPr id="17" name="사각형: 둥근 모서리 16">
+              <a:extLst>
+                <a:ext uri="{FF2B5EF4-FFF2-40B4-BE49-F238E27FC236}">
+                  <a16:creationId xmlns:a16="http://schemas.microsoft.com/office/drawing/2014/main" id="{F6D15A87-7BC1-41A6-ACB4-A7BB1FD65DC7}"/>
+                </a:ext>
+              </a:extLst>
+            </p:cNvPr>
+            <p:cNvSpPr/>
+            <p:nvPr/>
+          </p:nvSpPr>
+          <p:spPr>
+            <a:xfrm>
+              <a:off x="4333527" y="2653131"/>
+              <a:ext cx="1189665" cy="402023"/>
+            </a:xfrm>
+            <a:prstGeom prst="roundRect">
+              <a:avLst/>
+            </a:prstGeom>
+          </p:spPr>
+          <p:style>
+            <a:lnRef idx="2">
+              <a:schemeClr val="accent1">
+                <a:shade val="50000"/>
+              </a:schemeClr>
+            </a:lnRef>
+            <a:fillRef idx="1">
+              <a:schemeClr val="accent1"/>
+            </a:fillRef>
+            <a:effectRef idx="0">
+              <a:schemeClr val="accent1"/>
+            </a:effectRef>
+            <a:fontRef idx="minor">
+              <a:schemeClr val="lt1"/>
+            </a:fontRef>
+          </p:style>
+          <p:txBody>
+            <a:bodyPr rtlCol="0" anchor="ctr"/>
+            <a:lstStyle/>
+            <a:p>
+              <a:pPr algn="ctr"/>
+              <a:r>
+                <a:rPr lang="ko-KR" altLang="en-US" sz="1400" dirty="0"/>
+                <a:t>확 인</a:t>
+              </a:r>
+            </a:p>
+          </p:txBody>
+        </p:sp>
+      </p:grpSp>
+      <p:grpSp>
+        <p:nvGrpSpPr>
+          <p:cNvPr id="4" name="그룹 3">
+            <a:extLst>
+              <a:ext uri="{FF2B5EF4-FFF2-40B4-BE49-F238E27FC236}">
+                <a16:creationId xmlns:a16="http://schemas.microsoft.com/office/drawing/2014/main" id="{A94CC762-D22C-4ADF-8995-AEDB808A4897}"/>
+              </a:ext>
+            </a:extLst>
+          </p:cNvPr>
+          <p:cNvGrpSpPr/>
+          <p:nvPr/>
+        </p:nvGrpSpPr>
+        <p:grpSpPr>
+          <a:xfrm>
+            <a:off x="4638157" y="273689"/>
+            <a:ext cx="2494312" cy="2907075"/>
+            <a:chOff x="6787113" y="273620"/>
+            <a:chExt cx="2494312" cy="2907075"/>
+          </a:xfrm>
+        </p:grpSpPr>
+        <p:grpSp>
+          <p:nvGrpSpPr>
+            <p:cNvPr id="18" name="그룹 17">
+              <a:extLst>
+                <a:ext uri="{FF2B5EF4-FFF2-40B4-BE49-F238E27FC236}">
+                  <a16:creationId xmlns:a16="http://schemas.microsoft.com/office/drawing/2014/main" id="{6EBA0ED5-AA8D-437B-921F-021596F33725}"/>
+                </a:ext>
+              </a:extLst>
+            </p:cNvPr>
+            <p:cNvGrpSpPr/>
+            <p:nvPr/>
+          </p:nvGrpSpPr>
+          <p:grpSpPr>
+            <a:xfrm>
+              <a:off x="6787113" y="273620"/>
+              <a:ext cx="2494312" cy="2907075"/>
+              <a:chOff x="1238120" y="2050478"/>
+              <a:chExt cx="2494312" cy="2907075"/>
+            </a:xfrm>
+          </p:grpSpPr>
+          <p:sp>
+            <p:nvSpPr>
+              <p:cNvPr id="19" name="직사각형 18">
+                <a:extLst>
+                  <a:ext uri="{FF2B5EF4-FFF2-40B4-BE49-F238E27FC236}">
+                    <a16:creationId xmlns:a16="http://schemas.microsoft.com/office/drawing/2014/main" id="{F8979C0F-506B-4A0C-9863-53940FF65348}"/>
+                  </a:ext>
+                </a:extLst>
+              </p:cNvPr>
+              <p:cNvSpPr/>
+              <p:nvPr/>
+            </p:nvSpPr>
+            <p:spPr>
+              <a:xfrm>
+                <a:off x="1238120" y="2050478"/>
+                <a:ext cx="2494312" cy="2907075"/>
+              </a:xfrm>
+              <a:prstGeom prst="rect">
+                <a:avLst/>
+              </a:prstGeom>
+              <a:ln/>
+            </p:spPr>
+            <p:style>
+              <a:lnRef idx="1">
+                <a:schemeClr val="accent3"/>
+              </a:lnRef>
+              <a:fillRef idx="2">
+                <a:schemeClr val="accent3"/>
+              </a:fillRef>
+              <a:effectRef idx="1">
+                <a:schemeClr val="accent3"/>
+              </a:effectRef>
+              <a:fontRef idx="minor">
+                <a:schemeClr val="dk1"/>
+              </a:fontRef>
+            </p:style>
+            <p:txBody>
+              <a:bodyPr rtlCol="0" anchor="t" anchorCtr="0"/>
+              <a:lstStyle/>
+              <a:p>
+                <a:pPr algn="ctr">
+                  <a:lnSpc>
+                    <a:spcPct val="150000"/>
+                  </a:lnSpc>
+                </a:pPr>
+                <a:r>
+                  <a:rPr lang="ko-KR" altLang="en-US" dirty="0"/>
+                  <a:t>주관식</a:t>
+                </a:r>
+                <a:r>
+                  <a:rPr lang="en-US" altLang="ko-KR" dirty="0"/>
+                  <a:t> </a:t>
+                </a:r>
+                <a:r>
+                  <a:rPr lang="ko-KR" altLang="en-US" dirty="0"/>
+                  <a:t>퀴즈</a:t>
+                </a:r>
+                <a:endParaRPr lang="en-US" altLang="ko-KR" dirty="0"/>
+              </a:p>
+              <a:p>
+                <a:pPr>
+                  <a:lnSpc>
+                    <a:spcPct val="150000"/>
+                  </a:lnSpc>
+                </a:pPr>
+                <a:r>
+                  <a:rPr lang="en-US" altLang="ko-KR" sz="1200" dirty="0"/>
+                  <a:t>Title:</a:t>
+                </a:r>
+              </a:p>
+              <a:p>
+                <a:pPr>
+                  <a:lnSpc>
+                    <a:spcPct val="150000"/>
+                  </a:lnSpc>
+                </a:pPr>
+                <a:r>
+                  <a:rPr lang="ko-KR" altLang="en-US" sz="1200" dirty="0"/>
+                  <a:t>내용</a:t>
+                </a:r>
+                <a:r>
+                  <a:rPr lang="en-US" altLang="ko-KR" sz="1200" dirty="0"/>
+                  <a:t>:</a:t>
+                </a:r>
+              </a:p>
+              <a:p>
+                <a:pPr>
+                  <a:lnSpc>
+                    <a:spcPct val="150000"/>
+                  </a:lnSpc>
+                </a:pPr>
+                <a:endParaRPr lang="en-US" altLang="ko-KR" sz="1200" dirty="0"/>
+              </a:p>
+              <a:p>
+                <a:pPr>
+                  <a:lnSpc>
+                    <a:spcPct val="150000"/>
+                  </a:lnSpc>
+                </a:pPr>
+                <a:endParaRPr lang="en-US" altLang="ko-KR" sz="1200" dirty="0"/>
+              </a:p>
+              <a:p>
+                <a:pPr>
+                  <a:lnSpc>
+                    <a:spcPct val="150000"/>
+                  </a:lnSpc>
+                </a:pPr>
+                <a:endParaRPr lang="en-US" altLang="ko-KR" sz="1200" dirty="0"/>
+              </a:p>
+              <a:p>
+                <a:pPr>
+                  <a:lnSpc>
+                    <a:spcPct val="150000"/>
+                  </a:lnSpc>
+                </a:pPr>
+                <a:r>
+                  <a:rPr lang="ko-KR" altLang="en-US" sz="1200" dirty="0"/>
+                  <a:t>답</a:t>
+                </a:r>
+                <a:r>
+                  <a:rPr lang="en-US" altLang="ko-KR" sz="1200" dirty="0"/>
+                  <a:t>:        / </a:t>
+                </a:r>
+                <a:r>
+                  <a:rPr lang="ko-KR" altLang="en-US" sz="1200" dirty="0"/>
+                  <a:t>점수</a:t>
+                </a:r>
+                <a:r>
+                  <a:rPr lang="en-US" altLang="ko-KR" sz="1200" dirty="0"/>
+                  <a:t>(4</a:t>
+                </a:r>
+                <a:r>
+                  <a:rPr lang="ko-KR" altLang="en-US" sz="1200" dirty="0"/>
+                  <a:t>점</a:t>
+                </a:r>
+                <a:r>
+                  <a:rPr lang="en-US" altLang="ko-KR" sz="1200" dirty="0"/>
+                  <a:t>)</a:t>
+                </a:r>
+              </a:p>
+              <a:p>
+                <a:pPr>
+                  <a:lnSpc>
+                    <a:spcPct val="150000"/>
+                  </a:lnSpc>
+                </a:pPr>
+                <a:endParaRPr lang="en-US" altLang="ko-KR" sz="1200" dirty="0"/>
+              </a:p>
+              <a:p>
+                <a:pPr>
+                  <a:lnSpc>
+                    <a:spcPct val="150000"/>
+                  </a:lnSpc>
+                </a:pPr>
+                <a:endParaRPr lang="en-US" altLang="ko-KR" sz="1200" dirty="0"/>
+              </a:p>
+              <a:p>
+                <a:pPr>
+                  <a:lnSpc>
+                    <a:spcPct val="150000"/>
+                  </a:lnSpc>
+                </a:pPr>
+                <a:endParaRPr lang="en-US" altLang="ko-KR" sz="1600" dirty="0"/>
+              </a:p>
+              <a:p>
+                <a:endParaRPr lang="en-US" altLang="ko-KR" dirty="0"/>
+              </a:p>
+            </p:txBody>
+          </p:sp>
+          <p:grpSp>
+            <p:nvGrpSpPr>
+              <p:cNvPr id="20" name="그룹 19">
+                <a:extLst>
+                  <a:ext uri="{FF2B5EF4-FFF2-40B4-BE49-F238E27FC236}">
+                    <a16:creationId xmlns:a16="http://schemas.microsoft.com/office/drawing/2014/main" id="{4230854E-BC6A-451A-BD7B-78A4A6A143FB}"/>
+                  </a:ext>
+                </a:extLst>
+              </p:cNvPr>
+              <p:cNvGrpSpPr/>
+              <p:nvPr/>
+            </p:nvGrpSpPr>
+            <p:grpSpPr>
+              <a:xfrm>
+                <a:off x="2829513" y="2551099"/>
+                <a:ext cx="819428" cy="819428"/>
+                <a:chOff x="10593334" y="1801271"/>
+                <a:chExt cx="819428" cy="819428"/>
+              </a:xfrm>
+            </p:grpSpPr>
+            <p:sp>
+              <p:nvSpPr>
+                <p:cNvPr id="21" name="직사각형 20">
+                  <a:extLst>
+                    <a:ext uri="{FF2B5EF4-FFF2-40B4-BE49-F238E27FC236}">
+                      <a16:creationId xmlns:a16="http://schemas.microsoft.com/office/drawing/2014/main" id="{EB8EE53F-14B8-4DB3-87E9-C78D99C71A31}"/>
+                    </a:ext>
+                  </a:extLst>
+                </p:cNvPr>
+                <p:cNvSpPr/>
+                <p:nvPr/>
+              </p:nvSpPr>
+              <p:spPr>
+                <a:xfrm>
+                  <a:off x="10593334" y="1801271"/>
+                  <a:ext cx="819428" cy="819428"/>
+                </a:xfrm>
+                <a:prstGeom prst="rect">
+                  <a:avLst/>
+                </a:prstGeom>
+              </p:spPr>
+              <p:style>
+                <a:lnRef idx="2">
+                  <a:schemeClr val="accent3"/>
+                </a:lnRef>
+                <a:fillRef idx="1">
+                  <a:schemeClr val="lt1"/>
+                </a:fillRef>
+                <a:effectRef idx="0">
+                  <a:schemeClr val="accent3"/>
+                </a:effectRef>
+                <a:fontRef idx="minor">
+                  <a:schemeClr val="dk1"/>
+                </a:fontRef>
+              </p:style>
+              <p:txBody>
+                <a:bodyPr rtlCol="0" anchor="ctr"/>
+                <a:lstStyle/>
+                <a:p>
+                  <a:pPr algn="ctr"/>
+                  <a:endParaRPr lang="ko-KR" altLang="en-US"/>
+                </a:p>
+              </p:txBody>
+            </p:sp>
+            <p:pic>
+              <p:nvPicPr>
+                <p:cNvPr id="22" name="그래픽 21" descr="카메라">
+                  <a:extLst>
+                    <a:ext uri="{FF2B5EF4-FFF2-40B4-BE49-F238E27FC236}">
+                      <a16:creationId xmlns:a16="http://schemas.microsoft.com/office/drawing/2014/main" id="{B724B84E-46E8-4E67-822C-0AF027449DAF}"/>
+                    </a:ext>
+                  </a:extLst>
+                </p:cNvPr>
+                <p:cNvPicPr>
+                  <a:picLocks noChangeAspect="1"/>
+                </p:cNvPicPr>
+                <p:nvPr/>
+              </p:nvPicPr>
+              <p:blipFill>
+                <a:blip r:embed="rId2">
+                  <a:extLst>
+                    <a:ext uri="{28A0092B-C50C-407E-A947-70E740481C1C}">
+                      <a14:useLocalDpi xmlns:a14="http://schemas.microsoft.com/office/drawing/2010/main" val="0"/>
+                    </a:ext>
+                    <a:ext uri="{96DAC541-7B7A-43D3-8B79-37D633B846F1}">
+                      <asvg:svgBlip xmlns:asvg="http://schemas.microsoft.com/office/drawing/2016/SVG/main" r:embed="rId3"/>
+                    </a:ext>
+                  </a:extLst>
+                </a:blip>
+                <a:stretch>
+                  <a:fillRect/>
+                </a:stretch>
+              </p:blipFill>
+              <p:spPr>
+                <a:xfrm>
+                  <a:off x="10728627" y="1920917"/>
+                  <a:ext cx="548842" cy="548842"/>
+                </a:xfrm>
+                <a:prstGeom prst="rect">
+                  <a:avLst/>
+                </a:prstGeom>
+              </p:spPr>
+            </p:pic>
+          </p:grpSp>
+        </p:grpSp>
+        <p:sp>
+          <p:nvSpPr>
+            <p:cNvPr id="23" name="사각형: 둥근 모서리 22">
+              <a:extLst>
+                <a:ext uri="{FF2B5EF4-FFF2-40B4-BE49-F238E27FC236}">
+                  <a16:creationId xmlns:a16="http://schemas.microsoft.com/office/drawing/2014/main" id="{54B5F61D-265C-4677-A81A-63996E4900D7}"/>
+                </a:ext>
+              </a:extLst>
+            </p:cNvPr>
+            <p:cNvSpPr/>
+            <p:nvPr/>
+          </p:nvSpPr>
+          <p:spPr>
+            <a:xfrm>
+              <a:off x="7439436" y="2653131"/>
+              <a:ext cx="1189665" cy="402023"/>
+            </a:xfrm>
+            <a:prstGeom prst="roundRect">
+              <a:avLst/>
+            </a:prstGeom>
+          </p:spPr>
+          <p:style>
+            <a:lnRef idx="2">
+              <a:schemeClr val="accent1">
+                <a:shade val="50000"/>
+              </a:schemeClr>
+            </a:lnRef>
+            <a:fillRef idx="1">
+              <a:schemeClr val="accent1"/>
+            </a:fillRef>
+            <a:effectRef idx="0">
+              <a:schemeClr val="accent1"/>
+            </a:effectRef>
+            <a:fontRef idx="minor">
+              <a:schemeClr val="lt1"/>
+            </a:fontRef>
+          </p:style>
+          <p:txBody>
+            <a:bodyPr rtlCol="0" anchor="ctr"/>
+            <a:lstStyle/>
+            <a:p>
+              <a:pPr algn="ctr"/>
+              <a:r>
+                <a:rPr lang="ko-KR" altLang="en-US" sz="1400" dirty="0"/>
+                <a:t>확 인</a:t>
+              </a:r>
+            </a:p>
+          </p:txBody>
+        </p:sp>
+      </p:grpSp>
+      <p:grpSp>
+        <p:nvGrpSpPr>
+          <p:cNvPr id="25" name="그룹 24">
+            <a:extLst>
+              <a:ext uri="{FF2B5EF4-FFF2-40B4-BE49-F238E27FC236}">
+                <a16:creationId xmlns:a16="http://schemas.microsoft.com/office/drawing/2014/main" id="{67C5BE4A-0A70-44B4-8816-2CBEA3F3CA56}"/>
+              </a:ext>
+            </a:extLst>
+          </p:cNvPr>
+          <p:cNvGrpSpPr/>
+          <p:nvPr/>
+        </p:nvGrpSpPr>
+        <p:grpSpPr>
+          <a:xfrm>
+            <a:off x="659768" y="2724388"/>
+            <a:ext cx="2494312" cy="2907075"/>
+            <a:chOff x="659769" y="3677306"/>
+            <a:chExt cx="2494312" cy="2907075"/>
+          </a:xfrm>
+        </p:grpSpPr>
+        <p:grpSp>
+          <p:nvGrpSpPr>
+            <p:cNvPr id="30" name="그룹 29">
+              <a:extLst>
+                <a:ext uri="{FF2B5EF4-FFF2-40B4-BE49-F238E27FC236}">
+                  <a16:creationId xmlns:a16="http://schemas.microsoft.com/office/drawing/2014/main" id="{A15EA46D-D5A1-4DF1-A0B6-D82851AEA126}"/>
+                </a:ext>
+              </a:extLst>
+            </p:cNvPr>
+            <p:cNvGrpSpPr/>
+            <p:nvPr/>
+          </p:nvGrpSpPr>
+          <p:grpSpPr>
+            <a:xfrm>
+              <a:off x="659769" y="3677306"/>
+              <a:ext cx="2494312" cy="2907075"/>
+              <a:chOff x="1238120" y="2050478"/>
+              <a:chExt cx="2494312" cy="2907075"/>
+            </a:xfrm>
+          </p:grpSpPr>
+          <p:sp>
+            <p:nvSpPr>
+              <p:cNvPr id="31" name="직사각형 30">
+                <a:extLst>
+                  <a:ext uri="{FF2B5EF4-FFF2-40B4-BE49-F238E27FC236}">
+                    <a16:creationId xmlns:a16="http://schemas.microsoft.com/office/drawing/2014/main" id="{E8B4C5B7-8F8F-4DFC-9758-23D904A14487}"/>
+                  </a:ext>
+                </a:extLst>
+              </p:cNvPr>
+              <p:cNvSpPr/>
+              <p:nvPr/>
+            </p:nvSpPr>
+            <p:spPr>
+              <a:xfrm>
+                <a:off x="1238120" y="2050478"/>
+                <a:ext cx="2494312" cy="2907075"/>
+              </a:xfrm>
+              <a:prstGeom prst="rect">
+                <a:avLst/>
+              </a:prstGeom>
+              <a:ln/>
+            </p:spPr>
+            <p:style>
+              <a:lnRef idx="1">
+                <a:schemeClr val="accent3"/>
+              </a:lnRef>
+              <a:fillRef idx="2">
+                <a:schemeClr val="accent3"/>
+              </a:fillRef>
+              <a:effectRef idx="1">
+                <a:schemeClr val="accent3"/>
+              </a:effectRef>
+              <a:fontRef idx="minor">
+                <a:schemeClr val="dk1"/>
+              </a:fontRef>
+            </p:style>
+            <p:txBody>
+              <a:bodyPr rtlCol="0" anchor="t" anchorCtr="0"/>
+              <a:lstStyle/>
+              <a:p>
+                <a:pPr algn="ctr">
+                  <a:lnSpc>
+                    <a:spcPct val="150000"/>
+                  </a:lnSpc>
+                </a:pPr>
+                <a:r>
+                  <a:rPr lang="en-US" altLang="ko-KR" dirty="0"/>
+                  <a:t>Head</a:t>
+                </a:r>
+              </a:p>
+              <a:p>
+                <a:pPr>
+                  <a:lnSpc>
+                    <a:spcPct val="150000"/>
+                  </a:lnSpc>
+                </a:pPr>
+                <a:r>
+                  <a:rPr lang="en-US" altLang="ko-KR" sz="1200" dirty="0"/>
+                  <a:t>Title:</a:t>
+                </a:r>
+              </a:p>
+              <a:p>
+                <a:pPr>
+                  <a:lnSpc>
+                    <a:spcPct val="150000"/>
+                  </a:lnSpc>
+                </a:pPr>
+                <a:r>
+                  <a:rPr lang="ko-KR" altLang="en-US" sz="1200" dirty="0"/>
+                  <a:t>내용</a:t>
+                </a:r>
+                <a:r>
+                  <a:rPr lang="en-US" altLang="ko-KR" sz="1200" dirty="0"/>
+                  <a:t>:</a:t>
+                </a:r>
+              </a:p>
+              <a:p>
+                <a:pPr>
+                  <a:lnSpc>
+                    <a:spcPct val="150000"/>
+                  </a:lnSpc>
+                </a:pPr>
+                <a:endParaRPr lang="en-US" altLang="ko-KR" sz="1200" dirty="0"/>
+              </a:p>
+              <a:p>
+                <a:pPr>
+                  <a:lnSpc>
+                    <a:spcPct val="150000"/>
+                  </a:lnSpc>
+                </a:pPr>
+                <a:endParaRPr lang="en-US" altLang="ko-KR" sz="1200" dirty="0"/>
+              </a:p>
+              <a:p>
+                <a:pPr>
+                  <a:lnSpc>
+                    <a:spcPct val="150000"/>
+                  </a:lnSpc>
+                </a:pPr>
+                <a:endParaRPr lang="en-US" altLang="ko-KR" sz="1200" dirty="0"/>
+              </a:p>
+              <a:p>
+                <a:pPr>
+                  <a:lnSpc>
+                    <a:spcPct val="150000"/>
+                  </a:lnSpc>
+                </a:pPr>
+                <a:endParaRPr lang="en-US" altLang="ko-KR" sz="1600" dirty="0"/>
+              </a:p>
+              <a:p>
+                <a:endParaRPr lang="en-US" altLang="ko-KR" dirty="0"/>
+              </a:p>
+            </p:txBody>
+          </p:sp>
+          <p:grpSp>
+            <p:nvGrpSpPr>
+              <p:cNvPr id="32" name="그룹 31">
+                <a:extLst>
+                  <a:ext uri="{FF2B5EF4-FFF2-40B4-BE49-F238E27FC236}">
+                    <a16:creationId xmlns:a16="http://schemas.microsoft.com/office/drawing/2014/main" id="{628DD693-295E-44FC-A892-2B0735A501FE}"/>
+                  </a:ext>
+                </a:extLst>
+              </p:cNvPr>
+              <p:cNvGrpSpPr/>
+              <p:nvPr/>
+            </p:nvGrpSpPr>
+            <p:grpSpPr>
+              <a:xfrm>
+                <a:off x="2829513" y="2551099"/>
+                <a:ext cx="819428" cy="819428"/>
+                <a:chOff x="10593334" y="1801271"/>
+                <a:chExt cx="819428" cy="819428"/>
+              </a:xfrm>
+            </p:grpSpPr>
+            <p:sp>
+              <p:nvSpPr>
+                <p:cNvPr id="33" name="직사각형 32">
+                  <a:extLst>
+                    <a:ext uri="{FF2B5EF4-FFF2-40B4-BE49-F238E27FC236}">
+                      <a16:creationId xmlns:a16="http://schemas.microsoft.com/office/drawing/2014/main" id="{078B1E5C-D064-4B4D-B03A-08646C97F6D7}"/>
+                    </a:ext>
+                  </a:extLst>
+                </p:cNvPr>
+                <p:cNvSpPr/>
+                <p:nvPr/>
+              </p:nvSpPr>
+              <p:spPr>
+                <a:xfrm>
+                  <a:off x="10593334" y="1801271"/>
+                  <a:ext cx="819428" cy="819428"/>
+                </a:xfrm>
+                <a:prstGeom prst="rect">
+                  <a:avLst/>
+                </a:prstGeom>
+              </p:spPr>
+              <p:style>
+                <a:lnRef idx="2">
+                  <a:schemeClr val="accent3"/>
+                </a:lnRef>
+                <a:fillRef idx="1">
+                  <a:schemeClr val="lt1"/>
+                </a:fillRef>
+                <a:effectRef idx="0">
+                  <a:schemeClr val="accent3"/>
+                </a:effectRef>
+                <a:fontRef idx="minor">
+                  <a:schemeClr val="dk1"/>
+                </a:fontRef>
+              </p:style>
+              <p:txBody>
+                <a:bodyPr rtlCol="0" anchor="ctr"/>
+                <a:lstStyle/>
+                <a:p>
+                  <a:pPr algn="ctr"/>
+                  <a:endParaRPr lang="ko-KR" altLang="en-US"/>
+                </a:p>
+              </p:txBody>
+            </p:sp>
+            <p:pic>
+              <p:nvPicPr>
+                <p:cNvPr id="34" name="그래픽 33" descr="카메라">
+                  <a:extLst>
+                    <a:ext uri="{FF2B5EF4-FFF2-40B4-BE49-F238E27FC236}">
+                      <a16:creationId xmlns:a16="http://schemas.microsoft.com/office/drawing/2014/main" id="{40FE30C9-AB81-4FD3-9625-27FC86BB0BA5}"/>
+                    </a:ext>
+                  </a:extLst>
+                </p:cNvPr>
+                <p:cNvPicPr>
+                  <a:picLocks noChangeAspect="1"/>
+                </p:cNvPicPr>
+                <p:nvPr/>
+              </p:nvPicPr>
+              <p:blipFill>
+                <a:blip r:embed="rId2">
+                  <a:extLst>
+                    <a:ext uri="{28A0092B-C50C-407E-A947-70E740481C1C}">
+                      <a14:useLocalDpi xmlns:a14="http://schemas.microsoft.com/office/drawing/2010/main" val="0"/>
+                    </a:ext>
+                    <a:ext uri="{96DAC541-7B7A-43D3-8B79-37D633B846F1}">
+                      <asvg:svgBlip xmlns:asvg="http://schemas.microsoft.com/office/drawing/2016/SVG/main" r:embed="rId3"/>
+                    </a:ext>
+                  </a:extLst>
+                </a:blip>
+                <a:stretch>
+                  <a:fillRect/>
+                </a:stretch>
+              </p:blipFill>
+              <p:spPr>
+                <a:xfrm>
+                  <a:off x="10728627" y="1920917"/>
+                  <a:ext cx="548842" cy="548842"/>
+                </a:xfrm>
+                <a:prstGeom prst="rect">
+                  <a:avLst/>
+                </a:prstGeom>
+              </p:spPr>
+            </p:pic>
+          </p:grpSp>
+        </p:grpSp>
+        <p:sp>
+          <p:nvSpPr>
+            <p:cNvPr id="35" name="사각형: 둥근 모서리 34">
+              <a:extLst>
+                <a:ext uri="{FF2B5EF4-FFF2-40B4-BE49-F238E27FC236}">
+                  <a16:creationId xmlns:a16="http://schemas.microsoft.com/office/drawing/2014/main" id="{864B8692-FC8C-4594-83CC-C8667306272C}"/>
+                </a:ext>
+              </a:extLst>
+            </p:cNvPr>
+            <p:cNvSpPr/>
+            <p:nvPr/>
+          </p:nvSpPr>
+          <p:spPr>
+            <a:xfrm>
+              <a:off x="1312092" y="6056817"/>
+              <a:ext cx="1189665" cy="402023"/>
+            </a:xfrm>
+            <a:prstGeom prst="roundRect">
+              <a:avLst/>
+            </a:prstGeom>
+          </p:spPr>
+          <p:style>
+            <a:lnRef idx="2">
+              <a:schemeClr val="accent1">
+                <a:shade val="50000"/>
+              </a:schemeClr>
+            </a:lnRef>
+            <a:fillRef idx="1">
+              <a:schemeClr val="accent1"/>
+            </a:fillRef>
+            <a:effectRef idx="0">
+              <a:schemeClr val="accent1"/>
+            </a:effectRef>
+            <a:fontRef idx="minor">
+              <a:schemeClr val="lt1"/>
+            </a:fontRef>
+          </p:style>
+          <p:txBody>
+            <a:bodyPr rtlCol="0" anchor="ctr"/>
+            <a:lstStyle/>
+            <a:p>
+              <a:pPr algn="ctr"/>
+              <a:r>
+                <a:rPr lang="ko-KR" altLang="en-US" sz="1400" dirty="0"/>
+                <a:t>확 인</a:t>
+              </a:r>
+            </a:p>
+          </p:txBody>
+        </p:sp>
+      </p:grpSp>
+      <p:grpSp>
+        <p:nvGrpSpPr>
+          <p:cNvPr id="24" name="그룹 23">
+            <a:extLst>
+              <a:ext uri="{FF2B5EF4-FFF2-40B4-BE49-F238E27FC236}">
+                <a16:creationId xmlns:a16="http://schemas.microsoft.com/office/drawing/2014/main" id="{8A3D0784-10D5-4C85-A118-DF8F7C35EE86}"/>
+              </a:ext>
+            </a:extLst>
+          </p:cNvPr>
+          <p:cNvGrpSpPr/>
+          <p:nvPr/>
+        </p:nvGrpSpPr>
+        <p:grpSpPr>
+          <a:xfrm>
+            <a:off x="2660875" y="2723945"/>
+            <a:ext cx="2494312" cy="2907075"/>
+            <a:chOff x="3681203" y="3677305"/>
+            <a:chExt cx="2494312" cy="2907075"/>
+          </a:xfrm>
+        </p:grpSpPr>
+        <p:grpSp>
+          <p:nvGrpSpPr>
+            <p:cNvPr id="36" name="그룹 35">
+              <a:extLst>
+                <a:ext uri="{FF2B5EF4-FFF2-40B4-BE49-F238E27FC236}">
+                  <a16:creationId xmlns:a16="http://schemas.microsoft.com/office/drawing/2014/main" id="{E42D369B-C8B5-40C4-B877-D86B435A01CF}"/>
+                </a:ext>
+              </a:extLst>
+            </p:cNvPr>
+            <p:cNvGrpSpPr/>
+            <p:nvPr/>
+          </p:nvGrpSpPr>
+          <p:grpSpPr>
+            <a:xfrm>
+              <a:off x="3681203" y="3677305"/>
+              <a:ext cx="2494312" cy="2907075"/>
+              <a:chOff x="1238120" y="2050478"/>
+              <a:chExt cx="2494312" cy="2907075"/>
+            </a:xfrm>
+          </p:grpSpPr>
+          <p:sp>
+            <p:nvSpPr>
+              <p:cNvPr id="37" name="직사각형 36">
+                <a:extLst>
+                  <a:ext uri="{FF2B5EF4-FFF2-40B4-BE49-F238E27FC236}">
+                    <a16:creationId xmlns:a16="http://schemas.microsoft.com/office/drawing/2014/main" id="{6913530F-F012-4FAF-AE02-F3CE63845A8A}"/>
+                  </a:ext>
+                </a:extLst>
+              </p:cNvPr>
+              <p:cNvSpPr/>
+              <p:nvPr/>
+            </p:nvSpPr>
+            <p:spPr>
+              <a:xfrm>
+                <a:off x="1238120" y="2050478"/>
+                <a:ext cx="2494312" cy="2907075"/>
+              </a:xfrm>
+              <a:prstGeom prst="rect">
+                <a:avLst/>
+              </a:prstGeom>
+              <a:ln/>
+            </p:spPr>
+            <p:style>
+              <a:lnRef idx="1">
+                <a:schemeClr val="accent3"/>
+              </a:lnRef>
+              <a:fillRef idx="2">
+                <a:schemeClr val="accent3"/>
+              </a:fillRef>
+              <a:effectRef idx="1">
+                <a:schemeClr val="accent3"/>
+              </a:effectRef>
+              <a:fontRef idx="minor">
+                <a:schemeClr val="dk1"/>
+              </a:fontRef>
+            </p:style>
+            <p:txBody>
+              <a:bodyPr rtlCol="0" anchor="t" anchorCtr="0"/>
+              <a:lstStyle/>
+              <a:p>
+                <a:pPr algn="ctr">
+                  <a:lnSpc>
+                    <a:spcPct val="150000"/>
+                  </a:lnSpc>
+                </a:pPr>
+                <a:r>
+                  <a:rPr lang="en-US" altLang="ko-KR" dirty="0"/>
+                  <a:t>Body</a:t>
+                </a:r>
+              </a:p>
+              <a:p>
+                <a:pPr>
+                  <a:lnSpc>
+                    <a:spcPct val="150000"/>
+                  </a:lnSpc>
+                </a:pPr>
+                <a:r>
+                  <a:rPr lang="en-US" altLang="ko-KR" sz="1200" dirty="0"/>
+                  <a:t>Before:</a:t>
+                </a:r>
+              </a:p>
+              <a:p>
+                <a:pPr>
+                  <a:lnSpc>
+                    <a:spcPct val="150000"/>
+                  </a:lnSpc>
+                </a:pPr>
+                <a:r>
+                  <a:rPr lang="ko-KR" altLang="en-US" sz="1200" dirty="0"/>
+                  <a:t>내용</a:t>
+                </a:r>
+                <a:r>
+                  <a:rPr lang="en-US" altLang="ko-KR" sz="1200" dirty="0"/>
+                  <a:t>:</a:t>
+                </a:r>
+              </a:p>
+              <a:p>
+                <a:pPr>
+                  <a:lnSpc>
+                    <a:spcPct val="150000"/>
+                  </a:lnSpc>
+                </a:pPr>
+                <a:endParaRPr lang="en-US" altLang="ko-KR" sz="1200" dirty="0"/>
+              </a:p>
+              <a:p>
+                <a:pPr>
+                  <a:lnSpc>
+                    <a:spcPct val="150000"/>
+                  </a:lnSpc>
+                </a:pPr>
+                <a:endParaRPr lang="en-US" altLang="ko-KR" sz="1200" dirty="0"/>
+              </a:p>
+              <a:p>
+                <a:pPr>
+                  <a:lnSpc>
+                    <a:spcPct val="150000"/>
+                  </a:lnSpc>
+                </a:pPr>
+                <a:endParaRPr lang="en-US" altLang="ko-KR" sz="1200" dirty="0"/>
+              </a:p>
+              <a:p>
+                <a:pPr>
+                  <a:lnSpc>
+                    <a:spcPct val="150000"/>
+                  </a:lnSpc>
+                </a:pPr>
+                <a:endParaRPr lang="en-US" altLang="ko-KR" sz="1600" dirty="0"/>
+              </a:p>
+              <a:p>
+                <a:endParaRPr lang="en-US" altLang="ko-KR" dirty="0"/>
+              </a:p>
+            </p:txBody>
+          </p:sp>
+          <p:grpSp>
+            <p:nvGrpSpPr>
+              <p:cNvPr id="38" name="그룹 37">
+                <a:extLst>
+                  <a:ext uri="{FF2B5EF4-FFF2-40B4-BE49-F238E27FC236}">
+                    <a16:creationId xmlns:a16="http://schemas.microsoft.com/office/drawing/2014/main" id="{773A2833-F0CD-4775-969E-D50302F8AD1B}"/>
+                  </a:ext>
+                </a:extLst>
+              </p:cNvPr>
+              <p:cNvGrpSpPr/>
+              <p:nvPr/>
+            </p:nvGrpSpPr>
+            <p:grpSpPr>
+              <a:xfrm>
+                <a:off x="2829513" y="2551099"/>
+                <a:ext cx="819428" cy="819428"/>
+                <a:chOff x="10593334" y="1801271"/>
+                <a:chExt cx="819428" cy="819428"/>
+              </a:xfrm>
+            </p:grpSpPr>
+            <p:sp>
+              <p:nvSpPr>
+                <p:cNvPr id="39" name="직사각형 38">
+                  <a:extLst>
+                    <a:ext uri="{FF2B5EF4-FFF2-40B4-BE49-F238E27FC236}">
+                      <a16:creationId xmlns:a16="http://schemas.microsoft.com/office/drawing/2014/main" id="{CA98B3D3-C567-4FE9-B957-7FBC1D22A2E7}"/>
+                    </a:ext>
+                  </a:extLst>
+                </p:cNvPr>
+                <p:cNvSpPr/>
+                <p:nvPr/>
+              </p:nvSpPr>
+              <p:spPr>
+                <a:xfrm>
+                  <a:off x="10593334" y="1801271"/>
+                  <a:ext cx="819428" cy="819428"/>
+                </a:xfrm>
+                <a:prstGeom prst="rect">
+                  <a:avLst/>
+                </a:prstGeom>
+              </p:spPr>
+              <p:style>
+                <a:lnRef idx="2">
+                  <a:schemeClr val="accent3"/>
+                </a:lnRef>
+                <a:fillRef idx="1">
+                  <a:schemeClr val="lt1"/>
+                </a:fillRef>
+                <a:effectRef idx="0">
+                  <a:schemeClr val="accent3"/>
+                </a:effectRef>
+                <a:fontRef idx="minor">
+                  <a:schemeClr val="dk1"/>
+                </a:fontRef>
+              </p:style>
+              <p:txBody>
+                <a:bodyPr rtlCol="0" anchor="ctr"/>
+                <a:lstStyle/>
+                <a:p>
+                  <a:pPr algn="ctr"/>
+                  <a:endParaRPr lang="ko-KR" altLang="en-US"/>
+                </a:p>
+              </p:txBody>
+            </p:sp>
+            <p:pic>
+              <p:nvPicPr>
+                <p:cNvPr id="40" name="그래픽 39" descr="카메라">
+                  <a:extLst>
+                    <a:ext uri="{FF2B5EF4-FFF2-40B4-BE49-F238E27FC236}">
+                      <a16:creationId xmlns:a16="http://schemas.microsoft.com/office/drawing/2014/main" id="{FB7F94CE-D1EF-4B18-AFF5-3AE09F6F5590}"/>
+                    </a:ext>
+                  </a:extLst>
+                </p:cNvPr>
+                <p:cNvPicPr>
+                  <a:picLocks noChangeAspect="1"/>
+                </p:cNvPicPr>
+                <p:nvPr/>
+              </p:nvPicPr>
+              <p:blipFill>
+                <a:blip r:embed="rId2">
+                  <a:extLst>
+                    <a:ext uri="{28A0092B-C50C-407E-A947-70E740481C1C}">
+                      <a14:useLocalDpi xmlns:a14="http://schemas.microsoft.com/office/drawing/2010/main" val="0"/>
+                    </a:ext>
+                    <a:ext uri="{96DAC541-7B7A-43D3-8B79-37D633B846F1}">
+                      <asvg:svgBlip xmlns:asvg="http://schemas.microsoft.com/office/drawing/2016/SVG/main" r:embed="rId3"/>
+                    </a:ext>
+                  </a:extLst>
+                </a:blip>
+                <a:stretch>
+                  <a:fillRect/>
+                </a:stretch>
+              </p:blipFill>
+              <p:spPr>
+                <a:xfrm>
+                  <a:off x="10728627" y="1920917"/>
+                  <a:ext cx="548842" cy="548842"/>
+                </a:xfrm>
+                <a:prstGeom prst="rect">
+                  <a:avLst/>
+                </a:prstGeom>
+              </p:spPr>
+            </p:pic>
+          </p:grpSp>
+        </p:grpSp>
+        <p:sp>
+          <p:nvSpPr>
+            <p:cNvPr id="41" name="사각형: 둥근 모서리 40">
+              <a:extLst>
+                <a:ext uri="{FF2B5EF4-FFF2-40B4-BE49-F238E27FC236}">
+                  <a16:creationId xmlns:a16="http://schemas.microsoft.com/office/drawing/2014/main" id="{FBDA8A38-4212-4525-989C-15DF7963FD9B}"/>
+                </a:ext>
+              </a:extLst>
+            </p:cNvPr>
+            <p:cNvSpPr/>
+            <p:nvPr/>
+          </p:nvSpPr>
+          <p:spPr>
+            <a:xfrm>
+              <a:off x="4333527" y="6047294"/>
+              <a:ext cx="1189665" cy="402023"/>
+            </a:xfrm>
+            <a:prstGeom prst="roundRect">
+              <a:avLst/>
+            </a:prstGeom>
+          </p:spPr>
+          <p:style>
+            <a:lnRef idx="2">
+              <a:schemeClr val="accent1">
+                <a:shade val="50000"/>
+              </a:schemeClr>
+            </a:lnRef>
+            <a:fillRef idx="1">
+              <a:schemeClr val="accent1"/>
+            </a:fillRef>
+            <a:effectRef idx="0">
+              <a:schemeClr val="accent1"/>
+            </a:effectRef>
+            <a:fontRef idx="minor">
+              <a:schemeClr val="lt1"/>
+            </a:fontRef>
+          </p:style>
+          <p:txBody>
+            <a:bodyPr rtlCol="0" anchor="ctr"/>
+            <a:lstStyle/>
+            <a:p>
+              <a:pPr algn="ctr"/>
+              <a:r>
+                <a:rPr lang="ko-KR" altLang="en-US" sz="1400" dirty="0"/>
+                <a:t>확 인</a:t>
+              </a:r>
+            </a:p>
+          </p:txBody>
+        </p:sp>
+      </p:grpSp>
+      <p:grpSp>
+        <p:nvGrpSpPr>
+          <p:cNvPr id="5" name="그룹 4">
+            <a:extLst>
+              <a:ext uri="{FF2B5EF4-FFF2-40B4-BE49-F238E27FC236}">
+                <a16:creationId xmlns:a16="http://schemas.microsoft.com/office/drawing/2014/main" id="{53495D30-FBF5-4482-878D-3EB5DA97350B}"/>
+              </a:ext>
+            </a:extLst>
+          </p:cNvPr>
+          <p:cNvGrpSpPr/>
+          <p:nvPr/>
+        </p:nvGrpSpPr>
+        <p:grpSpPr>
+          <a:xfrm>
+            <a:off x="4638157" y="2723502"/>
+            <a:ext cx="2494312" cy="2907075"/>
+            <a:chOff x="6787113" y="3677305"/>
+            <a:chExt cx="2494312" cy="2907075"/>
+          </a:xfrm>
+        </p:grpSpPr>
+        <p:sp>
+          <p:nvSpPr>
+            <p:cNvPr id="43" name="직사각형 42">
+              <a:extLst>
+                <a:ext uri="{FF2B5EF4-FFF2-40B4-BE49-F238E27FC236}">
+                  <a16:creationId xmlns:a16="http://schemas.microsoft.com/office/drawing/2014/main" id="{7C5F7F37-8F99-4B29-B24E-39DAEA5B5B23}"/>
+                </a:ext>
+              </a:extLst>
+            </p:cNvPr>
+            <p:cNvSpPr/>
+            <p:nvPr/>
+          </p:nvSpPr>
+          <p:spPr>
+            <a:xfrm>
+              <a:off x="6787113" y="3677305"/>
               <a:ext cx="2494312" cy="2907075"/>
             </a:xfrm>
             <a:prstGeom prst="rect">
@@ -12395,23 +14147,7 @@
               </a:pPr>
               <a:r>
                 <a:rPr lang="en-US" altLang="ko-KR" dirty="0"/>
-                <a:t>OX </a:t>
-              </a:r>
-              <a:r>
-                <a:rPr lang="ko-KR" altLang="en-US" dirty="0"/>
-                <a:t>퀴즈</a:t>
-              </a:r>
-              <a:endParaRPr lang="en-US" altLang="ko-KR" dirty="0"/>
-            </a:p>
-            <a:p>
-              <a:pPr>
-                <a:lnSpc>
-                  <a:spcPct val="150000"/>
-                </a:lnSpc>
-              </a:pPr>
-              <a:r>
-                <a:rPr lang="en-US" altLang="ko-KR" sz="1200" dirty="0"/>
-                <a:t>Title:</a:t>
+                <a:t>Tail</a:t>
               </a:r>
             </a:p>
             <a:p>
@@ -12422,58 +14158,11 @@
               </a:pPr>
               <a:r>
                 <a:rPr lang="ko-KR" altLang="en-US" sz="1200" dirty="0"/>
-                <a:t>내용</a:t>
+                <a:t>선택</a:t>
               </a:r>
               <a:r>
                 <a:rPr lang="en-US" altLang="ko-KR" sz="1200" dirty="0"/>
                 <a:t>:</a:t>
-              </a:r>
-            </a:p>
-            <a:p>
-              <a:pPr>
-                <a:lnSpc>
-                  <a:spcPct val="150000"/>
-                </a:lnSpc>
-              </a:pPr>
-              <a:endParaRPr lang="en-US" altLang="ko-KR" sz="1200" dirty="0"/>
-            </a:p>
-            <a:p>
-              <a:pPr>
-                <a:lnSpc>
-                  <a:spcPct val="150000"/>
-                </a:lnSpc>
-              </a:pPr>
-              <a:endParaRPr lang="en-US" altLang="ko-KR" sz="1200" dirty="0"/>
-            </a:p>
-            <a:p>
-              <a:pPr>
-                <a:lnSpc>
-                  <a:spcPct val="150000"/>
-                </a:lnSpc>
-              </a:pPr>
-              <a:r>
-                <a:rPr lang="ko-KR" altLang="en-US" sz="1200" dirty="0"/>
-                <a:t>답</a:t>
-              </a:r>
-              <a:r>
-                <a:rPr lang="en-US" altLang="ko-KR" sz="1200" dirty="0"/>
-                <a:t>: True/False / </a:t>
-              </a:r>
-              <a:r>
-                <a:rPr lang="ko-KR" altLang="en-US" sz="1200" dirty="0"/>
-                <a:t>점수</a:t>
-              </a:r>
-              <a:r>
-                <a:rPr lang="en-US" altLang="ko-KR" sz="1200" dirty="0"/>
-                <a:t>(4</a:t>
-              </a:r>
-              <a:r>
-                <a:rPr lang="ko-KR" altLang="en-US" sz="1200" dirty="0"/>
-                <a:t>점</a:t>
-              </a:r>
-              <a:r>
-                <a:rPr lang="en-US" altLang="ko-KR" sz="1200" dirty="0"/>
-                <a:t>)</a:t>
               </a:r>
             </a:p>
             <a:p>
@@ -12497,186 +14186,12 @@
             </a:p>
           </p:txBody>
         </p:sp>
-        <p:grpSp>
-          <p:nvGrpSpPr>
-            <p:cNvPr id="7" name="그룹 6">
+        <p:sp>
+          <p:nvSpPr>
+            <p:cNvPr id="47" name="사각형: 둥근 모서리 46">
               <a:extLst>
                 <a:ext uri="{FF2B5EF4-FFF2-40B4-BE49-F238E27FC236}">
-                  <a16:creationId xmlns:a16="http://schemas.microsoft.com/office/drawing/2014/main" id="{9FA77FAB-5EB4-4509-AA04-491612A2F08B}"/>
-                </a:ext>
-              </a:extLst>
-            </p:cNvPr>
-            <p:cNvGrpSpPr/>
-            <p:nvPr/>
-          </p:nvGrpSpPr>
-          <p:grpSpPr>
-            <a:xfrm>
-              <a:off x="2829513" y="2551099"/>
-              <a:ext cx="819428" cy="819428"/>
-              <a:chOff x="10593334" y="1801271"/>
-              <a:chExt cx="819428" cy="819428"/>
-            </a:xfrm>
-          </p:grpSpPr>
-          <p:sp>
-            <p:nvSpPr>
-              <p:cNvPr id="8" name="직사각형 7">
-                <a:extLst>
-                  <a:ext uri="{FF2B5EF4-FFF2-40B4-BE49-F238E27FC236}">
-                    <a16:creationId xmlns:a16="http://schemas.microsoft.com/office/drawing/2014/main" id="{FB1AFA66-EE2B-439C-B499-0B7C056AD709}"/>
-                  </a:ext>
-                </a:extLst>
-              </p:cNvPr>
-              <p:cNvSpPr/>
-              <p:nvPr/>
-            </p:nvSpPr>
-            <p:spPr>
-              <a:xfrm>
-                <a:off x="10593334" y="1801271"/>
-                <a:ext cx="819428" cy="819428"/>
-              </a:xfrm>
-              <a:prstGeom prst="rect">
-                <a:avLst/>
-              </a:prstGeom>
-            </p:spPr>
-            <p:style>
-              <a:lnRef idx="2">
-                <a:schemeClr val="accent3"/>
-              </a:lnRef>
-              <a:fillRef idx="1">
-                <a:schemeClr val="lt1"/>
-              </a:fillRef>
-              <a:effectRef idx="0">
-                <a:schemeClr val="accent3"/>
-              </a:effectRef>
-              <a:fontRef idx="minor">
-                <a:schemeClr val="dk1"/>
-              </a:fontRef>
-            </p:style>
-            <p:txBody>
-              <a:bodyPr rtlCol="0" anchor="ctr"/>
-              <a:lstStyle/>
-              <a:p>
-                <a:pPr algn="ctr"/>
-                <a:endParaRPr lang="ko-KR" altLang="en-US"/>
-              </a:p>
-            </p:txBody>
-          </p:sp>
-          <p:pic>
-            <p:nvPicPr>
-              <p:cNvPr id="9" name="그래픽 8" descr="카메라">
-                <a:extLst>
-                  <a:ext uri="{FF2B5EF4-FFF2-40B4-BE49-F238E27FC236}">
-                    <a16:creationId xmlns:a16="http://schemas.microsoft.com/office/drawing/2014/main" id="{0B8BD8AD-EEB0-4563-9AD2-C9B666084306}"/>
-                  </a:ext>
-                </a:extLst>
-              </p:cNvPr>
-              <p:cNvPicPr>
-                <a:picLocks noChangeAspect="1"/>
-              </p:cNvPicPr>
-              <p:nvPr/>
-            </p:nvPicPr>
-            <p:blipFill>
-              <a:blip r:embed="rId2">
-                <a:extLst>
-                  <a:ext uri="{28A0092B-C50C-407E-A947-70E740481C1C}">
-                    <a14:useLocalDpi xmlns:a14="http://schemas.microsoft.com/office/drawing/2010/main" val="0"/>
-                  </a:ext>
-                  <a:ext uri="{96DAC541-7B7A-43D3-8B79-37D633B846F1}">
-                    <asvg:svgBlip xmlns:asvg="http://schemas.microsoft.com/office/drawing/2016/SVG/main" r:embed="rId3"/>
-                  </a:ext>
-                </a:extLst>
-              </a:blip>
-              <a:stretch>
-                <a:fillRect/>
-              </a:stretch>
-            </p:blipFill>
-            <p:spPr>
-              <a:xfrm>
-                <a:off x="10728627" y="1920917"/>
-                <a:ext cx="548842" cy="548842"/>
-              </a:xfrm>
-              <a:prstGeom prst="rect">
-                <a:avLst/>
-              </a:prstGeom>
-            </p:spPr>
-          </p:pic>
-        </p:grpSp>
-      </p:grpSp>
-      <p:sp>
-        <p:nvSpPr>
-          <p:cNvPr id="11" name="사각형: 둥근 모서리 10">
-            <a:extLst>
-              <a:ext uri="{FF2B5EF4-FFF2-40B4-BE49-F238E27FC236}">
-                <a16:creationId xmlns:a16="http://schemas.microsoft.com/office/drawing/2014/main" id="{13C5197F-77F1-4894-B7E4-5573E8C2DDD1}"/>
-              </a:ext>
-            </a:extLst>
-          </p:cNvPr>
-          <p:cNvSpPr/>
-          <p:nvPr/>
-        </p:nvSpPr>
-        <p:spPr>
-          <a:xfrm>
-            <a:off x="1312092" y="2653131"/>
-            <a:ext cx="1189665" cy="402023"/>
-          </a:xfrm>
-          <a:prstGeom prst="roundRect">
-            <a:avLst/>
-          </a:prstGeom>
-        </p:spPr>
-        <p:style>
-          <a:lnRef idx="2">
-            <a:schemeClr val="accent1">
-              <a:shade val="50000"/>
-            </a:schemeClr>
-          </a:lnRef>
-          <a:fillRef idx="1">
-            <a:schemeClr val="accent1"/>
-          </a:fillRef>
-          <a:effectRef idx="0">
-            <a:schemeClr val="accent1"/>
-          </a:effectRef>
-          <a:fontRef idx="minor">
-            <a:schemeClr val="lt1"/>
-          </a:fontRef>
-        </p:style>
-        <p:txBody>
-          <a:bodyPr rtlCol="0" anchor="ctr"/>
-          <a:lstStyle/>
-          <a:p>
-            <a:pPr algn="ctr"/>
-            <a:r>
-              <a:rPr lang="ko-KR" altLang="en-US" sz="1400" dirty="0"/>
-              <a:t>확 인</a:t>
-            </a:r>
-          </a:p>
-        </p:txBody>
-      </p:sp>
-      <p:grpSp>
-        <p:nvGrpSpPr>
-          <p:cNvPr id="12" name="그룹 11">
-            <a:extLst>
-              <a:ext uri="{FF2B5EF4-FFF2-40B4-BE49-F238E27FC236}">
-                <a16:creationId xmlns:a16="http://schemas.microsoft.com/office/drawing/2014/main" id="{1AA16641-7645-4EA1-9277-581FCD56881F}"/>
-              </a:ext>
-            </a:extLst>
-          </p:cNvPr>
-          <p:cNvGrpSpPr/>
-          <p:nvPr/>
-        </p:nvGrpSpPr>
-        <p:grpSpPr>
-          <a:xfrm>
-            <a:off x="3681204" y="273620"/>
-            <a:ext cx="2494312" cy="2907075"/>
-            <a:chOff x="1238120" y="2050478"/>
-            <a:chExt cx="2494312" cy="2907075"/>
-          </a:xfrm>
-        </p:grpSpPr>
-        <p:sp>
-          <p:nvSpPr>
-            <p:cNvPr id="13" name="직사각형 12">
-              <a:extLst>
-                <a:ext uri="{FF2B5EF4-FFF2-40B4-BE49-F238E27FC236}">
-                  <a16:creationId xmlns:a16="http://schemas.microsoft.com/office/drawing/2014/main" id="{6339D175-6F83-4C0A-B98B-E1102F6C21A2}"/>
+                  <a16:creationId xmlns:a16="http://schemas.microsoft.com/office/drawing/2014/main" id="{480CE1D4-6817-4C10-BED2-3FB72DA6DC6C}"/>
                 </a:ext>
               </a:extLst>
             </p:cNvPr>
@@ -12685,353 +14200,47 @@
           </p:nvSpPr>
           <p:spPr>
             <a:xfrm>
-              <a:off x="1238120" y="2050478"/>
-              <a:ext cx="2494312" cy="2907075"/>
+              <a:off x="7439437" y="6047294"/>
+              <a:ext cx="1189665" cy="402023"/>
             </a:xfrm>
-            <a:prstGeom prst="rect">
+            <a:prstGeom prst="roundRect">
               <a:avLst/>
             </a:prstGeom>
-            <a:ln/>
           </p:spPr>
           <p:style>
-            <a:lnRef idx="1">
-              <a:schemeClr val="accent3"/>
+            <a:lnRef idx="2">
+              <a:schemeClr val="accent1">
+                <a:shade val="50000"/>
+              </a:schemeClr>
             </a:lnRef>
-            <a:fillRef idx="2">
-              <a:schemeClr val="accent3"/>
+            <a:fillRef idx="1">
+              <a:schemeClr val="accent1"/>
             </a:fillRef>
-            <a:effectRef idx="1">
-              <a:schemeClr val="accent3"/>
+            <a:effectRef idx="0">
+              <a:schemeClr val="accent1"/>
             </a:effectRef>
             <a:fontRef idx="minor">
-              <a:schemeClr val="dk1"/>
+              <a:schemeClr val="lt1"/>
             </a:fontRef>
           </p:style>
           <p:txBody>
-            <a:bodyPr rtlCol="0" anchor="t" anchorCtr="0"/>
+            <a:bodyPr rtlCol="0" anchor="ctr"/>
             <a:lstStyle/>
             <a:p>
-              <a:pPr algn="ctr">
-                <a:lnSpc>
-                  <a:spcPct val="150000"/>
-                </a:lnSpc>
-              </a:pPr>
+              <a:pPr algn="ctr"/>
               <a:r>
-                <a:rPr lang="ko-KR" altLang="en-US" dirty="0"/>
-                <a:t>객관식</a:t>
+                <a:rPr lang="ko-KR" altLang="en-US" sz="1400" dirty="0"/>
+                <a:t>확 인</a:t>
               </a:r>
-              <a:r>
-                <a:rPr lang="en-US" altLang="ko-KR" dirty="0"/>
-                <a:t> </a:t>
-              </a:r>
-              <a:r>
-                <a:rPr lang="ko-KR" altLang="en-US" dirty="0"/>
-                <a:t>퀴즈</a:t>
-              </a:r>
-              <a:endParaRPr lang="en-US" altLang="ko-KR" dirty="0"/>
-            </a:p>
-            <a:p>
-              <a:pPr>
-                <a:lnSpc>
-                  <a:spcPct val="150000"/>
-                </a:lnSpc>
-              </a:pPr>
-              <a:r>
-                <a:rPr lang="en-US" altLang="ko-KR" sz="1200" dirty="0"/>
-                <a:t>Title:</a:t>
-              </a:r>
-            </a:p>
-            <a:p>
-              <a:pPr>
-                <a:lnSpc>
-                  <a:spcPct val="150000"/>
-                </a:lnSpc>
-              </a:pPr>
-              <a:r>
-                <a:rPr lang="ko-KR" altLang="en-US" sz="1200" dirty="0"/>
-                <a:t>내용</a:t>
-              </a:r>
-              <a:r>
-                <a:rPr lang="en-US" altLang="ko-KR" sz="1200" dirty="0"/>
-                <a:t>:</a:t>
-              </a:r>
-            </a:p>
-            <a:p>
-              <a:pPr>
-                <a:lnSpc>
-                  <a:spcPct val="150000"/>
-                </a:lnSpc>
-              </a:pPr>
-              <a:r>
-                <a:rPr lang="en-US" altLang="ko-KR" sz="1200" dirty="0"/>
-                <a:t>①</a:t>
-              </a:r>
-            </a:p>
-            <a:p>
-              <a:pPr>
-                <a:lnSpc>
-                  <a:spcPct val="150000"/>
-                </a:lnSpc>
-              </a:pPr>
-              <a:r>
-                <a:rPr lang="en-US" altLang="ko-KR" sz="1200" dirty="0"/>
-                <a:t>②</a:t>
-              </a:r>
-            </a:p>
-            <a:p>
-              <a:pPr>
-                <a:lnSpc>
-                  <a:spcPct val="150000"/>
-                </a:lnSpc>
-              </a:pPr>
-              <a:r>
-                <a:rPr lang="en-US" altLang="ko-KR" sz="1200" dirty="0"/>
-                <a:t>③</a:t>
-              </a:r>
-            </a:p>
-            <a:p>
-              <a:pPr>
-                <a:lnSpc>
-                  <a:spcPct val="150000"/>
-                </a:lnSpc>
-              </a:pPr>
-              <a:r>
-                <a:rPr lang="en-US" altLang="ko-KR" sz="1200" dirty="0"/>
-                <a:t>④</a:t>
-              </a:r>
-            </a:p>
-            <a:p>
-              <a:pPr>
-                <a:lnSpc>
-                  <a:spcPct val="150000"/>
-                </a:lnSpc>
-              </a:pPr>
-              <a:r>
-                <a:rPr lang="ko-KR" altLang="en-US" sz="1200" dirty="0"/>
-                <a:t>답</a:t>
-              </a:r>
-              <a:r>
-                <a:rPr lang="en-US" altLang="ko-KR" sz="1200" dirty="0"/>
-                <a:t>: ③ / </a:t>
-              </a:r>
-              <a:r>
-                <a:rPr lang="ko-KR" altLang="en-US" sz="1200" dirty="0"/>
-                <a:t>점수</a:t>
-              </a:r>
-              <a:r>
-                <a:rPr lang="en-US" altLang="ko-KR" sz="1200" dirty="0"/>
-                <a:t>(4</a:t>
-              </a:r>
-              <a:r>
-                <a:rPr lang="ko-KR" altLang="en-US" sz="1200" dirty="0"/>
-                <a:t>점</a:t>
-              </a:r>
-              <a:r>
-                <a:rPr lang="en-US" altLang="ko-KR" sz="1200" dirty="0"/>
-                <a:t>)</a:t>
-              </a:r>
-            </a:p>
-            <a:p>
-              <a:pPr>
-                <a:lnSpc>
-                  <a:spcPct val="150000"/>
-                </a:lnSpc>
-              </a:pPr>
-              <a:endParaRPr lang="en-US" altLang="ko-KR" sz="1200" dirty="0"/>
-            </a:p>
-            <a:p>
-              <a:pPr>
-                <a:lnSpc>
-                  <a:spcPct val="150000"/>
-                </a:lnSpc>
-              </a:pPr>
-              <a:endParaRPr lang="en-US" altLang="ko-KR" sz="1600" dirty="0"/>
-            </a:p>
-            <a:p>
-              <a:endParaRPr lang="en-US" altLang="ko-KR" dirty="0"/>
             </a:p>
           </p:txBody>
         </p:sp>
-        <p:grpSp>
-          <p:nvGrpSpPr>
-            <p:cNvPr id="14" name="그룹 13">
+        <p:sp>
+          <p:nvSpPr>
+            <p:cNvPr id="54" name="직사각형 53">
               <a:extLst>
                 <a:ext uri="{FF2B5EF4-FFF2-40B4-BE49-F238E27FC236}">
-                  <a16:creationId xmlns:a16="http://schemas.microsoft.com/office/drawing/2014/main" id="{6A4B97C1-140D-4C49-BE4D-069B6DD1E095}"/>
-                </a:ext>
-              </a:extLst>
-            </p:cNvPr>
-            <p:cNvGrpSpPr/>
-            <p:nvPr/>
-          </p:nvGrpSpPr>
-          <p:grpSpPr>
-            <a:xfrm>
-              <a:off x="2829513" y="2551099"/>
-              <a:ext cx="819428" cy="819428"/>
-              <a:chOff x="10593334" y="1801271"/>
-              <a:chExt cx="819428" cy="819428"/>
-            </a:xfrm>
-          </p:grpSpPr>
-          <p:sp>
-            <p:nvSpPr>
-              <p:cNvPr id="15" name="직사각형 14">
-                <a:extLst>
-                  <a:ext uri="{FF2B5EF4-FFF2-40B4-BE49-F238E27FC236}">
-                    <a16:creationId xmlns:a16="http://schemas.microsoft.com/office/drawing/2014/main" id="{47F6A165-4DDD-46FF-A656-73766235EC15}"/>
-                  </a:ext>
-                </a:extLst>
-              </p:cNvPr>
-              <p:cNvSpPr/>
-              <p:nvPr/>
-            </p:nvSpPr>
-            <p:spPr>
-              <a:xfrm>
-                <a:off x="10593334" y="1801271"/>
-                <a:ext cx="819428" cy="819428"/>
-              </a:xfrm>
-              <a:prstGeom prst="rect">
-                <a:avLst/>
-              </a:prstGeom>
-            </p:spPr>
-            <p:style>
-              <a:lnRef idx="2">
-                <a:schemeClr val="accent3"/>
-              </a:lnRef>
-              <a:fillRef idx="1">
-                <a:schemeClr val="lt1"/>
-              </a:fillRef>
-              <a:effectRef idx="0">
-                <a:schemeClr val="accent3"/>
-              </a:effectRef>
-              <a:fontRef idx="minor">
-                <a:schemeClr val="dk1"/>
-              </a:fontRef>
-            </p:style>
-            <p:txBody>
-              <a:bodyPr rtlCol="0" anchor="ctr"/>
-              <a:lstStyle/>
-              <a:p>
-                <a:pPr algn="ctr"/>
-                <a:endParaRPr lang="ko-KR" altLang="en-US"/>
-              </a:p>
-            </p:txBody>
-          </p:sp>
-          <p:pic>
-            <p:nvPicPr>
-              <p:cNvPr id="16" name="그래픽 15" descr="카메라">
-                <a:extLst>
-                  <a:ext uri="{FF2B5EF4-FFF2-40B4-BE49-F238E27FC236}">
-                    <a16:creationId xmlns:a16="http://schemas.microsoft.com/office/drawing/2014/main" id="{4DBC8A5E-12D4-4221-9AB4-58FB792F8DE6}"/>
-                  </a:ext>
-                </a:extLst>
-              </p:cNvPr>
-              <p:cNvPicPr>
-                <a:picLocks noChangeAspect="1"/>
-              </p:cNvPicPr>
-              <p:nvPr/>
-            </p:nvPicPr>
-            <p:blipFill>
-              <a:blip r:embed="rId2">
-                <a:extLst>
-                  <a:ext uri="{28A0092B-C50C-407E-A947-70E740481C1C}">
-                    <a14:useLocalDpi xmlns:a14="http://schemas.microsoft.com/office/drawing/2010/main" val="0"/>
-                  </a:ext>
-                  <a:ext uri="{96DAC541-7B7A-43D3-8B79-37D633B846F1}">
-                    <asvg:svgBlip xmlns:asvg="http://schemas.microsoft.com/office/drawing/2016/SVG/main" r:embed="rId3"/>
-                  </a:ext>
-                </a:extLst>
-              </a:blip>
-              <a:stretch>
-                <a:fillRect/>
-              </a:stretch>
-            </p:blipFill>
-            <p:spPr>
-              <a:xfrm>
-                <a:off x="10728627" y="1920917"/>
-                <a:ext cx="548842" cy="548842"/>
-              </a:xfrm>
-              <a:prstGeom prst="rect">
-                <a:avLst/>
-              </a:prstGeom>
-            </p:spPr>
-          </p:pic>
-        </p:grpSp>
-      </p:grpSp>
-      <p:sp>
-        <p:nvSpPr>
-          <p:cNvPr id="17" name="사각형: 둥근 모서리 16">
-            <a:extLst>
-              <a:ext uri="{FF2B5EF4-FFF2-40B4-BE49-F238E27FC236}">
-                <a16:creationId xmlns:a16="http://schemas.microsoft.com/office/drawing/2014/main" id="{F6D15A87-7BC1-41A6-ACB4-A7BB1FD65DC7}"/>
-              </a:ext>
-            </a:extLst>
-          </p:cNvPr>
-          <p:cNvSpPr/>
-          <p:nvPr/>
-        </p:nvSpPr>
-        <p:spPr>
-          <a:xfrm>
-            <a:off x="4333527" y="2653131"/>
-            <a:ext cx="1189665" cy="402023"/>
-          </a:xfrm>
-          <a:prstGeom prst="roundRect">
-            <a:avLst/>
-          </a:prstGeom>
-        </p:spPr>
-        <p:style>
-          <a:lnRef idx="2">
-            <a:schemeClr val="accent1">
-              <a:shade val="50000"/>
-            </a:schemeClr>
-          </a:lnRef>
-          <a:fillRef idx="1">
-            <a:schemeClr val="accent1"/>
-          </a:fillRef>
-          <a:effectRef idx="0">
-            <a:schemeClr val="accent1"/>
-          </a:effectRef>
-          <a:fontRef idx="minor">
-            <a:schemeClr val="lt1"/>
-          </a:fontRef>
-        </p:style>
-        <p:txBody>
-          <a:bodyPr rtlCol="0" anchor="ctr"/>
-          <a:lstStyle/>
-          <a:p>
-            <a:pPr algn="ctr"/>
-            <a:r>
-              <a:rPr lang="ko-KR" altLang="en-US" sz="1400" dirty="0"/>
-              <a:t>확 인</a:t>
-            </a:r>
-          </a:p>
-        </p:txBody>
-      </p:sp>
-      <p:grpSp>
-        <p:nvGrpSpPr>
-          <p:cNvPr id="18" name="그룹 17">
-            <a:extLst>
-              <a:ext uri="{FF2B5EF4-FFF2-40B4-BE49-F238E27FC236}">
-                <a16:creationId xmlns:a16="http://schemas.microsoft.com/office/drawing/2014/main" id="{6EBA0ED5-AA8D-437B-921F-021596F33725}"/>
-              </a:ext>
-            </a:extLst>
-          </p:cNvPr>
-          <p:cNvGrpSpPr/>
-          <p:nvPr/>
-        </p:nvGrpSpPr>
-        <p:grpSpPr>
-          <a:xfrm>
-            <a:off x="6787113" y="273620"/>
-            <a:ext cx="2494312" cy="2907075"/>
-            <a:chOff x="1238120" y="2050478"/>
-            <a:chExt cx="2494312" cy="2907075"/>
-          </a:xfrm>
-        </p:grpSpPr>
-        <p:sp>
-          <p:nvSpPr>
-            <p:cNvPr id="19" name="직사각형 18">
-              <a:extLst>
-                <a:ext uri="{FF2B5EF4-FFF2-40B4-BE49-F238E27FC236}">
-                  <a16:creationId xmlns:a16="http://schemas.microsoft.com/office/drawing/2014/main" id="{F8979C0F-506B-4A0C-9863-53940FF65348}"/>
+                  <a16:creationId xmlns:a16="http://schemas.microsoft.com/office/drawing/2014/main" id="{61C1B1F5-BAFF-4BE7-9E77-EFB8C371A102}"/>
                 </a:ext>
               </a:extLst>
             </p:cNvPr>
@@ -13040,341 +14249,42 @@
           </p:nvSpPr>
           <p:spPr>
             <a:xfrm>
-              <a:off x="1238120" y="2050478"/>
-              <a:ext cx="2494312" cy="2907075"/>
+              <a:off x="7323589" y="4177926"/>
+              <a:ext cx="1739052" cy="201127"/>
             </a:xfrm>
             <a:prstGeom prst="rect">
               <a:avLst/>
             </a:prstGeom>
-            <a:ln/>
           </p:spPr>
           <p:style>
-            <a:lnRef idx="1">
-              <a:schemeClr val="accent3"/>
+            <a:lnRef idx="2">
+              <a:schemeClr val="accent5"/>
             </a:lnRef>
-            <a:fillRef idx="2">
-              <a:schemeClr val="accent3"/>
+            <a:fillRef idx="1">
+              <a:schemeClr val="lt1"/>
             </a:fillRef>
-            <a:effectRef idx="1">
-              <a:schemeClr val="accent3"/>
+            <a:effectRef idx="0">
+              <a:schemeClr val="accent5"/>
             </a:effectRef>
             <a:fontRef idx="minor">
               <a:schemeClr val="dk1"/>
             </a:fontRef>
           </p:style>
           <p:txBody>
-            <a:bodyPr rtlCol="0" anchor="t" anchorCtr="0"/>
+            <a:bodyPr rtlCol="0" anchor="ctr"/>
             <a:lstStyle/>
             <a:p>
-              <a:pPr algn="ctr">
-                <a:lnSpc>
-                  <a:spcPct val="150000"/>
-                </a:lnSpc>
-              </a:pPr>
-              <a:r>
-                <a:rPr lang="ko-KR" altLang="en-US" dirty="0"/>
-                <a:t>주관식</a:t>
-              </a:r>
-              <a:r>
-                <a:rPr lang="en-US" altLang="ko-KR" dirty="0"/>
-                <a:t> </a:t>
-              </a:r>
-              <a:r>
-                <a:rPr lang="ko-KR" altLang="en-US" dirty="0"/>
-                <a:t>퀴즈</a:t>
-              </a:r>
-              <a:endParaRPr lang="en-US" altLang="ko-KR" dirty="0"/>
-            </a:p>
-            <a:p>
-              <a:pPr>
-                <a:lnSpc>
-                  <a:spcPct val="150000"/>
-                </a:lnSpc>
-              </a:pPr>
-              <a:r>
-                <a:rPr lang="en-US" altLang="ko-KR" sz="1200" dirty="0"/>
-                <a:t>Title:</a:t>
-              </a:r>
-            </a:p>
-            <a:p>
-              <a:pPr>
-                <a:lnSpc>
-                  <a:spcPct val="150000"/>
-                </a:lnSpc>
-              </a:pPr>
-              <a:r>
-                <a:rPr lang="ko-KR" altLang="en-US" sz="1200" dirty="0"/>
-                <a:t>내용</a:t>
-              </a:r>
-              <a:r>
-                <a:rPr lang="en-US" altLang="ko-KR" sz="1200" dirty="0"/>
-                <a:t>:</a:t>
-              </a:r>
-            </a:p>
-            <a:p>
-              <a:pPr>
-                <a:lnSpc>
-                  <a:spcPct val="150000"/>
-                </a:lnSpc>
-              </a:pPr>
-              <a:endParaRPr lang="en-US" altLang="ko-KR" sz="1200" dirty="0"/>
-            </a:p>
-            <a:p>
-              <a:pPr>
-                <a:lnSpc>
-                  <a:spcPct val="150000"/>
-                </a:lnSpc>
-              </a:pPr>
-              <a:endParaRPr lang="en-US" altLang="ko-KR" sz="1200" dirty="0"/>
-            </a:p>
-            <a:p>
-              <a:pPr>
-                <a:lnSpc>
-                  <a:spcPct val="150000"/>
-                </a:lnSpc>
-              </a:pPr>
-              <a:endParaRPr lang="en-US" altLang="ko-KR" sz="1200" dirty="0"/>
-            </a:p>
-            <a:p>
-              <a:pPr>
-                <a:lnSpc>
-                  <a:spcPct val="150000"/>
-                </a:lnSpc>
-              </a:pPr>
-              <a:r>
-                <a:rPr lang="ko-KR" altLang="en-US" sz="1200" dirty="0"/>
-                <a:t>답</a:t>
-              </a:r>
-              <a:r>
-                <a:rPr lang="en-US" altLang="ko-KR" sz="1200" dirty="0"/>
-                <a:t>:        / </a:t>
-              </a:r>
-              <a:r>
-                <a:rPr lang="ko-KR" altLang="en-US" sz="1200" dirty="0"/>
-                <a:t>점수</a:t>
-              </a:r>
-              <a:r>
-                <a:rPr lang="en-US" altLang="ko-KR" sz="1200" dirty="0"/>
-                <a:t>(4</a:t>
-              </a:r>
-              <a:r>
-                <a:rPr lang="ko-KR" altLang="en-US" sz="1200" dirty="0"/>
-                <a:t>점</a:t>
-              </a:r>
-              <a:r>
-                <a:rPr lang="en-US" altLang="ko-KR" sz="1200" dirty="0"/>
-                <a:t>)</a:t>
-              </a:r>
-            </a:p>
-            <a:p>
-              <a:pPr>
-                <a:lnSpc>
-                  <a:spcPct val="150000"/>
-                </a:lnSpc>
-              </a:pPr>
-              <a:endParaRPr lang="en-US" altLang="ko-KR" sz="1200" dirty="0"/>
-            </a:p>
-            <a:p>
-              <a:pPr>
-                <a:lnSpc>
-                  <a:spcPct val="150000"/>
-                </a:lnSpc>
-              </a:pPr>
-              <a:endParaRPr lang="en-US" altLang="ko-KR" sz="1200" dirty="0"/>
-            </a:p>
-            <a:p>
-              <a:pPr>
-                <a:lnSpc>
-                  <a:spcPct val="150000"/>
-                </a:lnSpc>
-              </a:pPr>
-              <a:endParaRPr lang="en-US" altLang="ko-KR" sz="1600" dirty="0"/>
-            </a:p>
-            <a:p>
-              <a:endParaRPr lang="en-US" altLang="ko-KR" dirty="0"/>
+              <a:pPr algn="ctr"/>
+              <a:endParaRPr lang="ko-KR" altLang="en-US"/>
             </a:p>
           </p:txBody>
         </p:sp>
-        <p:grpSp>
-          <p:nvGrpSpPr>
-            <p:cNvPr id="20" name="그룹 19">
+        <p:sp>
+          <p:nvSpPr>
+            <p:cNvPr id="55" name="순서도: 병합 54">
               <a:extLst>
                 <a:ext uri="{FF2B5EF4-FFF2-40B4-BE49-F238E27FC236}">
-                  <a16:creationId xmlns:a16="http://schemas.microsoft.com/office/drawing/2014/main" id="{4230854E-BC6A-451A-BD7B-78A4A6A143FB}"/>
-                </a:ext>
-              </a:extLst>
-            </p:cNvPr>
-            <p:cNvGrpSpPr/>
-            <p:nvPr/>
-          </p:nvGrpSpPr>
-          <p:grpSpPr>
-            <a:xfrm>
-              <a:off x="2829513" y="2551099"/>
-              <a:ext cx="819428" cy="819428"/>
-              <a:chOff x="10593334" y="1801271"/>
-              <a:chExt cx="819428" cy="819428"/>
-            </a:xfrm>
-          </p:grpSpPr>
-          <p:sp>
-            <p:nvSpPr>
-              <p:cNvPr id="21" name="직사각형 20">
-                <a:extLst>
-                  <a:ext uri="{FF2B5EF4-FFF2-40B4-BE49-F238E27FC236}">
-                    <a16:creationId xmlns:a16="http://schemas.microsoft.com/office/drawing/2014/main" id="{EB8EE53F-14B8-4DB3-87E9-C78D99C71A31}"/>
-                  </a:ext>
-                </a:extLst>
-              </p:cNvPr>
-              <p:cNvSpPr/>
-              <p:nvPr/>
-            </p:nvSpPr>
-            <p:spPr>
-              <a:xfrm>
-                <a:off x="10593334" y="1801271"/>
-                <a:ext cx="819428" cy="819428"/>
-              </a:xfrm>
-              <a:prstGeom prst="rect">
-                <a:avLst/>
-              </a:prstGeom>
-            </p:spPr>
-            <p:style>
-              <a:lnRef idx="2">
-                <a:schemeClr val="accent3"/>
-              </a:lnRef>
-              <a:fillRef idx="1">
-                <a:schemeClr val="lt1"/>
-              </a:fillRef>
-              <a:effectRef idx="0">
-                <a:schemeClr val="accent3"/>
-              </a:effectRef>
-              <a:fontRef idx="minor">
-                <a:schemeClr val="dk1"/>
-              </a:fontRef>
-            </p:style>
-            <p:txBody>
-              <a:bodyPr rtlCol="0" anchor="ctr"/>
-              <a:lstStyle/>
-              <a:p>
-                <a:pPr algn="ctr"/>
-                <a:endParaRPr lang="ko-KR" altLang="en-US"/>
-              </a:p>
-            </p:txBody>
-          </p:sp>
-          <p:pic>
-            <p:nvPicPr>
-              <p:cNvPr id="22" name="그래픽 21" descr="카메라">
-                <a:extLst>
-                  <a:ext uri="{FF2B5EF4-FFF2-40B4-BE49-F238E27FC236}">
-                    <a16:creationId xmlns:a16="http://schemas.microsoft.com/office/drawing/2014/main" id="{B724B84E-46E8-4E67-822C-0AF027449DAF}"/>
-                  </a:ext>
-                </a:extLst>
-              </p:cNvPr>
-              <p:cNvPicPr>
-                <a:picLocks noChangeAspect="1"/>
-              </p:cNvPicPr>
-              <p:nvPr/>
-            </p:nvPicPr>
-            <p:blipFill>
-              <a:blip r:embed="rId2">
-                <a:extLst>
-                  <a:ext uri="{28A0092B-C50C-407E-A947-70E740481C1C}">
-                    <a14:useLocalDpi xmlns:a14="http://schemas.microsoft.com/office/drawing/2010/main" val="0"/>
-                  </a:ext>
-                  <a:ext uri="{96DAC541-7B7A-43D3-8B79-37D633B846F1}">
-                    <asvg:svgBlip xmlns:asvg="http://schemas.microsoft.com/office/drawing/2016/SVG/main" r:embed="rId3"/>
-                  </a:ext>
-                </a:extLst>
-              </a:blip>
-              <a:stretch>
-                <a:fillRect/>
-              </a:stretch>
-            </p:blipFill>
-            <p:spPr>
-              <a:xfrm>
-                <a:off x="10728627" y="1920917"/>
-                <a:ext cx="548842" cy="548842"/>
-              </a:xfrm>
-              <a:prstGeom prst="rect">
-                <a:avLst/>
-              </a:prstGeom>
-            </p:spPr>
-          </p:pic>
-        </p:grpSp>
-      </p:grpSp>
-      <p:sp>
-        <p:nvSpPr>
-          <p:cNvPr id="23" name="사각형: 둥근 모서리 22">
-            <a:extLst>
-              <a:ext uri="{FF2B5EF4-FFF2-40B4-BE49-F238E27FC236}">
-                <a16:creationId xmlns:a16="http://schemas.microsoft.com/office/drawing/2014/main" id="{54B5F61D-265C-4677-A81A-63996E4900D7}"/>
-              </a:ext>
-            </a:extLst>
-          </p:cNvPr>
-          <p:cNvSpPr/>
-          <p:nvPr/>
-        </p:nvSpPr>
-        <p:spPr>
-          <a:xfrm>
-            <a:off x="7439436" y="2653131"/>
-            <a:ext cx="1189665" cy="402023"/>
-          </a:xfrm>
-          <a:prstGeom prst="roundRect">
-            <a:avLst/>
-          </a:prstGeom>
-        </p:spPr>
-        <p:style>
-          <a:lnRef idx="2">
-            <a:schemeClr val="accent1">
-              <a:shade val="50000"/>
-            </a:schemeClr>
-          </a:lnRef>
-          <a:fillRef idx="1">
-            <a:schemeClr val="accent1"/>
-          </a:fillRef>
-          <a:effectRef idx="0">
-            <a:schemeClr val="accent1"/>
-          </a:effectRef>
-          <a:fontRef idx="minor">
-            <a:schemeClr val="lt1"/>
-          </a:fontRef>
-        </p:style>
-        <p:txBody>
-          <a:bodyPr rtlCol="0" anchor="ctr"/>
-          <a:lstStyle/>
-          <a:p>
-            <a:pPr algn="ctr"/>
-            <a:r>
-              <a:rPr lang="ko-KR" altLang="en-US" sz="1400" dirty="0"/>
-              <a:t>확 인</a:t>
-            </a:r>
-          </a:p>
-        </p:txBody>
-      </p:sp>
-      <p:grpSp>
-        <p:nvGrpSpPr>
-          <p:cNvPr id="30" name="그룹 29">
-            <a:extLst>
-              <a:ext uri="{FF2B5EF4-FFF2-40B4-BE49-F238E27FC236}">
-                <a16:creationId xmlns:a16="http://schemas.microsoft.com/office/drawing/2014/main" id="{A15EA46D-D5A1-4DF1-A0B6-D82851AEA126}"/>
-              </a:ext>
-            </a:extLst>
-          </p:cNvPr>
-          <p:cNvGrpSpPr/>
-          <p:nvPr/>
-        </p:nvGrpSpPr>
-        <p:grpSpPr>
-          <a:xfrm>
-            <a:off x="659769" y="3677306"/>
-            <a:ext cx="2494312" cy="2907075"/>
-            <a:chOff x="1238120" y="2050478"/>
-            <a:chExt cx="2494312" cy="2907075"/>
-          </a:xfrm>
-        </p:grpSpPr>
-        <p:sp>
-          <p:nvSpPr>
-            <p:cNvPr id="31" name="직사각형 30">
-              <a:extLst>
-                <a:ext uri="{FF2B5EF4-FFF2-40B4-BE49-F238E27FC236}">
-                  <a16:creationId xmlns:a16="http://schemas.microsoft.com/office/drawing/2014/main" id="{E8B4C5B7-8F8F-4DFC-9758-23D904A14487}"/>
+                  <a16:creationId xmlns:a16="http://schemas.microsoft.com/office/drawing/2014/main" id="{517ACBC8-C507-499E-98CC-8C01A8C1B6C4}"/>
                 </a:ext>
               </a:extLst>
             </p:cNvPr>
@@ -13383,771 +14293,39 @@
           </p:nvSpPr>
           <p:spPr>
             <a:xfrm>
-              <a:off x="1238120" y="2050478"/>
-              <a:ext cx="2494312" cy="2907075"/>
+              <a:off x="8874513" y="4231423"/>
+              <a:ext cx="110096" cy="77153"/>
             </a:xfrm>
-            <a:prstGeom prst="rect">
+            <a:prstGeom prst="flowChartMerge">
               <a:avLst/>
             </a:prstGeom>
-            <a:ln/>
           </p:spPr>
           <p:style>
-            <a:lnRef idx="1">
-              <a:schemeClr val="accent3"/>
+            <a:lnRef idx="2">
+              <a:schemeClr val="accent1">
+                <a:shade val="50000"/>
+              </a:schemeClr>
             </a:lnRef>
-            <a:fillRef idx="2">
-              <a:schemeClr val="accent3"/>
+            <a:fillRef idx="1">
+              <a:schemeClr val="accent1"/>
             </a:fillRef>
-            <a:effectRef idx="1">
-              <a:schemeClr val="accent3"/>
+            <a:effectRef idx="0">
+              <a:schemeClr val="accent1"/>
             </a:effectRef>
             <a:fontRef idx="minor">
-              <a:schemeClr val="dk1"/>
+              <a:schemeClr val="lt1"/>
             </a:fontRef>
           </p:style>
           <p:txBody>
-            <a:bodyPr rtlCol="0" anchor="t" anchorCtr="0"/>
+            <a:bodyPr rtlCol="0" anchor="ctr"/>
             <a:lstStyle/>
             <a:p>
-              <a:pPr algn="ctr">
-                <a:lnSpc>
-                  <a:spcPct val="150000"/>
-                </a:lnSpc>
-              </a:pPr>
-              <a:r>
-                <a:rPr lang="en-US" altLang="ko-KR" dirty="0"/>
-                <a:t>Head</a:t>
-              </a:r>
-            </a:p>
-            <a:p>
-              <a:pPr>
-                <a:lnSpc>
-                  <a:spcPct val="150000"/>
-                </a:lnSpc>
-              </a:pPr>
-              <a:r>
-                <a:rPr lang="en-US" altLang="ko-KR" sz="1200" dirty="0"/>
-                <a:t>Title:</a:t>
-              </a:r>
-            </a:p>
-            <a:p>
-              <a:pPr>
-                <a:lnSpc>
-                  <a:spcPct val="150000"/>
-                </a:lnSpc>
-              </a:pPr>
-              <a:r>
-                <a:rPr lang="ko-KR" altLang="en-US" sz="1200" dirty="0"/>
-                <a:t>내용</a:t>
-              </a:r>
-              <a:r>
-                <a:rPr lang="en-US" altLang="ko-KR" sz="1200" dirty="0"/>
-                <a:t>:</a:t>
-              </a:r>
-            </a:p>
-            <a:p>
-              <a:pPr>
-                <a:lnSpc>
-                  <a:spcPct val="150000"/>
-                </a:lnSpc>
-              </a:pPr>
-              <a:endParaRPr lang="en-US" altLang="ko-KR" sz="1200" dirty="0"/>
-            </a:p>
-            <a:p>
-              <a:pPr>
-                <a:lnSpc>
-                  <a:spcPct val="150000"/>
-                </a:lnSpc>
-              </a:pPr>
-              <a:endParaRPr lang="en-US" altLang="ko-KR" sz="1200" dirty="0"/>
-            </a:p>
-            <a:p>
-              <a:pPr>
-                <a:lnSpc>
-                  <a:spcPct val="150000"/>
-                </a:lnSpc>
-              </a:pPr>
-              <a:endParaRPr lang="en-US" altLang="ko-KR" sz="1200" dirty="0"/>
-            </a:p>
-            <a:p>
-              <a:pPr>
-                <a:lnSpc>
-                  <a:spcPct val="150000"/>
-                </a:lnSpc>
-              </a:pPr>
-              <a:endParaRPr lang="en-US" altLang="ko-KR" sz="1600" dirty="0"/>
-            </a:p>
-            <a:p>
-              <a:endParaRPr lang="en-US" altLang="ko-KR" dirty="0"/>
+              <a:pPr algn="ctr"/>
+              <a:endParaRPr lang="ko-KR" altLang="en-US"/>
             </a:p>
           </p:txBody>
         </p:sp>
-        <p:grpSp>
-          <p:nvGrpSpPr>
-            <p:cNvPr id="32" name="그룹 31">
-              <a:extLst>
-                <a:ext uri="{FF2B5EF4-FFF2-40B4-BE49-F238E27FC236}">
-                  <a16:creationId xmlns:a16="http://schemas.microsoft.com/office/drawing/2014/main" id="{628DD693-295E-44FC-A892-2B0735A501FE}"/>
-                </a:ext>
-              </a:extLst>
-            </p:cNvPr>
-            <p:cNvGrpSpPr/>
-            <p:nvPr/>
-          </p:nvGrpSpPr>
-          <p:grpSpPr>
-            <a:xfrm>
-              <a:off x="2829513" y="2551099"/>
-              <a:ext cx="819428" cy="819428"/>
-              <a:chOff x="10593334" y="1801271"/>
-              <a:chExt cx="819428" cy="819428"/>
-            </a:xfrm>
-          </p:grpSpPr>
-          <p:sp>
-            <p:nvSpPr>
-              <p:cNvPr id="33" name="직사각형 32">
-                <a:extLst>
-                  <a:ext uri="{FF2B5EF4-FFF2-40B4-BE49-F238E27FC236}">
-                    <a16:creationId xmlns:a16="http://schemas.microsoft.com/office/drawing/2014/main" id="{078B1E5C-D064-4B4D-B03A-08646C97F6D7}"/>
-                  </a:ext>
-                </a:extLst>
-              </p:cNvPr>
-              <p:cNvSpPr/>
-              <p:nvPr/>
-            </p:nvSpPr>
-            <p:spPr>
-              <a:xfrm>
-                <a:off x="10593334" y="1801271"/>
-                <a:ext cx="819428" cy="819428"/>
-              </a:xfrm>
-              <a:prstGeom prst="rect">
-                <a:avLst/>
-              </a:prstGeom>
-            </p:spPr>
-            <p:style>
-              <a:lnRef idx="2">
-                <a:schemeClr val="accent3"/>
-              </a:lnRef>
-              <a:fillRef idx="1">
-                <a:schemeClr val="lt1"/>
-              </a:fillRef>
-              <a:effectRef idx="0">
-                <a:schemeClr val="accent3"/>
-              </a:effectRef>
-              <a:fontRef idx="minor">
-                <a:schemeClr val="dk1"/>
-              </a:fontRef>
-            </p:style>
-            <p:txBody>
-              <a:bodyPr rtlCol="0" anchor="ctr"/>
-              <a:lstStyle/>
-              <a:p>
-                <a:pPr algn="ctr"/>
-                <a:endParaRPr lang="ko-KR" altLang="en-US"/>
-              </a:p>
-            </p:txBody>
-          </p:sp>
-          <p:pic>
-            <p:nvPicPr>
-              <p:cNvPr id="34" name="그래픽 33" descr="카메라">
-                <a:extLst>
-                  <a:ext uri="{FF2B5EF4-FFF2-40B4-BE49-F238E27FC236}">
-                    <a16:creationId xmlns:a16="http://schemas.microsoft.com/office/drawing/2014/main" id="{40FE30C9-AB81-4FD3-9625-27FC86BB0BA5}"/>
-                  </a:ext>
-                </a:extLst>
-              </p:cNvPr>
-              <p:cNvPicPr>
-                <a:picLocks noChangeAspect="1"/>
-              </p:cNvPicPr>
-              <p:nvPr/>
-            </p:nvPicPr>
-            <p:blipFill>
-              <a:blip r:embed="rId2">
-                <a:extLst>
-                  <a:ext uri="{28A0092B-C50C-407E-A947-70E740481C1C}">
-                    <a14:useLocalDpi xmlns:a14="http://schemas.microsoft.com/office/drawing/2010/main" val="0"/>
-                  </a:ext>
-                  <a:ext uri="{96DAC541-7B7A-43D3-8B79-37D633B846F1}">
-                    <asvg:svgBlip xmlns:asvg="http://schemas.microsoft.com/office/drawing/2016/SVG/main" r:embed="rId3"/>
-                  </a:ext>
-                </a:extLst>
-              </a:blip>
-              <a:stretch>
-                <a:fillRect/>
-              </a:stretch>
-            </p:blipFill>
-            <p:spPr>
-              <a:xfrm>
-                <a:off x="10728627" y="1920917"/>
-                <a:ext cx="548842" cy="548842"/>
-              </a:xfrm>
-              <a:prstGeom prst="rect">
-                <a:avLst/>
-              </a:prstGeom>
-            </p:spPr>
-          </p:pic>
-        </p:grpSp>
       </p:grpSp>
-      <p:sp>
-        <p:nvSpPr>
-          <p:cNvPr id="35" name="사각형: 둥근 모서리 34">
-            <a:extLst>
-              <a:ext uri="{FF2B5EF4-FFF2-40B4-BE49-F238E27FC236}">
-                <a16:creationId xmlns:a16="http://schemas.microsoft.com/office/drawing/2014/main" id="{864B8692-FC8C-4594-83CC-C8667306272C}"/>
-              </a:ext>
-            </a:extLst>
-          </p:cNvPr>
-          <p:cNvSpPr/>
-          <p:nvPr/>
-        </p:nvSpPr>
-        <p:spPr>
-          <a:xfrm>
-            <a:off x="1312092" y="6056817"/>
-            <a:ext cx="1189665" cy="402023"/>
-          </a:xfrm>
-          <a:prstGeom prst="roundRect">
-            <a:avLst/>
-          </a:prstGeom>
-        </p:spPr>
-        <p:style>
-          <a:lnRef idx="2">
-            <a:schemeClr val="accent1">
-              <a:shade val="50000"/>
-            </a:schemeClr>
-          </a:lnRef>
-          <a:fillRef idx="1">
-            <a:schemeClr val="accent1"/>
-          </a:fillRef>
-          <a:effectRef idx="0">
-            <a:schemeClr val="accent1"/>
-          </a:effectRef>
-          <a:fontRef idx="minor">
-            <a:schemeClr val="lt1"/>
-          </a:fontRef>
-        </p:style>
-        <p:txBody>
-          <a:bodyPr rtlCol="0" anchor="ctr"/>
-          <a:lstStyle/>
-          <a:p>
-            <a:pPr algn="ctr"/>
-            <a:r>
-              <a:rPr lang="ko-KR" altLang="en-US" sz="1400" dirty="0"/>
-              <a:t>확 인</a:t>
-            </a:r>
-          </a:p>
-        </p:txBody>
-      </p:sp>
-      <p:grpSp>
-        <p:nvGrpSpPr>
-          <p:cNvPr id="36" name="그룹 35">
-            <a:extLst>
-              <a:ext uri="{FF2B5EF4-FFF2-40B4-BE49-F238E27FC236}">
-                <a16:creationId xmlns:a16="http://schemas.microsoft.com/office/drawing/2014/main" id="{E42D369B-C8B5-40C4-B877-D86B435A01CF}"/>
-              </a:ext>
-            </a:extLst>
-          </p:cNvPr>
-          <p:cNvGrpSpPr/>
-          <p:nvPr/>
-        </p:nvGrpSpPr>
-        <p:grpSpPr>
-          <a:xfrm>
-            <a:off x="3681203" y="3677305"/>
-            <a:ext cx="2494312" cy="2907075"/>
-            <a:chOff x="1238120" y="2050478"/>
-            <a:chExt cx="2494312" cy="2907075"/>
-          </a:xfrm>
-        </p:grpSpPr>
-        <p:sp>
-          <p:nvSpPr>
-            <p:cNvPr id="37" name="직사각형 36">
-              <a:extLst>
-                <a:ext uri="{FF2B5EF4-FFF2-40B4-BE49-F238E27FC236}">
-                  <a16:creationId xmlns:a16="http://schemas.microsoft.com/office/drawing/2014/main" id="{6913530F-F012-4FAF-AE02-F3CE63845A8A}"/>
-                </a:ext>
-              </a:extLst>
-            </p:cNvPr>
-            <p:cNvSpPr/>
-            <p:nvPr/>
-          </p:nvSpPr>
-          <p:spPr>
-            <a:xfrm>
-              <a:off x="1238120" y="2050478"/>
-              <a:ext cx="2494312" cy="2907075"/>
-            </a:xfrm>
-            <a:prstGeom prst="rect">
-              <a:avLst/>
-            </a:prstGeom>
-            <a:ln/>
-          </p:spPr>
-          <p:style>
-            <a:lnRef idx="1">
-              <a:schemeClr val="accent3"/>
-            </a:lnRef>
-            <a:fillRef idx="2">
-              <a:schemeClr val="accent3"/>
-            </a:fillRef>
-            <a:effectRef idx="1">
-              <a:schemeClr val="accent3"/>
-            </a:effectRef>
-            <a:fontRef idx="minor">
-              <a:schemeClr val="dk1"/>
-            </a:fontRef>
-          </p:style>
-          <p:txBody>
-            <a:bodyPr rtlCol="0" anchor="t" anchorCtr="0"/>
-            <a:lstStyle/>
-            <a:p>
-              <a:pPr algn="ctr">
-                <a:lnSpc>
-                  <a:spcPct val="150000"/>
-                </a:lnSpc>
-              </a:pPr>
-              <a:r>
-                <a:rPr lang="en-US" altLang="ko-KR" dirty="0"/>
-                <a:t>Body</a:t>
-              </a:r>
-            </a:p>
-            <a:p>
-              <a:pPr>
-                <a:lnSpc>
-                  <a:spcPct val="150000"/>
-                </a:lnSpc>
-              </a:pPr>
-              <a:r>
-                <a:rPr lang="en-US" altLang="ko-KR" sz="1200" dirty="0"/>
-                <a:t>Before:</a:t>
-              </a:r>
-            </a:p>
-            <a:p>
-              <a:pPr>
-                <a:lnSpc>
-                  <a:spcPct val="150000"/>
-                </a:lnSpc>
-              </a:pPr>
-              <a:r>
-                <a:rPr lang="ko-KR" altLang="en-US" sz="1200" dirty="0"/>
-                <a:t>내용</a:t>
-              </a:r>
-              <a:r>
-                <a:rPr lang="en-US" altLang="ko-KR" sz="1200" dirty="0"/>
-                <a:t>:</a:t>
-              </a:r>
-            </a:p>
-            <a:p>
-              <a:pPr>
-                <a:lnSpc>
-                  <a:spcPct val="150000"/>
-                </a:lnSpc>
-              </a:pPr>
-              <a:endParaRPr lang="en-US" altLang="ko-KR" sz="1200" dirty="0"/>
-            </a:p>
-            <a:p>
-              <a:pPr>
-                <a:lnSpc>
-                  <a:spcPct val="150000"/>
-                </a:lnSpc>
-              </a:pPr>
-              <a:endParaRPr lang="en-US" altLang="ko-KR" sz="1200" dirty="0"/>
-            </a:p>
-            <a:p>
-              <a:pPr>
-                <a:lnSpc>
-                  <a:spcPct val="150000"/>
-                </a:lnSpc>
-              </a:pPr>
-              <a:endParaRPr lang="en-US" altLang="ko-KR" sz="1200" dirty="0"/>
-            </a:p>
-            <a:p>
-              <a:pPr>
-                <a:lnSpc>
-                  <a:spcPct val="150000"/>
-                </a:lnSpc>
-              </a:pPr>
-              <a:endParaRPr lang="en-US" altLang="ko-KR" sz="1600" dirty="0"/>
-            </a:p>
-            <a:p>
-              <a:endParaRPr lang="en-US" altLang="ko-KR" dirty="0"/>
-            </a:p>
-          </p:txBody>
-        </p:sp>
-        <p:grpSp>
-          <p:nvGrpSpPr>
-            <p:cNvPr id="38" name="그룹 37">
-              <a:extLst>
-                <a:ext uri="{FF2B5EF4-FFF2-40B4-BE49-F238E27FC236}">
-                  <a16:creationId xmlns:a16="http://schemas.microsoft.com/office/drawing/2014/main" id="{773A2833-F0CD-4775-969E-D50302F8AD1B}"/>
-                </a:ext>
-              </a:extLst>
-            </p:cNvPr>
-            <p:cNvGrpSpPr/>
-            <p:nvPr/>
-          </p:nvGrpSpPr>
-          <p:grpSpPr>
-            <a:xfrm>
-              <a:off x="2829513" y="2551099"/>
-              <a:ext cx="819428" cy="819428"/>
-              <a:chOff x="10593334" y="1801271"/>
-              <a:chExt cx="819428" cy="819428"/>
-            </a:xfrm>
-          </p:grpSpPr>
-          <p:sp>
-            <p:nvSpPr>
-              <p:cNvPr id="39" name="직사각형 38">
-                <a:extLst>
-                  <a:ext uri="{FF2B5EF4-FFF2-40B4-BE49-F238E27FC236}">
-                    <a16:creationId xmlns:a16="http://schemas.microsoft.com/office/drawing/2014/main" id="{CA98B3D3-C567-4FE9-B957-7FBC1D22A2E7}"/>
-                  </a:ext>
-                </a:extLst>
-              </p:cNvPr>
-              <p:cNvSpPr/>
-              <p:nvPr/>
-            </p:nvSpPr>
-            <p:spPr>
-              <a:xfrm>
-                <a:off x="10593334" y="1801271"/>
-                <a:ext cx="819428" cy="819428"/>
-              </a:xfrm>
-              <a:prstGeom prst="rect">
-                <a:avLst/>
-              </a:prstGeom>
-            </p:spPr>
-            <p:style>
-              <a:lnRef idx="2">
-                <a:schemeClr val="accent3"/>
-              </a:lnRef>
-              <a:fillRef idx="1">
-                <a:schemeClr val="lt1"/>
-              </a:fillRef>
-              <a:effectRef idx="0">
-                <a:schemeClr val="accent3"/>
-              </a:effectRef>
-              <a:fontRef idx="minor">
-                <a:schemeClr val="dk1"/>
-              </a:fontRef>
-            </p:style>
-            <p:txBody>
-              <a:bodyPr rtlCol="0" anchor="ctr"/>
-              <a:lstStyle/>
-              <a:p>
-                <a:pPr algn="ctr"/>
-                <a:endParaRPr lang="ko-KR" altLang="en-US"/>
-              </a:p>
-            </p:txBody>
-          </p:sp>
-          <p:pic>
-            <p:nvPicPr>
-              <p:cNvPr id="40" name="그래픽 39" descr="카메라">
-                <a:extLst>
-                  <a:ext uri="{FF2B5EF4-FFF2-40B4-BE49-F238E27FC236}">
-                    <a16:creationId xmlns:a16="http://schemas.microsoft.com/office/drawing/2014/main" id="{FB7F94CE-D1EF-4B18-AFF5-3AE09F6F5590}"/>
-                  </a:ext>
-                </a:extLst>
-              </p:cNvPr>
-              <p:cNvPicPr>
-                <a:picLocks noChangeAspect="1"/>
-              </p:cNvPicPr>
-              <p:nvPr/>
-            </p:nvPicPr>
-            <p:blipFill>
-              <a:blip r:embed="rId2">
-                <a:extLst>
-                  <a:ext uri="{28A0092B-C50C-407E-A947-70E740481C1C}">
-                    <a14:useLocalDpi xmlns:a14="http://schemas.microsoft.com/office/drawing/2010/main" val="0"/>
-                  </a:ext>
-                  <a:ext uri="{96DAC541-7B7A-43D3-8B79-37D633B846F1}">
-                    <asvg:svgBlip xmlns:asvg="http://schemas.microsoft.com/office/drawing/2016/SVG/main" r:embed="rId3"/>
-                  </a:ext>
-                </a:extLst>
-              </a:blip>
-              <a:stretch>
-                <a:fillRect/>
-              </a:stretch>
-            </p:blipFill>
-            <p:spPr>
-              <a:xfrm>
-                <a:off x="10728627" y="1920917"/>
-                <a:ext cx="548842" cy="548842"/>
-              </a:xfrm>
-              <a:prstGeom prst="rect">
-                <a:avLst/>
-              </a:prstGeom>
-            </p:spPr>
-          </p:pic>
-        </p:grpSp>
-      </p:grpSp>
-      <p:sp>
-        <p:nvSpPr>
-          <p:cNvPr id="41" name="사각형: 둥근 모서리 40">
-            <a:extLst>
-              <a:ext uri="{FF2B5EF4-FFF2-40B4-BE49-F238E27FC236}">
-                <a16:creationId xmlns:a16="http://schemas.microsoft.com/office/drawing/2014/main" id="{FBDA8A38-4212-4525-989C-15DF7963FD9B}"/>
-              </a:ext>
-            </a:extLst>
-          </p:cNvPr>
-          <p:cNvSpPr/>
-          <p:nvPr/>
-        </p:nvSpPr>
-        <p:spPr>
-          <a:xfrm>
-            <a:off x="4333527" y="6047294"/>
-            <a:ext cx="1189665" cy="402023"/>
-          </a:xfrm>
-          <a:prstGeom prst="roundRect">
-            <a:avLst/>
-          </a:prstGeom>
-        </p:spPr>
-        <p:style>
-          <a:lnRef idx="2">
-            <a:schemeClr val="accent1">
-              <a:shade val="50000"/>
-            </a:schemeClr>
-          </a:lnRef>
-          <a:fillRef idx="1">
-            <a:schemeClr val="accent1"/>
-          </a:fillRef>
-          <a:effectRef idx="0">
-            <a:schemeClr val="accent1"/>
-          </a:effectRef>
-          <a:fontRef idx="minor">
-            <a:schemeClr val="lt1"/>
-          </a:fontRef>
-        </p:style>
-        <p:txBody>
-          <a:bodyPr rtlCol="0" anchor="ctr"/>
-          <a:lstStyle/>
-          <a:p>
-            <a:pPr algn="ctr"/>
-            <a:r>
-              <a:rPr lang="ko-KR" altLang="en-US" sz="1400" dirty="0"/>
-              <a:t>확 인</a:t>
-            </a:r>
-          </a:p>
-        </p:txBody>
-      </p:sp>
-      <p:sp>
-        <p:nvSpPr>
-          <p:cNvPr id="43" name="직사각형 42">
-            <a:extLst>
-              <a:ext uri="{FF2B5EF4-FFF2-40B4-BE49-F238E27FC236}">
-                <a16:creationId xmlns:a16="http://schemas.microsoft.com/office/drawing/2014/main" id="{7C5F7F37-8F99-4B29-B24E-39DAEA5B5B23}"/>
-              </a:ext>
-            </a:extLst>
-          </p:cNvPr>
-          <p:cNvSpPr/>
-          <p:nvPr/>
-        </p:nvSpPr>
-        <p:spPr>
-          <a:xfrm>
-            <a:off x="6787113" y="3677305"/>
-            <a:ext cx="2494312" cy="2907075"/>
-          </a:xfrm>
-          <a:prstGeom prst="rect">
-            <a:avLst/>
-          </a:prstGeom>
-          <a:ln/>
-        </p:spPr>
-        <p:style>
-          <a:lnRef idx="1">
-            <a:schemeClr val="accent3"/>
-          </a:lnRef>
-          <a:fillRef idx="2">
-            <a:schemeClr val="accent3"/>
-          </a:fillRef>
-          <a:effectRef idx="1">
-            <a:schemeClr val="accent3"/>
-          </a:effectRef>
-          <a:fontRef idx="minor">
-            <a:schemeClr val="dk1"/>
-          </a:fontRef>
-        </p:style>
-        <p:txBody>
-          <a:bodyPr rtlCol="0" anchor="t" anchorCtr="0"/>
-          <a:lstStyle/>
-          <a:p>
-            <a:pPr algn="ctr">
-              <a:lnSpc>
-                <a:spcPct val="150000"/>
-              </a:lnSpc>
-            </a:pPr>
-            <a:r>
-              <a:rPr lang="en-US" altLang="ko-KR" dirty="0"/>
-              <a:t>Tail</a:t>
-            </a:r>
-          </a:p>
-          <a:p>
-            <a:pPr>
-              <a:lnSpc>
-                <a:spcPct val="150000"/>
-              </a:lnSpc>
-            </a:pPr>
-            <a:r>
-              <a:rPr lang="ko-KR" altLang="en-US" sz="1200" dirty="0"/>
-              <a:t>선택</a:t>
-            </a:r>
-            <a:r>
-              <a:rPr lang="en-US" altLang="ko-KR" sz="1200" dirty="0"/>
-              <a:t>:</a:t>
-            </a:r>
-          </a:p>
-          <a:p>
-            <a:pPr>
-              <a:lnSpc>
-                <a:spcPct val="150000"/>
-              </a:lnSpc>
-            </a:pPr>
-            <a:endParaRPr lang="en-US" altLang="ko-KR" sz="1200" dirty="0"/>
-          </a:p>
-          <a:p>
-            <a:pPr>
-              <a:lnSpc>
-                <a:spcPct val="150000"/>
-              </a:lnSpc>
-            </a:pPr>
-            <a:endParaRPr lang="en-US" altLang="ko-KR" sz="1600" dirty="0"/>
-          </a:p>
-          <a:p>
-            <a:endParaRPr lang="en-US" altLang="ko-KR" dirty="0"/>
-          </a:p>
-        </p:txBody>
-      </p:sp>
-      <p:sp>
-        <p:nvSpPr>
-          <p:cNvPr id="47" name="사각형: 둥근 모서리 46">
-            <a:extLst>
-              <a:ext uri="{FF2B5EF4-FFF2-40B4-BE49-F238E27FC236}">
-                <a16:creationId xmlns:a16="http://schemas.microsoft.com/office/drawing/2014/main" id="{480CE1D4-6817-4C10-BED2-3FB72DA6DC6C}"/>
-              </a:ext>
-            </a:extLst>
-          </p:cNvPr>
-          <p:cNvSpPr/>
-          <p:nvPr/>
-        </p:nvSpPr>
-        <p:spPr>
-          <a:xfrm>
-            <a:off x="7439437" y="6047294"/>
-            <a:ext cx="1189665" cy="402023"/>
-          </a:xfrm>
-          <a:prstGeom prst="roundRect">
-            <a:avLst/>
-          </a:prstGeom>
-        </p:spPr>
-        <p:style>
-          <a:lnRef idx="2">
-            <a:schemeClr val="accent1">
-              <a:shade val="50000"/>
-            </a:schemeClr>
-          </a:lnRef>
-          <a:fillRef idx="1">
-            <a:schemeClr val="accent1"/>
-          </a:fillRef>
-          <a:effectRef idx="0">
-            <a:schemeClr val="accent1"/>
-          </a:effectRef>
-          <a:fontRef idx="minor">
-            <a:schemeClr val="lt1"/>
-          </a:fontRef>
-        </p:style>
-        <p:txBody>
-          <a:bodyPr rtlCol="0" anchor="ctr"/>
-          <a:lstStyle/>
-          <a:p>
-            <a:pPr algn="ctr"/>
-            <a:r>
-              <a:rPr lang="ko-KR" altLang="en-US" sz="1400" dirty="0"/>
-              <a:t>확 인</a:t>
-            </a:r>
-          </a:p>
-        </p:txBody>
-      </p:sp>
-      <p:sp>
-        <p:nvSpPr>
-          <p:cNvPr id="54" name="직사각형 53">
-            <a:extLst>
-              <a:ext uri="{FF2B5EF4-FFF2-40B4-BE49-F238E27FC236}">
-                <a16:creationId xmlns:a16="http://schemas.microsoft.com/office/drawing/2014/main" id="{61C1B1F5-BAFF-4BE7-9E77-EFB8C371A102}"/>
-              </a:ext>
-            </a:extLst>
-          </p:cNvPr>
-          <p:cNvSpPr/>
-          <p:nvPr/>
-        </p:nvSpPr>
-        <p:spPr>
-          <a:xfrm>
-            <a:off x="7323589" y="4177926"/>
-            <a:ext cx="1739052" cy="201127"/>
-          </a:xfrm>
-          <a:prstGeom prst="rect">
-            <a:avLst/>
-          </a:prstGeom>
-        </p:spPr>
-        <p:style>
-          <a:lnRef idx="2">
-            <a:schemeClr val="accent5"/>
-          </a:lnRef>
-          <a:fillRef idx="1">
-            <a:schemeClr val="lt1"/>
-          </a:fillRef>
-          <a:effectRef idx="0">
-            <a:schemeClr val="accent5"/>
-          </a:effectRef>
-          <a:fontRef idx="minor">
-            <a:schemeClr val="dk1"/>
-          </a:fontRef>
-        </p:style>
-        <p:txBody>
-          <a:bodyPr rtlCol="0" anchor="ctr"/>
-          <a:lstStyle/>
-          <a:p>
-            <a:pPr algn="ctr"/>
-            <a:endParaRPr lang="ko-KR" altLang="en-US"/>
-          </a:p>
-        </p:txBody>
-      </p:sp>
-      <p:sp>
-        <p:nvSpPr>
-          <p:cNvPr id="55" name="순서도: 병합 54">
-            <a:extLst>
-              <a:ext uri="{FF2B5EF4-FFF2-40B4-BE49-F238E27FC236}">
-                <a16:creationId xmlns:a16="http://schemas.microsoft.com/office/drawing/2014/main" id="{517ACBC8-C507-499E-98CC-8C01A8C1B6C4}"/>
-              </a:ext>
-            </a:extLst>
-          </p:cNvPr>
-          <p:cNvSpPr/>
-          <p:nvPr/>
-        </p:nvSpPr>
-        <p:spPr>
-          <a:xfrm>
-            <a:off x="8874513" y="4231423"/>
-            <a:ext cx="110096" cy="77153"/>
-          </a:xfrm>
-          <a:prstGeom prst="flowChartMerge">
-            <a:avLst/>
-          </a:prstGeom>
-        </p:spPr>
-        <p:style>
-          <a:lnRef idx="2">
-            <a:schemeClr val="accent1">
-              <a:shade val="50000"/>
-            </a:schemeClr>
-          </a:lnRef>
-          <a:fillRef idx="1">
-            <a:schemeClr val="accent1"/>
-          </a:fillRef>
-          <a:effectRef idx="0">
-            <a:schemeClr val="accent1"/>
-          </a:effectRef>
-          <a:fontRef idx="minor">
-            <a:schemeClr val="lt1"/>
-          </a:fontRef>
-        </p:style>
-        <p:txBody>
-          <a:bodyPr rtlCol="0" anchor="ctr"/>
-          <a:lstStyle/>
-          <a:p>
-            <a:pPr algn="ctr"/>
-            <a:endParaRPr lang="ko-KR" altLang="en-US"/>
-          </a:p>
-        </p:txBody>
-      </p:sp>
     </p:spTree>
     <p:extLst>
       <p:ext uri="{BB962C8B-B14F-4D97-AF65-F5344CB8AC3E}">
